--- a/2017/python/Python Programming Concepts I.pptx
+++ b/2017/python/Python Programming Concepts I.pptx
@@ -6,7 +6,7 @@
     <p:sldMasterId id="2147483660" r:id="rId2"/>
   </p:sldMasterIdLst>
   <p:notesMasterIdLst>
-    <p:notesMasterId r:id="rId77"/>
+    <p:notesMasterId r:id="rId78"/>
   </p:notesMasterIdLst>
   <p:sldIdLst>
     <p:sldId id="256" r:id="rId3"/>
@@ -45,44 +45,45 @@
     <p:sldId id="334" r:id="rId36"/>
     <p:sldId id="281" r:id="rId37"/>
     <p:sldId id="282" r:id="rId38"/>
-    <p:sldId id="283" r:id="rId39"/>
-    <p:sldId id="331" r:id="rId40"/>
-    <p:sldId id="284" r:id="rId41"/>
-    <p:sldId id="285" r:id="rId42"/>
-    <p:sldId id="286" r:id="rId43"/>
-    <p:sldId id="287" r:id="rId44"/>
-    <p:sldId id="288" r:id="rId45"/>
-    <p:sldId id="289" r:id="rId46"/>
-    <p:sldId id="290" r:id="rId47"/>
-    <p:sldId id="291" r:id="rId48"/>
-    <p:sldId id="292" r:id="rId49"/>
-    <p:sldId id="293" r:id="rId50"/>
-    <p:sldId id="294" r:id="rId51"/>
-    <p:sldId id="295" r:id="rId52"/>
-    <p:sldId id="296" r:id="rId53"/>
-    <p:sldId id="297" r:id="rId54"/>
-    <p:sldId id="298" r:id="rId55"/>
-    <p:sldId id="299" r:id="rId56"/>
-    <p:sldId id="300" r:id="rId57"/>
-    <p:sldId id="336" r:id="rId58"/>
-    <p:sldId id="301" r:id="rId59"/>
-    <p:sldId id="302" r:id="rId60"/>
-    <p:sldId id="303" r:id="rId61"/>
-    <p:sldId id="304" r:id="rId62"/>
-    <p:sldId id="305" r:id="rId63"/>
-    <p:sldId id="306" r:id="rId64"/>
-    <p:sldId id="307" r:id="rId65"/>
-    <p:sldId id="308" r:id="rId66"/>
-    <p:sldId id="309" r:id="rId67"/>
-    <p:sldId id="337" r:id="rId68"/>
-    <p:sldId id="310" r:id="rId69"/>
-    <p:sldId id="311" r:id="rId70"/>
-    <p:sldId id="312" r:id="rId71"/>
-    <p:sldId id="313" r:id="rId72"/>
-    <p:sldId id="314" r:id="rId73"/>
-    <p:sldId id="315" r:id="rId74"/>
-    <p:sldId id="316" r:id="rId75"/>
-    <p:sldId id="317" r:id="rId76"/>
+    <p:sldId id="346" r:id="rId39"/>
+    <p:sldId id="283" r:id="rId40"/>
+    <p:sldId id="331" r:id="rId41"/>
+    <p:sldId id="284" r:id="rId42"/>
+    <p:sldId id="285" r:id="rId43"/>
+    <p:sldId id="286" r:id="rId44"/>
+    <p:sldId id="287" r:id="rId45"/>
+    <p:sldId id="288" r:id="rId46"/>
+    <p:sldId id="289" r:id="rId47"/>
+    <p:sldId id="290" r:id="rId48"/>
+    <p:sldId id="291" r:id="rId49"/>
+    <p:sldId id="292" r:id="rId50"/>
+    <p:sldId id="293" r:id="rId51"/>
+    <p:sldId id="294" r:id="rId52"/>
+    <p:sldId id="295" r:id="rId53"/>
+    <p:sldId id="296" r:id="rId54"/>
+    <p:sldId id="297" r:id="rId55"/>
+    <p:sldId id="298" r:id="rId56"/>
+    <p:sldId id="299" r:id="rId57"/>
+    <p:sldId id="300" r:id="rId58"/>
+    <p:sldId id="336" r:id="rId59"/>
+    <p:sldId id="301" r:id="rId60"/>
+    <p:sldId id="302" r:id="rId61"/>
+    <p:sldId id="303" r:id="rId62"/>
+    <p:sldId id="304" r:id="rId63"/>
+    <p:sldId id="305" r:id="rId64"/>
+    <p:sldId id="306" r:id="rId65"/>
+    <p:sldId id="307" r:id="rId66"/>
+    <p:sldId id="308" r:id="rId67"/>
+    <p:sldId id="309" r:id="rId68"/>
+    <p:sldId id="337" r:id="rId69"/>
+    <p:sldId id="310" r:id="rId70"/>
+    <p:sldId id="311" r:id="rId71"/>
+    <p:sldId id="312" r:id="rId72"/>
+    <p:sldId id="313" r:id="rId73"/>
+    <p:sldId id="314" r:id="rId74"/>
+    <p:sldId id="315" r:id="rId75"/>
+    <p:sldId id="316" r:id="rId76"/>
+    <p:sldId id="317" r:id="rId77"/>
   </p:sldIdLst>
   <p:sldSz cx="9144000" cy="6858000" type="screen4x3"/>
   <p:notesSz cx="6858000" cy="9144000"/>
@@ -299,7 +300,7 @@
   </p:defaultTextStyle>
   <p:extLst>
     <p:ext uri="{EFAFB233-063F-42B5-8137-9DF3F51BA10A}">
-      <p15:sldGuideLst xmlns:p15="http://schemas.microsoft.com/office/powerpoint/2012/main">
+      <p15:sldGuideLst xmlns="" xmlns:p15="http://schemas.microsoft.com/office/powerpoint/2012/main">
         <p15:guide id="1" orient="horz" pos="2160">
           <p15:clr>
             <a:srgbClr val="A4A3A4"/>
@@ -3161,6 +3162,10 @@
               </a:spcBef>
               <a:buNone/>
             </a:pPr>
+            <a:r>
+              <a:rPr lang="en-US" sz="1466" dirty="0" smtClean="0"/>
+              <a:t>What happened here?</a:t>
+            </a:r>
             <a:endParaRPr sz="1466" dirty="0"/>
           </a:p>
         </p:txBody>
@@ -3747,7 +3752,28 @@
             </a:r>
             <a:r>
               <a:rPr lang="en-US" baseline="0" dirty="0" smtClean="0"/>
-              <a:t> good and bad possibilities</a:t>
+              <a:t> good and bad possibilities.</a:t>
+            </a:r>
+          </a:p>
+          <a:p>
+            <a:pPr>
+              <a:spcBef>
+                <a:spcPts val="0"/>
+              </a:spcBef>
+              <a:buNone/>
+            </a:pPr>
+            <a:endParaRPr lang="en-US" baseline="0" dirty="0" smtClean="0"/>
+          </a:p>
+          <a:p>
+            <a:pPr>
+              <a:spcBef>
+                <a:spcPts val="0"/>
+              </a:spcBef>
+              <a:buNone/>
+            </a:pPr>
+            <a:r>
+              <a:rPr lang="en-US" baseline="0" dirty="0" smtClean="0"/>
+              <a:t>Why do we think that is?</a:t>
             </a:r>
             <a:endParaRPr dirty="0"/>
           </a:p>
@@ -3887,6 +3913,75 @@
 </file>
 
 <file path=ppt/notesSlides/notesSlide33.xml><?xml version="1.0" encoding="utf-8"?>
+<p:notes xmlns:a="http://schemas.openxmlformats.org/drawingml/2006/main" xmlns:r="http://schemas.openxmlformats.org/officeDocument/2006/relationships" xmlns:p="http://schemas.openxmlformats.org/presentationml/2006/main">
+  <p:cSld>
+    <p:spTree>
+      <p:nvGrpSpPr>
+        <p:cNvPr id="1" name=""/>
+        <p:cNvGrpSpPr/>
+        <p:nvPr/>
+      </p:nvGrpSpPr>
+      <p:grpSpPr>
+        <a:xfrm>
+          <a:off x="0" y="0"/>
+          <a:ext cx="0" cy="0"/>
+          <a:chOff x="0" y="0"/>
+          <a:chExt cx="0" cy="0"/>
+        </a:xfrm>
+      </p:grpSpPr>
+      <p:sp>
+        <p:nvSpPr>
+          <p:cNvPr id="2" name="Slide Image Placeholder 1"/>
+          <p:cNvSpPr>
+            <a:spLocks noGrp="1" noRot="1" noChangeAspect="1"/>
+          </p:cNvSpPr>
+          <p:nvPr>
+            <p:ph type="sldImg"/>
+          </p:nvPr>
+        </p:nvSpPr>
+        <p:spPr/>
+      </p:sp>
+      <p:sp>
+        <p:nvSpPr>
+          <p:cNvPr id="3" name="Notes Placeholder 2"/>
+          <p:cNvSpPr>
+            <a:spLocks noGrp="1"/>
+          </p:cNvSpPr>
+          <p:nvPr>
+            <p:ph type="body" idx="1"/>
+          </p:nvPr>
+        </p:nvSpPr>
+        <p:spPr/>
+        <p:txBody>
+          <a:bodyPr/>
+          <a:lstStyle/>
+          <a:p>
+            <a:r>
+              <a:rPr lang="en-US" dirty="0" smtClean="0"/>
+              <a:t>Python tries</a:t>
+            </a:r>
+            <a:r>
+              <a:rPr lang="en-US" baseline="0" dirty="0" smtClean="0"/>
+              <a:t> to help you out</a:t>
+            </a:r>
+            <a:endParaRPr lang="en-US" dirty="0"/>
+          </a:p>
+        </p:txBody>
+      </p:sp>
+    </p:spTree>
+    <p:extLst>
+      <p:ext uri="{BB962C8B-B14F-4D97-AF65-F5344CB8AC3E}">
+        <p14:creationId xmlns:p14="http://schemas.microsoft.com/office/powerpoint/2010/main" val="96268219"/>
+      </p:ext>
+    </p:extLst>
+  </p:cSld>
+  <p:clrMapOvr>
+    <a:masterClrMapping/>
+  </p:clrMapOvr>
+</p:notes>
+</file>
+
+<file path=ppt/notesSlides/notesSlide34.xml><?xml version="1.0" encoding="utf-8"?>
 <p:notes xmlns:a="http://schemas.openxmlformats.org/drawingml/2006/main" xmlns:r="http://schemas.openxmlformats.org/officeDocument/2006/relationships" xmlns:p="http://schemas.openxmlformats.org/presentationml/2006/main" showMasterSp="0" showMasterPhAnim="0">
   <p:cSld>
     <p:spTree>
@@ -4002,7 +4097,7 @@
 </p:notes>
 </file>
 
-<file path=ppt/notesSlides/notesSlide34.xml><?xml version="1.0" encoding="utf-8"?>
+<file path=ppt/notesSlides/notesSlide35.xml><?xml version="1.0" encoding="utf-8"?>
 <p:notes xmlns:a="http://schemas.openxmlformats.org/drawingml/2006/main" xmlns:r="http://schemas.openxmlformats.org/officeDocument/2006/relationships" xmlns:p="http://schemas.openxmlformats.org/presentationml/2006/main" showMasterSp="0" showMasterPhAnim="0">
   <p:cSld>
     <p:spTree>
@@ -4126,7 +4221,131 @@
 </p:notes>
 </file>
 
-<file path=ppt/notesSlides/notesSlide35.xml><?xml version="1.0" encoding="utf-8"?>
+<file path=ppt/notesSlides/notesSlide36.xml><?xml version="1.0" encoding="utf-8"?>
+<p:notes xmlns:a="http://schemas.openxmlformats.org/drawingml/2006/main" xmlns:r="http://schemas.openxmlformats.org/officeDocument/2006/relationships" xmlns:p="http://schemas.openxmlformats.org/presentationml/2006/main" showMasterSp="0" showMasterPhAnim="0">
+  <p:cSld>
+    <p:spTree>
+      <p:nvGrpSpPr>
+        <p:cNvPr id="1" name="Shape 207"/>
+        <p:cNvGrpSpPr/>
+        <p:nvPr/>
+      </p:nvGrpSpPr>
+      <p:grpSpPr>
+        <a:xfrm>
+          <a:off x="0" y="0"/>
+          <a:ext cx="0" cy="0"/>
+          <a:chOff x="0" y="0"/>
+          <a:chExt cx="0" cy="0"/>
+        </a:xfrm>
+      </p:grpSpPr>
+      <p:sp>
+        <p:nvSpPr>
+          <p:cNvPr id="208" name="Shape 208"/>
+          <p:cNvSpPr>
+            <a:spLocks noGrp="1" noRot="1" noChangeAspect="1"/>
+          </p:cNvSpPr>
+          <p:nvPr>
+            <p:ph type="sldImg" idx="2"/>
+          </p:nvPr>
+        </p:nvSpPr>
+        <p:spPr>
+          <a:xfrm>
+            <a:off x="1143000" y="685800"/>
+            <a:ext cx="4572000" cy="3429000"/>
+          </a:xfrm>
+          <a:custGeom>
+            <a:avLst/>
+            <a:gdLst/>
+            <a:ahLst/>
+            <a:cxnLst/>
+            <a:rect l="0" t="0" r="0" b="0"/>
+            <a:pathLst>
+              <a:path w="120000" h="120000" extrusionOk="0">
+                <a:moveTo>
+                  <a:pt x="0" y="0"/>
+                </a:moveTo>
+                <a:lnTo>
+                  <a:pt x="120000" y="0"/>
+                </a:lnTo>
+                <a:lnTo>
+                  <a:pt x="120000" y="120000"/>
+                </a:lnTo>
+                <a:lnTo>
+                  <a:pt x="0" y="120000"/>
+                </a:lnTo>
+                <a:close/>
+              </a:path>
+            </a:pathLst>
+          </a:custGeom>
+          <a:noFill/>
+          <a:ln w="9525" cap="flat">
+            <a:solidFill>
+              <a:srgbClr val="000000"/>
+            </a:solidFill>
+            <a:prstDash val="solid"/>
+            <a:round/>
+            <a:headEnd type="none" w="med" len="med"/>
+            <a:tailEnd type="none" w="med" len="med"/>
+          </a:ln>
+        </p:spPr>
+      </p:sp>
+      <p:sp>
+        <p:nvSpPr>
+          <p:cNvPr id="209" name="Shape 209"/>
+          <p:cNvSpPr txBox="1">
+            <a:spLocks noGrp="1"/>
+          </p:cNvSpPr>
+          <p:nvPr>
+            <p:ph type="body" idx="1"/>
+          </p:nvPr>
+        </p:nvSpPr>
+        <p:spPr>
+          <a:xfrm>
+            <a:off x="685800" y="4343400"/>
+            <a:ext cx="5486399" cy="4114800"/>
+          </a:xfrm>
+          <a:prstGeom prst="rect">
+            <a:avLst/>
+          </a:prstGeom>
+        </p:spPr>
+        <p:txBody>
+          <a:bodyPr lIns="91425" tIns="91425" rIns="91425" bIns="91425" anchor="t" anchorCtr="0">
+            <a:noAutofit/>
+          </a:bodyPr>
+          <a:lstStyle/>
+          <a:p>
+            <a:pPr>
+              <a:spcBef>
+                <a:spcPts val="0"/>
+              </a:spcBef>
+              <a:buNone/>
+            </a:pPr>
+            <a:r>
+              <a:rPr lang="en-US" sz="1466" dirty="0" smtClean="0"/>
+              <a:t>Means that the data</a:t>
+            </a:r>
+            <a:r>
+              <a:rPr lang="en-US" sz="1466" baseline="0" dirty="0" smtClean="0"/>
+              <a:t> types are not explicitly declared as such. We simply assume them to behave properly. And if they don’t they cause errors. So it’s a way of handling the declaration of variables.</a:t>
+            </a:r>
+            <a:endParaRPr sz="1466" dirty="0"/>
+          </a:p>
+        </p:txBody>
+      </p:sp>
+    </p:spTree>
+    <p:extLst>
+      <p:ext uri="{BB962C8B-B14F-4D97-AF65-F5344CB8AC3E}">
+        <p14:creationId xmlns:p14="http://schemas.microsoft.com/office/powerpoint/2010/main" val="3550045998"/>
+      </p:ext>
+    </p:extLst>
+  </p:cSld>
+  <p:clrMapOvr>
+    <a:masterClrMapping/>
+  </p:clrMapOvr>
+</p:notes>
+</file>
+
+<file path=ppt/notesSlides/notesSlide37.xml><?xml version="1.0" encoding="utf-8"?>
 <p:notes xmlns:a="http://schemas.openxmlformats.org/drawingml/2006/main" xmlns:r="http://schemas.openxmlformats.org/officeDocument/2006/relationships" xmlns:p="http://schemas.openxmlformats.org/presentationml/2006/main" showMasterSp="0" showMasterPhAnim="0">
   <p:cSld>
     <p:spTree>
@@ -4255,7 +4474,7 @@
 </p:notes>
 </file>
 
-<file path=ppt/notesSlides/notesSlide36.xml><?xml version="1.0" encoding="utf-8"?>
+<file path=ppt/notesSlides/notesSlide38.xml><?xml version="1.0" encoding="utf-8"?>
 <p:notes xmlns:a="http://schemas.openxmlformats.org/drawingml/2006/main" xmlns:r="http://schemas.openxmlformats.org/officeDocument/2006/relationships" xmlns:p="http://schemas.openxmlformats.org/presentationml/2006/main" showMasterSp="0" showMasterPhAnim="0">
   <p:cSld>
     <p:spTree>
@@ -4384,7 +4603,7 @@
 </p:notes>
 </file>
 
-<file path=ppt/notesSlides/notesSlide37.xml><?xml version="1.0" encoding="utf-8"?>
+<file path=ppt/notesSlides/notesSlide39.xml><?xml version="1.0" encoding="utf-8"?>
 <p:notes xmlns:a="http://schemas.openxmlformats.org/drawingml/2006/main" xmlns:r="http://schemas.openxmlformats.org/officeDocument/2006/relationships" xmlns:p="http://schemas.openxmlformats.org/presentationml/2006/main" showMasterSp="0" showMasterPhAnim="0">
   <p:cSld>
     <p:spTree>
@@ -4500,7 +4719,77 @@
 </p:notes>
 </file>
 
-<file path=ppt/notesSlides/notesSlide38.xml><?xml version="1.0" encoding="utf-8"?>
+<file path=ppt/notesSlides/notesSlide4.xml><?xml version="1.0" encoding="utf-8"?>
+<p:notes xmlns:a="http://schemas.openxmlformats.org/drawingml/2006/main" xmlns:r="http://schemas.openxmlformats.org/officeDocument/2006/relationships" xmlns:p="http://schemas.openxmlformats.org/presentationml/2006/main">
+  <p:cSld>
+    <p:spTree>
+      <p:nvGrpSpPr>
+        <p:cNvPr id="1" name=""/>
+        <p:cNvGrpSpPr/>
+        <p:nvPr/>
+      </p:nvGrpSpPr>
+      <p:grpSpPr>
+        <a:xfrm>
+          <a:off x="0" y="0"/>
+          <a:ext cx="0" cy="0"/>
+          <a:chOff x="0" y="0"/>
+          <a:chExt cx="0" cy="0"/>
+        </a:xfrm>
+      </p:grpSpPr>
+      <p:sp>
+        <p:nvSpPr>
+          <p:cNvPr id="2" name="Slide Image Placeholder 1"/>
+          <p:cNvSpPr>
+            <a:spLocks noGrp="1" noRot="1" noChangeAspect="1"/>
+          </p:cNvSpPr>
+          <p:nvPr>
+            <p:ph type="sldImg"/>
+          </p:nvPr>
+        </p:nvSpPr>
+        <p:spPr>
+          <a:xfrm>
+            <a:off x="1143000" y="685800"/>
+            <a:ext cx="4572000" cy="3429000"/>
+          </a:xfrm>
+        </p:spPr>
+      </p:sp>
+      <p:sp>
+        <p:nvSpPr>
+          <p:cNvPr id="3" name="Notes Placeholder 2"/>
+          <p:cNvSpPr>
+            <a:spLocks noGrp="1"/>
+          </p:cNvSpPr>
+          <p:nvPr>
+            <p:ph type="body" idx="1"/>
+          </p:nvPr>
+        </p:nvSpPr>
+        <p:spPr/>
+        <p:txBody>
+          <a:bodyPr/>
+          <a:lstStyle/>
+          <a:p>
+            <a:r>
+              <a:rPr lang="en-US" dirty="0" smtClean="0"/>
+              <a:t>What is it? How would they define it?</a:t>
+            </a:r>
+            <a:endParaRPr lang="en-US" dirty="0"/>
+          </a:p>
+        </p:txBody>
+      </p:sp>
+    </p:spTree>
+    <p:extLst>
+      <p:ext uri="{BB962C8B-B14F-4D97-AF65-F5344CB8AC3E}">
+        <p14:creationId xmlns:p14="http://schemas.microsoft.com/office/powerpoint/2010/main" val="3026532354"/>
+      </p:ext>
+    </p:extLst>
+  </p:cSld>
+  <p:clrMapOvr>
+    <a:masterClrMapping/>
+  </p:clrMapOvr>
+</p:notes>
+</file>
+
+<file path=ppt/notesSlides/notesSlide40.xml><?xml version="1.0" encoding="utf-8"?>
 <p:notes xmlns:a="http://schemas.openxmlformats.org/drawingml/2006/main" xmlns:r="http://schemas.openxmlformats.org/officeDocument/2006/relationships" xmlns:p="http://schemas.openxmlformats.org/presentationml/2006/main" showMasterSp="0" showMasterPhAnim="0">
   <p:cSld>
     <p:spTree>
@@ -4616,7 +4905,7 @@
 </p:notes>
 </file>
 
-<file path=ppt/notesSlides/notesSlide39.xml><?xml version="1.0" encoding="utf-8"?>
+<file path=ppt/notesSlides/notesSlide41.xml><?xml version="1.0" encoding="utf-8"?>
 <p:notes xmlns:a="http://schemas.openxmlformats.org/drawingml/2006/main" xmlns:r="http://schemas.openxmlformats.org/officeDocument/2006/relationships" xmlns:p="http://schemas.openxmlformats.org/presentationml/2006/main" showMasterSp="0" showMasterPhAnim="0">
   <p:cSld>
     <p:spTree>
@@ -4732,77 +5021,7 @@
 </p:notes>
 </file>
 
-<file path=ppt/notesSlides/notesSlide4.xml><?xml version="1.0" encoding="utf-8"?>
-<p:notes xmlns:a="http://schemas.openxmlformats.org/drawingml/2006/main" xmlns:r="http://schemas.openxmlformats.org/officeDocument/2006/relationships" xmlns:p="http://schemas.openxmlformats.org/presentationml/2006/main">
-  <p:cSld>
-    <p:spTree>
-      <p:nvGrpSpPr>
-        <p:cNvPr id="1" name=""/>
-        <p:cNvGrpSpPr/>
-        <p:nvPr/>
-      </p:nvGrpSpPr>
-      <p:grpSpPr>
-        <a:xfrm>
-          <a:off x="0" y="0"/>
-          <a:ext cx="0" cy="0"/>
-          <a:chOff x="0" y="0"/>
-          <a:chExt cx="0" cy="0"/>
-        </a:xfrm>
-      </p:grpSpPr>
-      <p:sp>
-        <p:nvSpPr>
-          <p:cNvPr id="2" name="Slide Image Placeholder 1"/>
-          <p:cNvSpPr>
-            <a:spLocks noGrp="1" noRot="1" noChangeAspect="1"/>
-          </p:cNvSpPr>
-          <p:nvPr>
-            <p:ph type="sldImg"/>
-          </p:nvPr>
-        </p:nvSpPr>
-        <p:spPr>
-          <a:xfrm>
-            <a:off x="1143000" y="685800"/>
-            <a:ext cx="4572000" cy="3429000"/>
-          </a:xfrm>
-        </p:spPr>
-      </p:sp>
-      <p:sp>
-        <p:nvSpPr>
-          <p:cNvPr id="3" name="Notes Placeholder 2"/>
-          <p:cNvSpPr>
-            <a:spLocks noGrp="1"/>
-          </p:cNvSpPr>
-          <p:nvPr>
-            <p:ph type="body" idx="1"/>
-          </p:nvPr>
-        </p:nvSpPr>
-        <p:spPr/>
-        <p:txBody>
-          <a:bodyPr/>
-          <a:lstStyle/>
-          <a:p>
-            <a:r>
-              <a:rPr lang="en-US" dirty="0" smtClean="0"/>
-              <a:t>What is it? How would they define it?</a:t>
-            </a:r>
-            <a:endParaRPr lang="en-US" dirty="0"/>
-          </a:p>
-        </p:txBody>
-      </p:sp>
-    </p:spTree>
-    <p:extLst>
-      <p:ext uri="{BB962C8B-B14F-4D97-AF65-F5344CB8AC3E}">
-        <p14:creationId xmlns:p14="http://schemas.microsoft.com/office/powerpoint/2010/main" val="3026532354"/>
-      </p:ext>
-    </p:extLst>
-  </p:cSld>
-  <p:clrMapOvr>
-    <a:masterClrMapping/>
-  </p:clrMapOvr>
-</p:notes>
-</file>
-
-<file path=ppt/notesSlides/notesSlide40.xml><?xml version="1.0" encoding="utf-8"?>
+<file path=ppt/notesSlides/notesSlide42.xml><?xml version="1.0" encoding="utf-8"?>
 <p:notes xmlns:a="http://schemas.openxmlformats.org/drawingml/2006/main" xmlns:r="http://schemas.openxmlformats.org/officeDocument/2006/relationships" xmlns:p="http://schemas.openxmlformats.org/presentationml/2006/main" showMasterSp="0" showMasterPhAnim="0">
   <p:cSld>
     <p:spTree>
@@ -4918,7 +5137,7 @@
 </p:notes>
 </file>
 
-<file path=ppt/notesSlides/notesSlide41.xml><?xml version="1.0" encoding="utf-8"?>
+<file path=ppt/notesSlides/notesSlide43.xml><?xml version="1.0" encoding="utf-8"?>
 <p:notes xmlns:a="http://schemas.openxmlformats.org/drawingml/2006/main" xmlns:r="http://schemas.openxmlformats.org/officeDocument/2006/relationships" xmlns:p="http://schemas.openxmlformats.org/presentationml/2006/main" showMasterSp="0" showMasterPhAnim="0">
   <p:cSld>
     <p:spTree>
@@ -5034,7 +5253,7 @@
 </p:notes>
 </file>
 
-<file path=ppt/notesSlides/notesSlide42.xml><?xml version="1.0" encoding="utf-8"?>
+<file path=ppt/notesSlides/notesSlide44.xml><?xml version="1.0" encoding="utf-8"?>
 <p:notes xmlns:a="http://schemas.openxmlformats.org/drawingml/2006/main" xmlns:r="http://schemas.openxmlformats.org/officeDocument/2006/relationships" xmlns:p="http://schemas.openxmlformats.org/presentationml/2006/main" showMasterSp="0" showMasterPhAnim="0">
   <p:cSld>
     <p:spTree>
@@ -5150,7 +5369,7 @@
 </p:notes>
 </file>
 
-<file path=ppt/notesSlides/notesSlide43.xml><?xml version="1.0" encoding="utf-8"?>
+<file path=ppt/notesSlides/notesSlide45.xml><?xml version="1.0" encoding="utf-8"?>
 <p:notes xmlns:a="http://schemas.openxmlformats.org/drawingml/2006/main" xmlns:r="http://schemas.openxmlformats.org/officeDocument/2006/relationships" xmlns:p="http://schemas.openxmlformats.org/presentationml/2006/main" showMasterSp="0" showMasterPhAnim="0">
   <p:cSld>
     <p:spTree>
@@ -5266,7 +5485,7 @@
 </p:notes>
 </file>
 
-<file path=ppt/notesSlides/notesSlide44.xml><?xml version="1.0" encoding="utf-8"?>
+<file path=ppt/notesSlides/notesSlide46.xml><?xml version="1.0" encoding="utf-8"?>
 <p:notes xmlns:a="http://schemas.openxmlformats.org/drawingml/2006/main" xmlns:r="http://schemas.openxmlformats.org/officeDocument/2006/relationships" xmlns:p="http://schemas.openxmlformats.org/presentationml/2006/main" showMasterSp="0" showMasterPhAnim="0">
   <p:cSld>
     <p:spTree>
@@ -5390,7 +5609,7 @@
 </p:notes>
 </file>
 
-<file path=ppt/notesSlides/notesSlide45.xml><?xml version="1.0" encoding="utf-8"?>
+<file path=ppt/notesSlides/notesSlide47.xml><?xml version="1.0" encoding="utf-8"?>
 <p:notes xmlns:a="http://schemas.openxmlformats.org/drawingml/2006/main" xmlns:r="http://schemas.openxmlformats.org/officeDocument/2006/relationships" xmlns:p="http://schemas.openxmlformats.org/presentationml/2006/main" showMasterSp="0" showMasterPhAnim="0">
   <p:cSld>
     <p:spTree>
@@ -5506,7 +5725,7 @@
 </p:notes>
 </file>
 
-<file path=ppt/notesSlides/notesSlide46.xml><?xml version="1.0" encoding="utf-8"?>
+<file path=ppt/notesSlides/notesSlide48.xml><?xml version="1.0" encoding="utf-8"?>
 <p:notes xmlns:a="http://schemas.openxmlformats.org/drawingml/2006/main" xmlns:r="http://schemas.openxmlformats.org/officeDocument/2006/relationships" xmlns:p="http://schemas.openxmlformats.org/presentationml/2006/main" showMasterSp="0" showMasterPhAnim="0">
   <p:cSld>
     <p:spTree>
@@ -5622,7 +5841,7 @@
 </p:notes>
 </file>
 
-<file path=ppt/notesSlides/notesSlide47.xml><?xml version="1.0" encoding="utf-8"?>
+<file path=ppt/notesSlides/notesSlide49.xml><?xml version="1.0" encoding="utf-8"?>
 <p:notes xmlns:a="http://schemas.openxmlformats.org/drawingml/2006/main" xmlns:r="http://schemas.openxmlformats.org/officeDocument/2006/relationships" xmlns:p="http://schemas.openxmlformats.org/presentationml/2006/main" showMasterSp="0" showMasterPhAnim="0">
   <p:cSld>
     <p:spTree>
@@ -5729,258 +5948,6 @@
     <p:extLst>
       <p:ext uri="{BB962C8B-B14F-4D97-AF65-F5344CB8AC3E}">
         <p14:creationId xmlns:p14="http://schemas.microsoft.com/office/powerpoint/2010/main" val="1235628145"/>
-      </p:ext>
-    </p:extLst>
-  </p:cSld>
-  <p:clrMapOvr>
-    <a:masterClrMapping/>
-  </p:clrMapOvr>
-</p:notes>
-</file>
-
-<file path=ppt/notesSlides/notesSlide48.xml><?xml version="1.0" encoding="utf-8"?>
-<p:notes xmlns:a="http://schemas.openxmlformats.org/drawingml/2006/main" xmlns:r="http://schemas.openxmlformats.org/officeDocument/2006/relationships" xmlns:p="http://schemas.openxmlformats.org/presentationml/2006/main" showMasterSp="0" showMasterPhAnim="0">
-  <p:cSld>
-    <p:spTree>
-      <p:nvGrpSpPr>
-        <p:cNvPr id="1" name="Shape 286"/>
-        <p:cNvGrpSpPr/>
-        <p:nvPr/>
-      </p:nvGrpSpPr>
-      <p:grpSpPr>
-        <a:xfrm>
-          <a:off x="0" y="0"/>
-          <a:ext cx="0" cy="0"/>
-          <a:chOff x="0" y="0"/>
-          <a:chExt cx="0" cy="0"/>
-        </a:xfrm>
-      </p:grpSpPr>
-      <p:sp>
-        <p:nvSpPr>
-          <p:cNvPr id="287" name="Shape 287"/>
-          <p:cNvSpPr>
-            <a:spLocks noGrp="1" noRot="1" noChangeAspect="1"/>
-          </p:cNvSpPr>
-          <p:nvPr>
-            <p:ph type="sldImg" idx="2"/>
-          </p:nvPr>
-        </p:nvSpPr>
-        <p:spPr>
-          <a:xfrm>
-            <a:off x="1143000" y="685800"/>
-            <a:ext cx="4572000" cy="3429000"/>
-          </a:xfrm>
-          <a:custGeom>
-            <a:avLst/>
-            <a:gdLst/>
-            <a:ahLst/>
-            <a:cxnLst/>
-            <a:rect l="0" t="0" r="0" b="0"/>
-            <a:pathLst>
-              <a:path w="120000" h="120000" extrusionOk="0">
-                <a:moveTo>
-                  <a:pt x="0" y="0"/>
-                </a:moveTo>
-                <a:lnTo>
-                  <a:pt x="120000" y="0"/>
-                </a:lnTo>
-                <a:lnTo>
-                  <a:pt x="120000" y="120000"/>
-                </a:lnTo>
-                <a:lnTo>
-                  <a:pt x="0" y="120000"/>
-                </a:lnTo>
-                <a:close/>
-              </a:path>
-            </a:pathLst>
-          </a:custGeom>
-          <a:noFill/>
-          <a:ln w="9525" cap="flat">
-            <a:solidFill>
-              <a:srgbClr val="000000"/>
-            </a:solidFill>
-            <a:prstDash val="solid"/>
-            <a:round/>
-            <a:headEnd type="none" w="med" len="med"/>
-            <a:tailEnd type="none" w="med" len="med"/>
-          </a:ln>
-        </p:spPr>
-      </p:sp>
-      <p:sp>
-        <p:nvSpPr>
-          <p:cNvPr id="288" name="Shape 288"/>
-          <p:cNvSpPr txBox="1">
-            <a:spLocks noGrp="1"/>
-          </p:cNvSpPr>
-          <p:nvPr>
-            <p:ph type="body" idx="1"/>
-          </p:nvPr>
-        </p:nvSpPr>
-        <p:spPr>
-          <a:xfrm>
-            <a:off x="685800" y="4343400"/>
-            <a:ext cx="5486399" cy="4114800"/>
-          </a:xfrm>
-          <a:prstGeom prst="rect">
-            <a:avLst/>
-          </a:prstGeom>
-        </p:spPr>
-        <p:txBody>
-          <a:bodyPr lIns="91425" tIns="91425" rIns="91425" bIns="91425" anchor="t" anchorCtr="0">
-            <a:noAutofit/>
-          </a:bodyPr>
-          <a:lstStyle/>
-          <a:p>
-            <a:pPr>
-              <a:spcBef>
-                <a:spcPts val="0"/>
-              </a:spcBef>
-              <a:buNone/>
-            </a:pPr>
-            <a:r>
-              <a:rPr lang="en-US" dirty="0" smtClean="0"/>
-              <a:t>Why zero? </a:t>
-            </a:r>
-          </a:p>
-          <a:p>
-            <a:pPr>
-              <a:spcBef>
-                <a:spcPts val="0"/>
-              </a:spcBef>
-              <a:buNone/>
-            </a:pPr>
-            <a:r>
-              <a:rPr lang="en-US" dirty="0" smtClean="0"/>
-              <a:t>How</a:t>
-            </a:r>
-            <a:r>
-              <a:rPr lang="en-US" baseline="0" dirty="0" smtClean="0"/>
-              <a:t> many moves does it take to get to the next one.</a:t>
-            </a:r>
-            <a:endParaRPr dirty="0"/>
-          </a:p>
-        </p:txBody>
-      </p:sp>
-    </p:spTree>
-    <p:extLst>
-      <p:ext uri="{BB962C8B-B14F-4D97-AF65-F5344CB8AC3E}">
-        <p14:creationId xmlns:p14="http://schemas.microsoft.com/office/powerpoint/2010/main" val="2127983397"/>
-      </p:ext>
-    </p:extLst>
-  </p:cSld>
-  <p:clrMapOvr>
-    <a:masterClrMapping/>
-  </p:clrMapOvr>
-</p:notes>
-</file>
-
-<file path=ppt/notesSlides/notesSlide49.xml><?xml version="1.0" encoding="utf-8"?>
-<p:notes xmlns:a="http://schemas.openxmlformats.org/drawingml/2006/main" xmlns:r="http://schemas.openxmlformats.org/officeDocument/2006/relationships" xmlns:p="http://schemas.openxmlformats.org/presentationml/2006/main" showMasterSp="0" showMasterPhAnim="0">
-  <p:cSld>
-    <p:spTree>
-      <p:nvGrpSpPr>
-        <p:cNvPr id="1" name="Shape 292"/>
-        <p:cNvGrpSpPr/>
-        <p:nvPr/>
-      </p:nvGrpSpPr>
-      <p:grpSpPr>
-        <a:xfrm>
-          <a:off x="0" y="0"/>
-          <a:ext cx="0" cy="0"/>
-          <a:chOff x="0" y="0"/>
-          <a:chExt cx="0" cy="0"/>
-        </a:xfrm>
-      </p:grpSpPr>
-      <p:sp>
-        <p:nvSpPr>
-          <p:cNvPr id="293" name="Shape 293"/>
-          <p:cNvSpPr>
-            <a:spLocks noGrp="1" noRot="1" noChangeAspect="1"/>
-          </p:cNvSpPr>
-          <p:nvPr>
-            <p:ph type="sldImg" idx="2"/>
-          </p:nvPr>
-        </p:nvSpPr>
-        <p:spPr>
-          <a:xfrm>
-            <a:off x="1143000" y="685800"/>
-            <a:ext cx="4572000" cy="3429000"/>
-          </a:xfrm>
-          <a:custGeom>
-            <a:avLst/>
-            <a:gdLst/>
-            <a:ahLst/>
-            <a:cxnLst/>
-            <a:rect l="0" t="0" r="0" b="0"/>
-            <a:pathLst>
-              <a:path w="120000" h="120000" extrusionOk="0">
-                <a:moveTo>
-                  <a:pt x="0" y="0"/>
-                </a:moveTo>
-                <a:lnTo>
-                  <a:pt x="120000" y="0"/>
-                </a:lnTo>
-                <a:lnTo>
-                  <a:pt x="120000" y="120000"/>
-                </a:lnTo>
-                <a:lnTo>
-                  <a:pt x="0" y="120000"/>
-                </a:lnTo>
-                <a:close/>
-              </a:path>
-            </a:pathLst>
-          </a:custGeom>
-          <a:noFill/>
-          <a:ln w="9525" cap="flat">
-            <a:solidFill>
-              <a:srgbClr val="000000"/>
-            </a:solidFill>
-            <a:prstDash val="solid"/>
-            <a:round/>
-            <a:headEnd type="none" w="med" len="med"/>
-            <a:tailEnd type="none" w="med" len="med"/>
-          </a:ln>
-        </p:spPr>
-      </p:sp>
-      <p:sp>
-        <p:nvSpPr>
-          <p:cNvPr id="294" name="Shape 294"/>
-          <p:cNvSpPr txBox="1">
-            <a:spLocks noGrp="1"/>
-          </p:cNvSpPr>
-          <p:nvPr>
-            <p:ph type="body" idx="1"/>
-          </p:nvPr>
-        </p:nvSpPr>
-        <p:spPr>
-          <a:xfrm>
-            <a:off x="685800" y="4343400"/>
-            <a:ext cx="5486399" cy="4114800"/>
-          </a:xfrm>
-          <a:prstGeom prst="rect">
-            <a:avLst/>
-          </a:prstGeom>
-        </p:spPr>
-        <p:txBody>
-          <a:bodyPr lIns="91425" tIns="91425" rIns="91425" bIns="91425" anchor="t" anchorCtr="0">
-            <a:noAutofit/>
-          </a:bodyPr>
-          <a:lstStyle/>
-          <a:p>
-            <a:pPr>
-              <a:spcBef>
-                <a:spcPts val="0"/>
-              </a:spcBef>
-              <a:buNone/>
-            </a:pPr>
-            <a:endParaRPr/>
-          </a:p>
-        </p:txBody>
-      </p:sp>
-    </p:spTree>
-    <p:extLst>
-      <p:ext uri="{BB962C8B-B14F-4D97-AF65-F5344CB8AC3E}">
-        <p14:creationId xmlns:p14="http://schemas.microsoft.com/office/powerpoint/2010/main" val="1222805649"/>
       </p:ext>
     </p:extLst>
   </p:cSld>
@@ -6111,6 +6078,258 @@
   <p:cSld>
     <p:spTree>
       <p:nvGrpSpPr>
+        <p:cNvPr id="1" name="Shape 286"/>
+        <p:cNvGrpSpPr/>
+        <p:nvPr/>
+      </p:nvGrpSpPr>
+      <p:grpSpPr>
+        <a:xfrm>
+          <a:off x="0" y="0"/>
+          <a:ext cx="0" cy="0"/>
+          <a:chOff x="0" y="0"/>
+          <a:chExt cx="0" cy="0"/>
+        </a:xfrm>
+      </p:grpSpPr>
+      <p:sp>
+        <p:nvSpPr>
+          <p:cNvPr id="287" name="Shape 287"/>
+          <p:cNvSpPr>
+            <a:spLocks noGrp="1" noRot="1" noChangeAspect="1"/>
+          </p:cNvSpPr>
+          <p:nvPr>
+            <p:ph type="sldImg" idx="2"/>
+          </p:nvPr>
+        </p:nvSpPr>
+        <p:spPr>
+          <a:xfrm>
+            <a:off x="1143000" y="685800"/>
+            <a:ext cx="4572000" cy="3429000"/>
+          </a:xfrm>
+          <a:custGeom>
+            <a:avLst/>
+            <a:gdLst/>
+            <a:ahLst/>
+            <a:cxnLst/>
+            <a:rect l="0" t="0" r="0" b="0"/>
+            <a:pathLst>
+              <a:path w="120000" h="120000" extrusionOk="0">
+                <a:moveTo>
+                  <a:pt x="0" y="0"/>
+                </a:moveTo>
+                <a:lnTo>
+                  <a:pt x="120000" y="0"/>
+                </a:lnTo>
+                <a:lnTo>
+                  <a:pt x="120000" y="120000"/>
+                </a:lnTo>
+                <a:lnTo>
+                  <a:pt x="0" y="120000"/>
+                </a:lnTo>
+                <a:close/>
+              </a:path>
+            </a:pathLst>
+          </a:custGeom>
+          <a:noFill/>
+          <a:ln w="9525" cap="flat">
+            <a:solidFill>
+              <a:srgbClr val="000000"/>
+            </a:solidFill>
+            <a:prstDash val="solid"/>
+            <a:round/>
+            <a:headEnd type="none" w="med" len="med"/>
+            <a:tailEnd type="none" w="med" len="med"/>
+          </a:ln>
+        </p:spPr>
+      </p:sp>
+      <p:sp>
+        <p:nvSpPr>
+          <p:cNvPr id="288" name="Shape 288"/>
+          <p:cNvSpPr txBox="1">
+            <a:spLocks noGrp="1"/>
+          </p:cNvSpPr>
+          <p:nvPr>
+            <p:ph type="body" idx="1"/>
+          </p:nvPr>
+        </p:nvSpPr>
+        <p:spPr>
+          <a:xfrm>
+            <a:off x="685800" y="4343400"/>
+            <a:ext cx="5486399" cy="4114800"/>
+          </a:xfrm>
+          <a:prstGeom prst="rect">
+            <a:avLst/>
+          </a:prstGeom>
+        </p:spPr>
+        <p:txBody>
+          <a:bodyPr lIns="91425" tIns="91425" rIns="91425" bIns="91425" anchor="t" anchorCtr="0">
+            <a:noAutofit/>
+          </a:bodyPr>
+          <a:lstStyle/>
+          <a:p>
+            <a:pPr>
+              <a:spcBef>
+                <a:spcPts val="0"/>
+              </a:spcBef>
+              <a:buNone/>
+            </a:pPr>
+            <a:r>
+              <a:rPr lang="en-US" dirty="0" smtClean="0"/>
+              <a:t>Why zero? </a:t>
+            </a:r>
+          </a:p>
+          <a:p>
+            <a:pPr>
+              <a:spcBef>
+                <a:spcPts val="0"/>
+              </a:spcBef>
+              <a:buNone/>
+            </a:pPr>
+            <a:r>
+              <a:rPr lang="en-US" dirty="0" smtClean="0"/>
+              <a:t>How</a:t>
+            </a:r>
+            <a:r>
+              <a:rPr lang="en-US" baseline="0" dirty="0" smtClean="0"/>
+              <a:t> many moves does it take to get to the next one.</a:t>
+            </a:r>
+            <a:endParaRPr dirty="0"/>
+          </a:p>
+        </p:txBody>
+      </p:sp>
+    </p:spTree>
+    <p:extLst>
+      <p:ext uri="{BB962C8B-B14F-4D97-AF65-F5344CB8AC3E}">
+        <p14:creationId xmlns:p14="http://schemas.microsoft.com/office/powerpoint/2010/main" val="2127983397"/>
+      </p:ext>
+    </p:extLst>
+  </p:cSld>
+  <p:clrMapOvr>
+    <a:masterClrMapping/>
+  </p:clrMapOvr>
+</p:notes>
+</file>
+
+<file path=ppt/notesSlides/notesSlide51.xml><?xml version="1.0" encoding="utf-8"?>
+<p:notes xmlns:a="http://schemas.openxmlformats.org/drawingml/2006/main" xmlns:r="http://schemas.openxmlformats.org/officeDocument/2006/relationships" xmlns:p="http://schemas.openxmlformats.org/presentationml/2006/main" showMasterSp="0" showMasterPhAnim="0">
+  <p:cSld>
+    <p:spTree>
+      <p:nvGrpSpPr>
+        <p:cNvPr id="1" name="Shape 292"/>
+        <p:cNvGrpSpPr/>
+        <p:nvPr/>
+      </p:nvGrpSpPr>
+      <p:grpSpPr>
+        <a:xfrm>
+          <a:off x="0" y="0"/>
+          <a:ext cx="0" cy="0"/>
+          <a:chOff x="0" y="0"/>
+          <a:chExt cx="0" cy="0"/>
+        </a:xfrm>
+      </p:grpSpPr>
+      <p:sp>
+        <p:nvSpPr>
+          <p:cNvPr id="293" name="Shape 293"/>
+          <p:cNvSpPr>
+            <a:spLocks noGrp="1" noRot="1" noChangeAspect="1"/>
+          </p:cNvSpPr>
+          <p:nvPr>
+            <p:ph type="sldImg" idx="2"/>
+          </p:nvPr>
+        </p:nvSpPr>
+        <p:spPr>
+          <a:xfrm>
+            <a:off x="1143000" y="685800"/>
+            <a:ext cx="4572000" cy="3429000"/>
+          </a:xfrm>
+          <a:custGeom>
+            <a:avLst/>
+            <a:gdLst/>
+            <a:ahLst/>
+            <a:cxnLst/>
+            <a:rect l="0" t="0" r="0" b="0"/>
+            <a:pathLst>
+              <a:path w="120000" h="120000" extrusionOk="0">
+                <a:moveTo>
+                  <a:pt x="0" y="0"/>
+                </a:moveTo>
+                <a:lnTo>
+                  <a:pt x="120000" y="0"/>
+                </a:lnTo>
+                <a:lnTo>
+                  <a:pt x="120000" y="120000"/>
+                </a:lnTo>
+                <a:lnTo>
+                  <a:pt x="0" y="120000"/>
+                </a:lnTo>
+                <a:close/>
+              </a:path>
+            </a:pathLst>
+          </a:custGeom>
+          <a:noFill/>
+          <a:ln w="9525" cap="flat">
+            <a:solidFill>
+              <a:srgbClr val="000000"/>
+            </a:solidFill>
+            <a:prstDash val="solid"/>
+            <a:round/>
+            <a:headEnd type="none" w="med" len="med"/>
+            <a:tailEnd type="none" w="med" len="med"/>
+          </a:ln>
+        </p:spPr>
+      </p:sp>
+      <p:sp>
+        <p:nvSpPr>
+          <p:cNvPr id="294" name="Shape 294"/>
+          <p:cNvSpPr txBox="1">
+            <a:spLocks noGrp="1"/>
+          </p:cNvSpPr>
+          <p:nvPr>
+            <p:ph type="body" idx="1"/>
+          </p:nvPr>
+        </p:nvSpPr>
+        <p:spPr>
+          <a:xfrm>
+            <a:off x="685800" y="4343400"/>
+            <a:ext cx="5486399" cy="4114800"/>
+          </a:xfrm>
+          <a:prstGeom prst="rect">
+            <a:avLst/>
+          </a:prstGeom>
+        </p:spPr>
+        <p:txBody>
+          <a:bodyPr lIns="91425" tIns="91425" rIns="91425" bIns="91425" anchor="t" anchorCtr="0">
+            <a:noAutofit/>
+          </a:bodyPr>
+          <a:lstStyle/>
+          <a:p>
+            <a:pPr>
+              <a:spcBef>
+                <a:spcPts val="0"/>
+              </a:spcBef>
+              <a:buNone/>
+            </a:pPr>
+            <a:endParaRPr/>
+          </a:p>
+        </p:txBody>
+      </p:sp>
+    </p:spTree>
+    <p:extLst>
+      <p:ext uri="{BB962C8B-B14F-4D97-AF65-F5344CB8AC3E}">
+        <p14:creationId xmlns:p14="http://schemas.microsoft.com/office/powerpoint/2010/main" val="1222805649"/>
+      </p:ext>
+    </p:extLst>
+  </p:cSld>
+  <p:clrMapOvr>
+    <a:masterClrMapping/>
+  </p:clrMapOvr>
+</p:notes>
+</file>
+
+<file path=ppt/notesSlides/notesSlide52.xml><?xml version="1.0" encoding="utf-8"?>
+<p:notes xmlns:a="http://schemas.openxmlformats.org/drawingml/2006/main" xmlns:r="http://schemas.openxmlformats.org/officeDocument/2006/relationships" xmlns:p="http://schemas.openxmlformats.org/presentationml/2006/main" showMasterSp="0" showMasterPhAnim="0">
+  <p:cSld>
+    <p:spTree>
+      <p:nvGrpSpPr>
         <p:cNvPr id="1" name="Shape 298"/>
         <p:cNvGrpSpPr/>
         <p:nvPr/>
@@ -6205,7 +6424,7 @@
               </a:spcBef>
               <a:buNone/>
             </a:pPr>
-            <a:endParaRPr/>
+            <a:endParaRPr dirty="0"/>
           </a:p>
         </p:txBody>
       </p:sp>
@@ -6222,7 +6441,7 @@
 </p:notes>
 </file>
 
-<file path=ppt/notesSlides/notesSlide51.xml><?xml version="1.0" encoding="utf-8"?>
+<file path=ppt/notesSlides/notesSlide53.xml><?xml version="1.0" encoding="utf-8"?>
 <p:notes xmlns:a="http://schemas.openxmlformats.org/drawingml/2006/main" xmlns:r="http://schemas.openxmlformats.org/officeDocument/2006/relationships" xmlns:p="http://schemas.openxmlformats.org/presentationml/2006/main" showMasterSp="0" showMasterPhAnim="0">
   <p:cSld>
     <p:spTree>
@@ -6338,7 +6557,7 @@
 </p:notes>
 </file>
 
-<file path=ppt/notesSlides/notesSlide52.xml><?xml version="1.0" encoding="utf-8"?>
+<file path=ppt/notesSlides/notesSlide54.xml><?xml version="1.0" encoding="utf-8"?>
 <p:notes xmlns:a="http://schemas.openxmlformats.org/drawingml/2006/main" xmlns:r="http://schemas.openxmlformats.org/officeDocument/2006/relationships" xmlns:p="http://schemas.openxmlformats.org/presentationml/2006/main" showMasterSp="0" showMasterPhAnim="0">
   <p:cSld>
     <p:spTree>
@@ -6454,7 +6673,7 @@
 </p:notes>
 </file>
 
-<file path=ppt/notesSlides/notesSlide53.xml><?xml version="1.0" encoding="utf-8"?>
+<file path=ppt/notesSlides/notesSlide55.xml><?xml version="1.0" encoding="utf-8"?>
 <p:notes xmlns:a="http://schemas.openxmlformats.org/drawingml/2006/main" xmlns:r="http://schemas.openxmlformats.org/officeDocument/2006/relationships" xmlns:p="http://schemas.openxmlformats.org/presentationml/2006/main" showMasterSp="0" showMasterPhAnim="0">
   <p:cSld>
     <p:spTree>
@@ -6561,258 +6780,6 @@
     <p:extLst>
       <p:ext uri="{BB962C8B-B14F-4D97-AF65-F5344CB8AC3E}">
         <p14:creationId xmlns:p14="http://schemas.microsoft.com/office/powerpoint/2010/main" val="3381811668"/>
-      </p:ext>
-    </p:extLst>
-  </p:cSld>
-  <p:clrMapOvr>
-    <a:masterClrMapping/>
-  </p:clrMapOvr>
-</p:notes>
-</file>
-
-<file path=ppt/notesSlides/notesSlide54.xml><?xml version="1.0" encoding="utf-8"?>
-<p:notes xmlns:a="http://schemas.openxmlformats.org/drawingml/2006/main" xmlns:r="http://schemas.openxmlformats.org/officeDocument/2006/relationships" xmlns:p="http://schemas.openxmlformats.org/presentationml/2006/main" showMasterSp="0" showMasterPhAnim="0">
-  <p:cSld>
-    <p:spTree>
-      <p:nvGrpSpPr>
-        <p:cNvPr id="1" name="Shape 328"/>
-        <p:cNvGrpSpPr/>
-        <p:nvPr/>
-      </p:nvGrpSpPr>
-      <p:grpSpPr>
-        <a:xfrm>
-          <a:off x="0" y="0"/>
-          <a:ext cx="0" cy="0"/>
-          <a:chOff x="0" y="0"/>
-          <a:chExt cx="0" cy="0"/>
-        </a:xfrm>
-      </p:grpSpPr>
-      <p:sp>
-        <p:nvSpPr>
-          <p:cNvPr id="329" name="Shape 329"/>
-          <p:cNvSpPr>
-            <a:spLocks noGrp="1" noRot="1" noChangeAspect="1"/>
-          </p:cNvSpPr>
-          <p:nvPr>
-            <p:ph type="sldImg" idx="2"/>
-          </p:nvPr>
-        </p:nvSpPr>
-        <p:spPr>
-          <a:xfrm>
-            <a:off x="1143000" y="685800"/>
-            <a:ext cx="4572000" cy="3429000"/>
-          </a:xfrm>
-          <a:custGeom>
-            <a:avLst/>
-            <a:gdLst/>
-            <a:ahLst/>
-            <a:cxnLst/>
-            <a:rect l="0" t="0" r="0" b="0"/>
-            <a:pathLst>
-              <a:path w="120000" h="120000" extrusionOk="0">
-                <a:moveTo>
-                  <a:pt x="0" y="0"/>
-                </a:moveTo>
-                <a:lnTo>
-                  <a:pt x="120000" y="0"/>
-                </a:lnTo>
-                <a:lnTo>
-                  <a:pt x="120000" y="120000"/>
-                </a:lnTo>
-                <a:lnTo>
-                  <a:pt x="0" y="120000"/>
-                </a:lnTo>
-                <a:close/>
-              </a:path>
-            </a:pathLst>
-          </a:custGeom>
-          <a:noFill/>
-          <a:ln w="9525" cap="flat">
-            <a:solidFill>
-              <a:srgbClr val="000000"/>
-            </a:solidFill>
-            <a:prstDash val="solid"/>
-            <a:round/>
-            <a:headEnd type="none" w="med" len="med"/>
-            <a:tailEnd type="none" w="med" len="med"/>
-          </a:ln>
-        </p:spPr>
-      </p:sp>
-      <p:sp>
-        <p:nvSpPr>
-          <p:cNvPr id="330" name="Shape 330"/>
-          <p:cNvSpPr txBox="1">
-            <a:spLocks noGrp="1"/>
-          </p:cNvSpPr>
-          <p:nvPr>
-            <p:ph type="body" idx="1"/>
-          </p:nvPr>
-        </p:nvSpPr>
-        <p:spPr>
-          <a:xfrm>
-            <a:off x="685800" y="4343400"/>
-            <a:ext cx="5486399" cy="4114800"/>
-          </a:xfrm>
-          <a:prstGeom prst="rect">
-            <a:avLst/>
-          </a:prstGeom>
-        </p:spPr>
-        <p:txBody>
-          <a:bodyPr lIns="91425" tIns="91425" rIns="91425" bIns="91425" anchor="t" anchorCtr="0">
-            <a:noAutofit/>
-          </a:bodyPr>
-          <a:lstStyle/>
-          <a:p>
-            <a:pPr>
-              <a:spcBef>
-                <a:spcPts val="0"/>
-              </a:spcBef>
-              <a:buNone/>
-            </a:pPr>
-            <a:endParaRPr/>
-          </a:p>
-        </p:txBody>
-      </p:sp>
-    </p:spTree>
-    <p:extLst>
-      <p:ext uri="{BB962C8B-B14F-4D97-AF65-F5344CB8AC3E}">
-        <p14:creationId xmlns:p14="http://schemas.microsoft.com/office/powerpoint/2010/main" val="3216253560"/>
-      </p:ext>
-    </p:extLst>
-  </p:cSld>
-  <p:clrMapOvr>
-    <a:masterClrMapping/>
-  </p:clrMapOvr>
-</p:notes>
-</file>
-
-<file path=ppt/notesSlides/notesSlide55.xml><?xml version="1.0" encoding="utf-8"?>
-<p:notes xmlns:a="http://schemas.openxmlformats.org/drawingml/2006/main" xmlns:r="http://schemas.openxmlformats.org/officeDocument/2006/relationships" xmlns:p="http://schemas.openxmlformats.org/presentationml/2006/main" showMasterSp="0" showMasterPhAnim="0">
-  <p:cSld>
-    <p:spTree>
-      <p:nvGrpSpPr>
-        <p:cNvPr id="1" name="Shape 322"/>
-        <p:cNvGrpSpPr/>
-        <p:nvPr/>
-      </p:nvGrpSpPr>
-      <p:grpSpPr>
-        <a:xfrm>
-          <a:off x="0" y="0"/>
-          <a:ext cx="0" cy="0"/>
-          <a:chOff x="0" y="0"/>
-          <a:chExt cx="0" cy="0"/>
-        </a:xfrm>
-      </p:grpSpPr>
-      <p:sp>
-        <p:nvSpPr>
-          <p:cNvPr id="323" name="Shape 323"/>
-          <p:cNvSpPr>
-            <a:spLocks noGrp="1" noRot="1" noChangeAspect="1"/>
-          </p:cNvSpPr>
-          <p:nvPr>
-            <p:ph type="sldImg" idx="2"/>
-          </p:nvPr>
-        </p:nvSpPr>
-        <p:spPr>
-          <a:xfrm>
-            <a:off x="1143000" y="685800"/>
-            <a:ext cx="4572000" cy="3429000"/>
-          </a:xfrm>
-          <a:custGeom>
-            <a:avLst/>
-            <a:gdLst/>
-            <a:ahLst/>
-            <a:cxnLst/>
-            <a:rect l="0" t="0" r="0" b="0"/>
-            <a:pathLst>
-              <a:path w="120000" h="120000" extrusionOk="0">
-                <a:moveTo>
-                  <a:pt x="0" y="0"/>
-                </a:moveTo>
-                <a:lnTo>
-                  <a:pt x="120000" y="0"/>
-                </a:lnTo>
-                <a:lnTo>
-                  <a:pt x="120000" y="120000"/>
-                </a:lnTo>
-                <a:lnTo>
-                  <a:pt x="0" y="120000"/>
-                </a:lnTo>
-                <a:close/>
-              </a:path>
-            </a:pathLst>
-          </a:custGeom>
-          <a:noFill/>
-          <a:ln w="9525" cap="flat">
-            <a:solidFill>
-              <a:srgbClr val="000000"/>
-            </a:solidFill>
-            <a:prstDash val="solid"/>
-            <a:round/>
-            <a:headEnd type="none" w="med" len="med"/>
-            <a:tailEnd type="none" w="med" len="med"/>
-          </a:ln>
-        </p:spPr>
-      </p:sp>
-      <p:sp>
-        <p:nvSpPr>
-          <p:cNvPr id="324" name="Shape 324"/>
-          <p:cNvSpPr txBox="1">
-            <a:spLocks noGrp="1"/>
-          </p:cNvSpPr>
-          <p:nvPr>
-            <p:ph type="body" idx="1"/>
-          </p:nvPr>
-        </p:nvSpPr>
-        <p:spPr>
-          <a:xfrm>
-            <a:off x="685800" y="4343400"/>
-            <a:ext cx="5486399" cy="4114800"/>
-          </a:xfrm>
-          <a:prstGeom prst="rect">
-            <a:avLst/>
-          </a:prstGeom>
-        </p:spPr>
-        <p:txBody>
-          <a:bodyPr lIns="91425" tIns="91425" rIns="91425" bIns="91425" anchor="t" anchorCtr="0">
-            <a:noAutofit/>
-          </a:bodyPr>
-          <a:lstStyle/>
-          <a:p>
-            <a:pPr>
-              <a:spcBef>
-                <a:spcPts val="0"/>
-              </a:spcBef>
-              <a:buNone/>
-            </a:pPr>
-            <a:r>
-              <a:rPr lang="en-US" dirty="0" smtClean="0"/>
-              <a:t>Keys are overwritten if you use</a:t>
-            </a:r>
-            <a:r>
-              <a:rPr lang="en-US" baseline="0" dirty="0" smtClean="0"/>
-              <a:t> a new one. They have to be unique.</a:t>
-            </a:r>
-          </a:p>
-          <a:p>
-            <a:pPr>
-              <a:spcBef>
-                <a:spcPts val="0"/>
-              </a:spcBef>
-              <a:buNone/>
-            </a:pPr>
-            <a:r>
-              <a:rPr lang="en-US" baseline="0" dirty="0" smtClean="0"/>
-              <a:t>Values on the other hand don’t have to be unique. Multiple keys can have the same value.</a:t>
-            </a:r>
-            <a:endParaRPr dirty="0"/>
-          </a:p>
-        </p:txBody>
-      </p:sp>
-    </p:spTree>
-    <p:extLst>
-      <p:ext uri="{BB962C8B-B14F-4D97-AF65-F5344CB8AC3E}">
-        <p14:creationId xmlns:p14="http://schemas.microsoft.com/office/powerpoint/2010/main" val="3362233115"/>
       </p:ext>
     </p:extLst>
   </p:cSld>
@@ -6928,6 +6895,258 @@
     </p:spTree>
     <p:extLst>
       <p:ext uri="{BB962C8B-B14F-4D97-AF65-F5344CB8AC3E}">
+        <p14:creationId xmlns:p14="http://schemas.microsoft.com/office/powerpoint/2010/main" val="3216253560"/>
+      </p:ext>
+    </p:extLst>
+  </p:cSld>
+  <p:clrMapOvr>
+    <a:masterClrMapping/>
+  </p:clrMapOvr>
+</p:notes>
+</file>
+
+<file path=ppt/notesSlides/notesSlide57.xml><?xml version="1.0" encoding="utf-8"?>
+<p:notes xmlns:a="http://schemas.openxmlformats.org/drawingml/2006/main" xmlns:r="http://schemas.openxmlformats.org/officeDocument/2006/relationships" xmlns:p="http://schemas.openxmlformats.org/presentationml/2006/main" showMasterSp="0" showMasterPhAnim="0">
+  <p:cSld>
+    <p:spTree>
+      <p:nvGrpSpPr>
+        <p:cNvPr id="1" name="Shape 322"/>
+        <p:cNvGrpSpPr/>
+        <p:nvPr/>
+      </p:nvGrpSpPr>
+      <p:grpSpPr>
+        <a:xfrm>
+          <a:off x="0" y="0"/>
+          <a:ext cx="0" cy="0"/>
+          <a:chOff x="0" y="0"/>
+          <a:chExt cx="0" cy="0"/>
+        </a:xfrm>
+      </p:grpSpPr>
+      <p:sp>
+        <p:nvSpPr>
+          <p:cNvPr id="323" name="Shape 323"/>
+          <p:cNvSpPr>
+            <a:spLocks noGrp="1" noRot="1" noChangeAspect="1"/>
+          </p:cNvSpPr>
+          <p:nvPr>
+            <p:ph type="sldImg" idx="2"/>
+          </p:nvPr>
+        </p:nvSpPr>
+        <p:spPr>
+          <a:xfrm>
+            <a:off x="1143000" y="685800"/>
+            <a:ext cx="4572000" cy="3429000"/>
+          </a:xfrm>
+          <a:custGeom>
+            <a:avLst/>
+            <a:gdLst/>
+            <a:ahLst/>
+            <a:cxnLst/>
+            <a:rect l="0" t="0" r="0" b="0"/>
+            <a:pathLst>
+              <a:path w="120000" h="120000" extrusionOk="0">
+                <a:moveTo>
+                  <a:pt x="0" y="0"/>
+                </a:moveTo>
+                <a:lnTo>
+                  <a:pt x="120000" y="0"/>
+                </a:lnTo>
+                <a:lnTo>
+                  <a:pt x="120000" y="120000"/>
+                </a:lnTo>
+                <a:lnTo>
+                  <a:pt x="0" y="120000"/>
+                </a:lnTo>
+                <a:close/>
+              </a:path>
+            </a:pathLst>
+          </a:custGeom>
+          <a:noFill/>
+          <a:ln w="9525" cap="flat">
+            <a:solidFill>
+              <a:srgbClr val="000000"/>
+            </a:solidFill>
+            <a:prstDash val="solid"/>
+            <a:round/>
+            <a:headEnd type="none" w="med" len="med"/>
+            <a:tailEnd type="none" w="med" len="med"/>
+          </a:ln>
+        </p:spPr>
+      </p:sp>
+      <p:sp>
+        <p:nvSpPr>
+          <p:cNvPr id="324" name="Shape 324"/>
+          <p:cNvSpPr txBox="1">
+            <a:spLocks noGrp="1"/>
+          </p:cNvSpPr>
+          <p:nvPr>
+            <p:ph type="body" idx="1"/>
+          </p:nvPr>
+        </p:nvSpPr>
+        <p:spPr>
+          <a:xfrm>
+            <a:off x="685800" y="4343400"/>
+            <a:ext cx="5486399" cy="4114800"/>
+          </a:xfrm>
+          <a:prstGeom prst="rect">
+            <a:avLst/>
+          </a:prstGeom>
+        </p:spPr>
+        <p:txBody>
+          <a:bodyPr lIns="91425" tIns="91425" rIns="91425" bIns="91425" anchor="t" anchorCtr="0">
+            <a:noAutofit/>
+          </a:bodyPr>
+          <a:lstStyle/>
+          <a:p>
+            <a:pPr>
+              <a:spcBef>
+                <a:spcPts val="0"/>
+              </a:spcBef>
+              <a:buNone/>
+            </a:pPr>
+            <a:r>
+              <a:rPr lang="en-US" dirty="0" smtClean="0"/>
+              <a:t>Keys are overwritten if you use</a:t>
+            </a:r>
+            <a:r>
+              <a:rPr lang="en-US" baseline="0" dirty="0" smtClean="0"/>
+              <a:t> a new one. They have to be unique.</a:t>
+            </a:r>
+          </a:p>
+          <a:p>
+            <a:pPr>
+              <a:spcBef>
+                <a:spcPts val="0"/>
+              </a:spcBef>
+              <a:buNone/>
+            </a:pPr>
+            <a:r>
+              <a:rPr lang="en-US" baseline="0" dirty="0" smtClean="0"/>
+              <a:t>Values on the other hand don’t have to be unique. Multiple keys can have the same value.</a:t>
+            </a:r>
+            <a:endParaRPr dirty="0"/>
+          </a:p>
+        </p:txBody>
+      </p:sp>
+    </p:spTree>
+    <p:extLst>
+      <p:ext uri="{BB962C8B-B14F-4D97-AF65-F5344CB8AC3E}">
+        <p14:creationId xmlns:p14="http://schemas.microsoft.com/office/powerpoint/2010/main" val="3362233115"/>
+      </p:ext>
+    </p:extLst>
+  </p:cSld>
+  <p:clrMapOvr>
+    <a:masterClrMapping/>
+  </p:clrMapOvr>
+</p:notes>
+</file>
+
+<file path=ppt/notesSlides/notesSlide58.xml><?xml version="1.0" encoding="utf-8"?>
+<p:notes xmlns:a="http://schemas.openxmlformats.org/drawingml/2006/main" xmlns:r="http://schemas.openxmlformats.org/officeDocument/2006/relationships" xmlns:p="http://schemas.openxmlformats.org/presentationml/2006/main" showMasterSp="0" showMasterPhAnim="0">
+  <p:cSld>
+    <p:spTree>
+      <p:nvGrpSpPr>
+        <p:cNvPr id="1" name="Shape 328"/>
+        <p:cNvGrpSpPr/>
+        <p:nvPr/>
+      </p:nvGrpSpPr>
+      <p:grpSpPr>
+        <a:xfrm>
+          <a:off x="0" y="0"/>
+          <a:ext cx="0" cy="0"/>
+          <a:chOff x="0" y="0"/>
+          <a:chExt cx="0" cy="0"/>
+        </a:xfrm>
+      </p:grpSpPr>
+      <p:sp>
+        <p:nvSpPr>
+          <p:cNvPr id="329" name="Shape 329"/>
+          <p:cNvSpPr>
+            <a:spLocks noGrp="1" noRot="1" noChangeAspect="1"/>
+          </p:cNvSpPr>
+          <p:nvPr>
+            <p:ph type="sldImg" idx="2"/>
+          </p:nvPr>
+        </p:nvSpPr>
+        <p:spPr>
+          <a:xfrm>
+            <a:off x="1143000" y="685800"/>
+            <a:ext cx="4572000" cy="3429000"/>
+          </a:xfrm>
+          <a:custGeom>
+            <a:avLst/>
+            <a:gdLst/>
+            <a:ahLst/>
+            <a:cxnLst/>
+            <a:rect l="0" t="0" r="0" b="0"/>
+            <a:pathLst>
+              <a:path w="120000" h="120000" extrusionOk="0">
+                <a:moveTo>
+                  <a:pt x="0" y="0"/>
+                </a:moveTo>
+                <a:lnTo>
+                  <a:pt x="120000" y="0"/>
+                </a:lnTo>
+                <a:lnTo>
+                  <a:pt x="120000" y="120000"/>
+                </a:lnTo>
+                <a:lnTo>
+                  <a:pt x="0" y="120000"/>
+                </a:lnTo>
+                <a:close/>
+              </a:path>
+            </a:pathLst>
+          </a:custGeom>
+          <a:noFill/>
+          <a:ln w="9525" cap="flat">
+            <a:solidFill>
+              <a:srgbClr val="000000"/>
+            </a:solidFill>
+            <a:prstDash val="solid"/>
+            <a:round/>
+            <a:headEnd type="none" w="med" len="med"/>
+            <a:tailEnd type="none" w="med" len="med"/>
+          </a:ln>
+        </p:spPr>
+      </p:sp>
+      <p:sp>
+        <p:nvSpPr>
+          <p:cNvPr id="330" name="Shape 330"/>
+          <p:cNvSpPr txBox="1">
+            <a:spLocks noGrp="1"/>
+          </p:cNvSpPr>
+          <p:nvPr>
+            <p:ph type="body" idx="1"/>
+          </p:nvPr>
+        </p:nvSpPr>
+        <p:spPr>
+          <a:xfrm>
+            <a:off x="685800" y="4343400"/>
+            <a:ext cx="5486399" cy="4114800"/>
+          </a:xfrm>
+          <a:prstGeom prst="rect">
+            <a:avLst/>
+          </a:prstGeom>
+        </p:spPr>
+        <p:txBody>
+          <a:bodyPr lIns="91425" tIns="91425" rIns="91425" bIns="91425" anchor="t" anchorCtr="0">
+            <a:noAutofit/>
+          </a:bodyPr>
+          <a:lstStyle/>
+          <a:p>
+            <a:pPr>
+              <a:spcBef>
+                <a:spcPts val="0"/>
+              </a:spcBef>
+              <a:buNone/>
+            </a:pPr>
+            <a:endParaRPr/>
+          </a:p>
+        </p:txBody>
+      </p:sp>
+    </p:spTree>
+    <p:extLst>
+      <p:ext uri="{BB962C8B-B14F-4D97-AF65-F5344CB8AC3E}">
         <p14:creationId xmlns:p14="http://schemas.microsoft.com/office/powerpoint/2010/main" val="2620209041"/>
       </p:ext>
     </p:extLst>
@@ -6938,7 +7157,7 @@
 </p:notes>
 </file>
 
-<file path=ppt/notesSlides/notesSlide57.xml><?xml version="1.0" encoding="utf-8"?>
+<file path=ppt/notesSlides/notesSlide59.xml><?xml version="1.0" encoding="utf-8"?>
 <p:notes xmlns:a="http://schemas.openxmlformats.org/drawingml/2006/main" xmlns:r="http://schemas.openxmlformats.org/officeDocument/2006/relationships" xmlns:p="http://schemas.openxmlformats.org/presentationml/2006/main" showMasterSp="0" showMasterPhAnim="0">
   <p:cSld>
     <p:spTree>
@@ -7045,238 +7264,6 @@
     <p:extLst>
       <p:ext uri="{BB962C8B-B14F-4D97-AF65-F5344CB8AC3E}">
         <p14:creationId xmlns:p14="http://schemas.microsoft.com/office/powerpoint/2010/main" val="3294095350"/>
-      </p:ext>
-    </p:extLst>
-  </p:cSld>
-  <p:clrMapOvr>
-    <a:masterClrMapping/>
-  </p:clrMapOvr>
-</p:notes>
-</file>
-
-<file path=ppt/notesSlides/notesSlide58.xml><?xml version="1.0" encoding="utf-8"?>
-<p:notes xmlns:a="http://schemas.openxmlformats.org/drawingml/2006/main" xmlns:r="http://schemas.openxmlformats.org/officeDocument/2006/relationships" xmlns:p="http://schemas.openxmlformats.org/presentationml/2006/main" showMasterSp="0" showMasterPhAnim="0">
-  <p:cSld>
-    <p:spTree>
-      <p:nvGrpSpPr>
-        <p:cNvPr id="1" name="Shape 340"/>
-        <p:cNvGrpSpPr/>
-        <p:nvPr/>
-      </p:nvGrpSpPr>
-      <p:grpSpPr>
-        <a:xfrm>
-          <a:off x="0" y="0"/>
-          <a:ext cx="0" cy="0"/>
-          <a:chOff x="0" y="0"/>
-          <a:chExt cx="0" cy="0"/>
-        </a:xfrm>
-      </p:grpSpPr>
-      <p:sp>
-        <p:nvSpPr>
-          <p:cNvPr id="341" name="Shape 341"/>
-          <p:cNvSpPr>
-            <a:spLocks noGrp="1" noRot="1" noChangeAspect="1"/>
-          </p:cNvSpPr>
-          <p:nvPr>
-            <p:ph type="sldImg" idx="2"/>
-          </p:nvPr>
-        </p:nvSpPr>
-        <p:spPr>
-          <a:xfrm>
-            <a:off x="1143000" y="685800"/>
-            <a:ext cx="4572000" cy="3429000"/>
-          </a:xfrm>
-          <a:custGeom>
-            <a:avLst/>
-            <a:gdLst/>
-            <a:ahLst/>
-            <a:cxnLst/>
-            <a:rect l="0" t="0" r="0" b="0"/>
-            <a:pathLst>
-              <a:path w="120000" h="120000" extrusionOk="0">
-                <a:moveTo>
-                  <a:pt x="0" y="0"/>
-                </a:moveTo>
-                <a:lnTo>
-                  <a:pt x="120000" y="0"/>
-                </a:lnTo>
-                <a:lnTo>
-                  <a:pt x="120000" y="120000"/>
-                </a:lnTo>
-                <a:lnTo>
-                  <a:pt x="0" y="120000"/>
-                </a:lnTo>
-                <a:close/>
-              </a:path>
-            </a:pathLst>
-          </a:custGeom>
-          <a:noFill/>
-          <a:ln w="9525" cap="flat">
-            <a:solidFill>
-              <a:srgbClr val="000000"/>
-            </a:solidFill>
-            <a:prstDash val="solid"/>
-            <a:round/>
-            <a:headEnd type="none" w="med" len="med"/>
-            <a:tailEnd type="none" w="med" len="med"/>
-          </a:ln>
-        </p:spPr>
-      </p:sp>
-      <p:sp>
-        <p:nvSpPr>
-          <p:cNvPr id="342" name="Shape 342"/>
-          <p:cNvSpPr txBox="1">
-            <a:spLocks noGrp="1"/>
-          </p:cNvSpPr>
-          <p:nvPr>
-            <p:ph type="body" idx="1"/>
-          </p:nvPr>
-        </p:nvSpPr>
-        <p:spPr>
-          <a:xfrm>
-            <a:off x="685800" y="4343400"/>
-            <a:ext cx="5486399" cy="4114800"/>
-          </a:xfrm>
-          <a:prstGeom prst="rect">
-            <a:avLst/>
-          </a:prstGeom>
-        </p:spPr>
-        <p:txBody>
-          <a:bodyPr lIns="91425" tIns="91425" rIns="91425" bIns="91425" anchor="t" anchorCtr="0">
-            <a:noAutofit/>
-          </a:bodyPr>
-          <a:lstStyle/>
-          <a:p>
-            <a:pPr>
-              <a:spcBef>
-                <a:spcPts val="0"/>
-              </a:spcBef>
-              <a:buNone/>
-            </a:pPr>
-            <a:endParaRPr/>
-          </a:p>
-        </p:txBody>
-      </p:sp>
-    </p:spTree>
-    <p:extLst>
-      <p:ext uri="{BB962C8B-B14F-4D97-AF65-F5344CB8AC3E}">
-        <p14:creationId xmlns:p14="http://schemas.microsoft.com/office/powerpoint/2010/main" val="1021881323"/>
-      </p:ext>
-    </p:extLst>
-  </p:cSld>
-  <p:clrMapOvr>
-    <a:masterClrMapping/>
-  </p:clrMapOvr>
-</p:notes>
-</file>
-
-<file path=ppt/notesSlides/notesSlide59.xml><?xml version="1.0" encoding="utf-8"?>
-<p:notes xmlns:a="http://schemas.openxmlformats.org/drawingml/2006/main" xmlns:r="http://schemas.openxmlformats.org/officeDocument/2006/relationships" xmlns:p="http://schemas.openxmlformats.org/presentationml/2006/main" showMasterSp="0" showMasterPhAnim="0">
-  <p:cSld>
-    <p:spTree>
-      <p:nvGrpSpPr>
-        <p:cNvPr id="1" name="Shape 346"/>
-        <p:cNvGrpSpPr/>
-        <p:nvPr/>
-      </p:nvGrpSpPr>
-      <p:grpSpPr>
-        <a:xfrm>
-          <a:off x="0" y="0"/>
-          <a:ext cx="0" cy="0"/>
-          <a:chOff x="0" y="0"/>
-          <a:chExt cx="0" cy="0"/>
-        </a:xfrm>
-      </p:grpSpPr>
-      <p:sp>
-        <p:nvSpPr>
-          <p:cNvPr id="347" name="Shape 347"/>
-          <p:cNvSpPr>
-            <a:spLocks noGrp="1" noRot="1" noChangeAspect="1"/>
-          </p:cNvSpPr>
-          <p:nvPr>
-            <p:ph type="sldImg" idx="2"/>
-          </p:nvPr>
-        </p:nvSpPr>
-        <p:spPr>
-          <a:xfrm>
-            <a:off x="1143000" y="685800"/>
-            <a:ext cx="4572000" cy="3429000"/>
-          </a:xfrm>
-          <a:custGeom>
-            <a:avLst/>
-            <a:gdLst/>
-            <a:ahLst/>
-            <a:cxnLst/>
-            <a:rect l="0" t="0" r="0" b="0"/>
-            <a:pathLst>
-              <a:path w="120000" h="120000" extrusionOk="0">
-                <a:moveTo>
-                  <a:pt x="0" y="0"/>
-                </a:moveTo>
-                <a:lnTo>
-                  <a:pt x="120000" y="0"/>
-                </a:lnTo>
-                <a:lnTo>
-                  <a:pt x="120000" y="120000"/>
-                </a:lnTo>
-                <a:lnTo>
-                  <a:pt x="0" y="120000"/>
-                </a:lnTo>
-                <a:close/>
-              </a:path>
-            </a:pathLst>
-          </a:custGeom>
-          <a:noFill/>
-          <a:ln w="9525" cap="flat">
-            <a:solidFill>
-              <a:srgbClr val="000000"/>
-            </a:solidFill>
-            <a:prstDash val="solid"/>
-            <a:round/>
-            <a:headEnd type="none" w="med" len="med"/>
-            <a:tailEnd type="none" w="med" len="med"/>
-          </a:ln>
-        </p:spPr>
-      </p:sp>
-      <p:sp>
-        <p:nvSpPr>
-          <p:cNvPr id="348" name="Shape 348"/>
-          <p:cNvSpPr txBox="1">
-            <a:spLocks noGrp="1"/>
-          </p:cNvSpPr>
-          <p:nvPr>
-            <p:ph type="body" idx="1"/>
-          </p:nvPr>
-        </p:nvSpPr>
-        <p:spPr>
-          <a:xfrm>
-            <a:off x="685800" y="4343400"/>
-            <a:ext cx="5486399" cy="4114800"/>
-          </a:xfrm>
-          <a:prstGeom prst="rect">
-            <a:avLst/>
-          </a:prstGeom>
-        </p:spPr>
-        <p:txBody>
-          <a:bodyPr lIns="91425" tIns="91425" rIns="91425" bIns="91425" anchor="t" anchorCtr="0">
-            <a:noAutofit/>
-          </a:bodyPr>
-          <a:lstStyle/>
-          <a:p>
-            <a:pPr>
-              <a:spcBef>
-                <a:spcPts val="0"/>
-              </a:spcBef>
-              <a:buNone/>
-            </a:pPr>
-            <a:endParaRPr/>
-          </a:p>
-        </p:txBody>
-      </p:sp>
-    </p:spTree>
-    <p:extLst>
-      <p:ext uri="{BB962C8B-B14F-4D97-AF65-F5344CB8AC3E}">
-        <p14:creationId xmlns:p14="http://schemas.microsoft.com/office/powerpoint/2010/main" val="11105553"/>
       </p:ext>
     </p:extLst>
   </p:cSld>
@@ -7407,6 +7394,238 @@
   <p:cSld>
     <p:spTree>
       <p:nvGrpSpPr>
+        <p:cNvPr id="1" name="Shape 340"/>
+        <p:cNvGrpSpPr/>
+        <p:nvPr/>
+      </p:nvGrpSpPr>
+      <p:grpSpPr>
+        <a:xfrm>
+          <a:off x="0" y="0"/>
+          <a:ext cx="0" cy="0"/>
+          <a:chOff x="0" y="0"/>
+          <a:chExt cx="0" cy="0"/>
+        </a:xfrm>
+      </p:grpSpPr>
+      <p:sp>
+        <p:nvSpPr>
+          <p:cNvPr id="341" name="Shape 341"/>
+          <p:cNvSpPr>
+            <a:spLocks noGrp="1" noRot="1" noChangeAspect="1"/>
+          </p:cNvSpPr>
+          <p:nvPr>
+            <p:ph type="sldImg" idx="2"/>
+          </p:nvPr>
+        </p:nvSpPr>
+        <p:spPr>
+          <a:xfrm>
+            <a:off x="1143000" y="685800"/>
+            <a:ext cx="4572000" cy="3429000"/>
+          </a:xfrm>
+          <a:custGeom>
+            <a:avLst/>
+            <a:gdLst/>
+            <a:ahLst/>
+            <a:cxnLst/>
+            <a:rect l="0" t="0" r="0" b="0"/>
+            <a:pathLst>
+              <a:path w="120000" h="120000" extrusionOk="0">
+                <a:moveTo>
+                  <a:pt x="0" y="0"/>
+                </a:moveTo>
+                <a:lnTo>
+                  <a:pt x="120000" y="0"/>
+                </a:lnTo>
+                <a:lnTo>
+                  <a:pt x="120000" y="120000"/>
+                </a:lnTo>
+                <a:lnTo>
+                  <a:pt x="0" y="120000"/>
+                </a:lnTo>
+                <a:close/>
+              </a:path>
+            </a:pathLst>
+          </a:custGeom>
+          <a:noFill/>
+          <a:ln w="9525" cap="flat">
+            <a:solidFill>
+              <a:srgbClr val="000000"/>
+            </a:solidFill>
+            <a:prstDash val="solid"/>
+            <a:round/>
+            <a:headEnd type="none" w="med" len="med"/>
+            <a:tailEnd type="none" w="med" len="med"/>
+          </a:ln>
+        </p:spPr>
+      </p:sp>
+      <p:sp>
+        <p:nvSpPr>
+          <p:cNvPr id="342" name="Shape 342"/>
+          <p:cNvSpPr txBox="1">
+            <a:spLocks noGrp="1"/>
+          </p:cNvSpPr>
+          <p:nvPr>
+            <p:ph type="body" idx="1"/>
+          </p:nvPr>
+        </p:nvSpPr>
+        <p:spPr>
+          <a:xfrm>
+            <a:off x="685800" y="4343400"/>
+            <a:ext cx="5486399" cy="4114800"/>
+          </a:xfrm>
+          <a:prstGeom prst="rect">
+            <a:avLst/>
+          </a:prstGeom>
+        </p:spPr>
+        <p:txBody>
+          <a:bodyPr lIns="91425" tIns="91425" rIns="91425" bIns="91425" anchor="t" anchorCtr="0">
+            <a:noAutofit/>
+          </a:bodyPr>
+          <a:lstStyle/>
+          <a:p>
+            <a:pPr>
+              <a:spcBef>
+                <a:spcPts val="0"/>
+              </a:spcBef>
+              <a:buNone/>
+            </a:pPr>
+            <a:endParaRPr/>
+          </a:p>
+        </p:txBody>
+      </p:sp>
+    </p:spTree>
+    <p:extLst>
+      <p:ext uri="{BB962C8B-B14F-4D97-AF65-F5344CB8AC3E}">
+        <p14:creationId xmlns:p14="http://schemas.microsoft.com/office/powerpoint/2010/main" val="1021881323"/>
+      </p:ext>
+    </p:extLst>
+  </p:cSld>
+  <p:clrMapOvr>
+    <a:masterClrMapping/>
+  </p:clrMapOvr>
+</p:notes>
+</file>
+
+<file path=ppt/notesSlides/notesSlide61.xml><?xml version="1.0" encoding="utf-8"?>
+<p:notes xmlns:a="http://schemas.openxmlformats.org/drawingml/2006/main" xmlns:r="http://schemas.openxmlformats.org/officeDocument/2006/relationships" xmlns:p="http://schemas.openxmlformats.org/presentationml/2006/main" showMasterSp="0" showMasterPhAnim="0">
+  <p:cSld>
+    <p:spTree>
+      <p:nvGrpSpPr>
+        <p:cNvPr id="1" name="Shape 346"/>
+        <p:cNvGrpSpPr/>
+        <p:nvPr/>
+      </p:nvGrpSpPr>
+      <p:grpSpPr>
+        <a:xfrm>
+          <a:off x="0" y="0"/>
+          <a:ext cx="0" cy="0"/>
+          <a:chOff x="0" y="0"/>
+          <a:chExt cx="0" cy="0"/>
+        </a:xfrm>
+      </p:grpSpPr>
+      <p:sp>
+        <p:nvSpPr>
+          <p:cNvPr id="347" name="Shape 347"/>
+          <p:cNvSpPr>
+            <a:spLocks noGrp="1" noRot="1" noChangeAspect="1"/>
+          </p:cNvSpPr>
+          <p:nvPr>
+            <p:ph type="sldImg" idx="2"/>
+          </p:nvPr>
+        </p:nvSpPr>
+        <p:spPr>
+          <a:xfrm>
+            <a:off x="1143000" y="685800"/>
+            <a:ext cx="4572000" cy="3429000"/>
+          </a:xfrm>
+          <a:custGeom>
+            <a:avLst/>
+            <a:gdLst/>
+            <a:ahLst/>
+            <a:cxnLst/>
+            <a:rect l="0" t="0" r="0" b="0"/>
+            <a:pathLst>
+              <a:path w="120000" h="120000" extrusionOk="0">
+                <a:moveTo>
+                  <a:pt x="0" y="0"/>
+                </a:moveTo>
+                <a:lnTo>
+                  <a:pt x="120000" y="0"/>
+                </a:lnTo>
+                <a:lnTo>
+                  <a:pt x="120000" y="120000"/>
+                </a:lnTo>
+                <a:lnTo>
+                  <a:pt x="0" y="120000"/>
+                </a:lnTo>
+                <a:close/>
+              </a:path>
+            </a:pathLst>
+          </a:custGeom>
+          <a:noFill/>
+          <a:ln w="9525" cap="flat">
+            <a:solidFill>
+              <a:srgbClr val="000000"/>
+            </a:solidFill>
+            <a:prstDash val="solid"/>
+            <a:round/>
+            <a:headEnd type="none" w="med" len="med"/>
+            <a:tailEnd type="none" w="med" len="med"/>
+          </a:ln>
+        </p:spPr>
+      </p:sp>
+      <p:sp>
+        <p:nvSpPr>
+          <p:cNvPr id="348" name="Shape 348"/>
+          <p:cNvSpPr txBox="1">
+            <a:spLocks noGrp="1"/>
+          </p:cNvSpPr>
+          <p:nvPr>
+            <p:ph type="body" idx="1"/>
+          </p:nvPr>
+        </p:nvSpPr>
+        <p:spPr>
+          <a:xfrm>
+            <a:off x="685800" y="4343400"/>
+            <a:ext cx="5486399" cy="4114800"/>
+          </a:xfrm>
+          <a:prstGeom prst="rect">
+            <a:avLst/>
+          </a:prstGeom>
+        </p:spPr>
+        <p:txBody>
+          <a:bodyPr lIns="91425" tIns="91425" rIns="91425" bIns="91425" anchor="t" anchorCtr="0">
+            <a:noAutofit/>
+          </a:bodyPr>
+          <a:lstStyle/>
+          <a:p>
+            <a:pPr>
+              <a:spcBef>
+                <a:spcPts val="0"/>
+              </a:spcBef>
+              <a:buNone/>
+            </a:pPr>
+            <a:endParaRPr/>
+          </a:p>
+        </p:txBody>
+      </p:sp>
+    </p:spTree>
+    <p:extLst>
+      <p:ext uri="{BB962C8B-B14F-4D97-AF65-F5344CB8AC3E}">
+        <p14:creationId xmlns:p14="http://schemas.microsoft.com/office/powerpoint/2010/main" val="11105553"/>
+      </p:ext>
+    </p:extLst>
+  </p:cSld>
+  <p:clrMapOvr>
+    <a:masterClrMapping/>
+  </p:clrMapOvr>
+</p:notes>
+</file>
+
+<file path=ppt/notesSlides/notesSlide62.xml><?xml version="1.0" encoding="utf-8"?>
+<p:notes xmlns:a="http://schemas.openxmlformats.org/drawingml/2006/main" xmlns:r="http://schemas.openxmlformats.org/officeDocument/2006/relationships" xmlns:p="http://schemas.openxmlformats.org/presentationml/2006/main" showMasterSp="0" showMasterPhAnim="0">
+  <p:cSld>
+    <p:spTree>
+      <p:nvGrpSpPr>
         <p:cNvPr id="1" name="Shape 352"/>
         <p:cNvGrpSpPr/>
         <p:nvPr/>
@@ -7526,7 +7745,7 @@
 </p:notes>
 </file>
 
-<file path=ppt/notesSlides/notesSlide61.xml><?xml version="1.0" encoding="utf-8"?>
+<file path=ppt/notesSlides/notesSlide63.xml><?xml version="1.0" encoding="utf-8"?>
 <p:notes xmlns:a="http://schemas.openxmlformats.org/drawingml/2006/main" xmlns:r="http://schemas.openxmlformats.org/officeDocument/2006/relationships" xmlns:p="http://schemas.openxmlformats.org/presentationml/2006/main" showMasterSp="0" showMasterPhAnim="0">
   <p:cSld>
     <p:spTree>
@@ -7642,7 +7861,7 @@
 </p:notes>
 </file>
 
-<file path=ppt/notesSlides/notesSlide62.xml><?xml version="1.0" encoding="utf-8"?>
+<file path=ppt/notesSlides/notesSlide64.xml><?xml version="1.0" encoding="utf-8"?>
 <p:notes xmlns:a="http://schemas.openxmlformats.org/drawingml/2006/main" xmlns:r="http://schemas.openxmlformats.org/officeDocument/2006/relationships" xmlns:p="http://schemas.openxmlformats.org/presentationml/2006/main" showMasterSp="0" showMasterPhAnim="0">
   <p:cSld>
     <p:spTree>
@@ -7859,7 +8078,7 @@
 </p:notes>
 </file>
 
-<file path=ppt/notesSlides/notesSlide63.xml><?xml version="1.0" encoding="utf-8"?>
+<file path=ppt/notesSlides/notesSlide65.xml><?xml version="1.0" encoding="utf-8"?>
 <p:notes xmlns:a="http://schemas.openxmlformats.org/drawingml/2006/main" xmlns:r="http://schemas.openxmlformats.org/officeDocument/2006/relationships" xmlns:p="http://schemas.openxmlformats.org/presentationml/2006/main" showMasterSp="0" showMasterPhAnim="0">
   <p:cSld>
     <p:spTree>
@@ -8009,7 +8228,7 @@
 </p:notes>
 </file>
 
-<file path=ppt/notesSlides/notesSlide64.xml><?xml version="1.0" encoding="utf-8"?>
+<file path=ppt/notesSlides/notesSlide66.xml><?xml version="1.0" encoding="utf-8"?>
 <p:notes xmlns:a="http://schemas.openxmlformats.org/drawingml/2006/main" xmlns:r="http://schemas.openxmlformats.org/officeDocument/2006/relationships" xmlns:p="http://schemas.openxmlformats.org/presentationml/2006/main" showMasterSp="0" showMasterPhAnim="0">
   <p:cSld>
     <p:spTree>
@@ -8125,7 +8344,7 @@
 </p:notes>
 </file>
 
-<file path=ppt/notesSlides/notesSlide65.xml><?xml version="1.0" encoding="utf-8"?>
+<file path=ppt/notesSlides/notesSlide67.xml><?xml version="1.0" encoding="utf-8"?>
 <p:notes xmlns:a="http://schemas.openxmlformats.org/drawingml/2006/main" xmlns:r="http://schemas.openxmlformats.org/officeDocument/2006/relationships" xmlns:p="http://schemas.openxmlformats.org/presentationml/2006/main" showMasterSp="0" showMasterPhAnim="0">
   <p:cSld>
     <p:spTree>
@@ -8241,7 +8460,7 @@
 </p:notes>
 </file>
 
-<file path=ppt/notesSlides/notesSlide66.xml><?xml version="1.0" encoding="utf-8"?>
+<file path=ppt/notesSlides/notesSlide68.xml><?xml version="1.0" encoding="utf-8"?>
 <p:notes xmlns:a="http://schemas.openxmlformats.org/drawingml/2006/main" xmlns:r="http://schemas.openxmlformats.org/officeDocument/2006/relationships" xmlns:p="http://schemas.openxmlformats.org/presentationml/2006/main" showMasterSp="0" showMasterPhAnim="0">
   <p:cSld>
     <p:spTree>
@@ -8357,7 +8576,7 @@
 </p:notes>
 </file>
 
-<file path=ppt/notesSlides/notesSlide67.xml><?xml version="1.0" encoding="utf-8"?>
+<file path=ppt/notesSlides/notesSlide69.xml><?xml version="1.0" encoding="utf-8"?>
 <p:notes xmlns:a="http://schemas.openxmlformats.org/drawingml/2006/main" xmlns:r="http://schemas.openxmlformats.org/officeDocument/2006/relationships" xmlns:p="http://schemas.openxmlformats.org/presentationml/2006/main" showMasterSp="0" showMasterPhAnim="0">
   <p:cSld>
     <p:spTree>
@@ -8468,238 +8687,6 @@
     <p:extLst>
       <p:ext uri="{BB962C8B-B14F-4D97-AF65-F5344CB8AC3E}">
         <p14:creationId xmlns:p14="http://schemas.microsoft.com/office/powerpoint/2010/main" val="3203268403"/>
-      </p:ext>
-    </p:extLst>
-  </p:cSld>
-  <p:clrMapOvr>
-    <a:masterClrMapping/>
-  </p:clrMapOvr>
-</p:notes>
-</file>
-
-<file path=ppt/notesSlides/notesSlide68.xml><?xml version="1.0" encoding="utf-8"?>
-<p:notes xmlns:a="http://schemas.openxmlformats.org/drawingml/2006/main" xmlns:r="http://schemas.openxmlformats.org/officeDocument/2006/relationships" xmlns:p="http://schemas.openxmlformats.org/presentationml/2006/main" showMasterSp="0" showMasterPhAnim="0">
-  <p:cSld>
-    <p:spTree>
-      <p:nvGrpSpPr>
-        <p:cNvPr id="1" name="Shape 400"/>
-        <p:cNvGrpSpPr/>
-        <p:nvPr/>
-      </p:nvGrpSpPr>
-      <p:grpSpPr>
-        <a:xfrm>
-          <a:off x="0" y="0"/>
-          <a:ext cx="0" cy="0"/>
-          <a:chOff x="0" y="0"/>
-          <a:chExt cx="0" cy="0"/>
-        </a:xfrm>
-      </p:grpSpPr>
-      <p:sp>
-        <p:nvSpPr>
-          <p:cNvPr id="401" name="Shape 401"/>
-          <p:cNvSpPr>
-            <a:spLocks noGrp="1" noRot="1" noChangeAspect="1"/>
-          </p:cNvSpPr>
-          <p:nvPr>
-            <p:ph type="sldImg" idx="2"/>
-          </p:nvPr>
-        </p:nvSpPr>
-        <p:spPr>
-          <a:xfrm>
-            <a:off x="1143000" y="685800"/>
-            <a:ext cx="4572000" cy="3429000"/>
-          </a:xfrm>
-          <a:custGeom>
-            <a:avLst/>
-            <a:gdLst/>
-            <a:ahLst/>
-            <a:cxnLst/>
-            <a:rect l="0" t="0" r="0" b="0"/>
-            <a:pathLst>
-              <a:path w="120000" h="120000" extrusionOk="0">
-                <a:moveTo>
-                  <a:pt x="0" y="0"/>
-                </a:moveTo>
-                <a:lnTo>
-                  <a:pt x="120000" y="0"/>
-                </a:lnTo>
-                <a:lnTo>
-                  <a:pt x="120000" y="120000"/>
-                </a:lnTo>
-                <a:lnTo>
-                  <a:pt x="0" y="120000"/>
-                </a:lnTo>
-                <a:close/>
-              </a:path>
-            </a:pathLst>
-          </a:custGeom>
-          <a:noFill/>
-          <a:ln w="9525" cap="flat">
-            <a:solidFill>
-              <a:srgbClr val="000000"/>
-            </a:solidFill>
-            <a:prstDash val="solid"/>
-            <a:round/>
-            <a:headEnd type="none" w="med" len="med"/>
-            <a:tailEnd type="none" w="med" len="med"/>
-          </a:ln>
-        </p:spPr>
-      </p:sp>
-      <p:sp>
-        <p:nvSpPr>
-          <p:cNvPr id="402" name="Shape 402"/>
-          <p:cNvSpPr txBox="1">
-            <a:spLocks noGrp="1"/>
-          </p:cNvSpPr>
-          <p:nvPr>
-            <p:ph type="body" idx="1"/>
-          </p:nvPr>
-        </p:nvSpPr>
-        <p:spPr>
-          <a:xfrm>
-            <a:off x="685800" y="4343400"/>
-            <a:ext cx="5486399" cy="4114800"/>
-          </a:xfrm>
-          <a:prstGeom prst="rect">
-            <a:avLst/>
-          </a:prstGeom>
-        </p:spPr>
-        <p:txBody>
-          <a:bodyPr lIns="91425" tIns="91425" rIns="91425" bIns="91425" anchor="t" anchorCtr="0">
-            <a:noAutofit/>
-          </a:bodyPr>
-          <a:lstStyle/>
-          <a:p>
-            <a:pPr>
-              <a:spcBef>
-                <a:spcPts val="0"/>
-              </a:spcBef>
-              <a:buNone/>
-            </a:pPr>
-            <a:endParaRPr/>
-          </a:p>
-        </p:txBody>
-      </p:sp>
-    </p:spTree>
-    <p:extLst>
-      <p:ext uri="{BB962C8B-B14F-4D97-AF65-F5344CB8AC3E}">
-        <p14:creationId xmlns:p14="http://schemas.microsoft.com/office/powerpoint/2010/main" val="3486686223"/>
-      </p:ext>
-    </p:extLst>
-  </p:cSld>
-  <p:clrMapOvr>
-    <a:masterClrMapping/>
-  </p:clrMapOvr>
-</p:notes>
-</file>
-
-<file path=ppt/notesSlides/notesSlide69.xml><?xml version="1.0" encoding="utf-8"?>
-<p:notes xmlns:a="http://schemas.openxmlformats.org/drawingml/2006/main" xmlns:r="http://schemas.openxmlformats.org/officeDocument/2006/relationships" xmlns:p="http://schemas.openxmlformats.org/presentationml/2006/main" showMasterSp="0" showMasterPhAnim="0">
-  <p:cSld>
-    <p:spTree>
-      <p:nvGrpSpPr>
-        <p:cNvPr id="1" name="Shape 406"/>
-        <p:cNvGrpSpPr/>
-        <p:nvPr/>
-      </p:nvGrpSpPr>
-      <p:grpSpPr>
-        <a:xfrm>
-          <a:off x="0" y="0"/>
-          <a:ext cx="0" cy="0"/>
-          <a:chOff x="0" y="0"/>
-          <a:chExt cx="0" cy="0"/>
-        </a:xfrm>
-      </p:grpSpPr>
-      <p:sp>
-        <p:nvSpPr>
-          <p:cNvPr id="407" name="Shape 407"/>
-          <p:cNvSpPr>
-            <a:spLocks noGrp="1" noRot="1" noChangeAspect="1"/>
-          </p:cNvSpPr>
-          <p:nvPr>
-            <p:ph type="sldImg" idx="2"/>
-          </p:nvPr>
-        </p:nvSpPr>
-        <p:spPr>
-          <a:xfrm>
-            <a:off x="1143000" y="685800"/>
-            <a:ext cx="4572000" cy="3429000"/>
-          </a:xfrm>
-          <a:custGeom>
-            <a:avLst/>
-            <a:gdLst/>
-            <a:ahLst/>
-            <a:cxnLst/>
-            <a:rect l="0" t="0" r="0" b="0"/>
-            <a:pathLst>
-              <a:path w="120000" h="120000" extrusionOk="0">
-                <a:moveTo>
-                  <a:pt x="0" y="0"/>
-                </a:moveTo>
-                <a:lnTo>
-                  <a:pt x="120000" y="0"/>
-                </a:lnTo>
-                <a:lnTo>
-                  <a:pt x="120000" y="120000"/>
-                </a:lnTo>
-                <a:lnTo>
-                  <a:pt x="0" y="120000"/>
-                </a:lnTo>
-                <a:close/>
-              </a:path>
-            </a:pathLst>
-          </a:custGeom>
-          <a:noFill/>
-          <a:ln w="9525" cap="flat">
-            <a:solidFill>
-              <a:srgbClr val="000000"/>
-            </a:solidFill>
-            <a:prstDash val="solid"/>
-            <a:round/>
-            <a:headEnd type="none" w="med" len="med"/>
-            <a:tailEnd type="none" w="med" len="med"/>
-          </a:ln>
-        </p:spPr>
-      </p:sp>
-      <p:sp>
-        <p:nvSpPr>
-          <p:cNvPr id="408" name="Shape 408"/>
-          <p:cNvSpPr txBox="1">
-            <a:spLocks noGrp="1"/>
-          </p:cNvSpPr>
-          <p:nvPr>
-            <p:ph type="body" idx="1"/>
-          </p:nvPr>
-        </p:nvSpPr>
-        <p:spPr>
-          <a:xfrm>
-            <a:off x="685800" y="4343400"/>
-            <a:ext cx="5486399" cy="4114800"/>
-          </a:xfrm>
-          <a:prstGeom prst="rect">
-            <a:avLst/>
-          </a:prstGeom>
-        </p:spPr>
-        <p:txBody>
-          <a:bodyPr lIns="91425" tIns="91425" rIns="91425" bIns="91425" anchor="t" anchorCtr="0">
-            <a:noAutofit/>
-          </a:bodyPr>
-          <a:lstStyle/>
-          <a:p>
-            <a:pPr>
-              <a:spcBef>
-                <a:spcPts val="0"/>
-              </a:spcBef>
-              <a:buNone/>
-            </a:pPr>
-            <a:endParaRPr/>
-          </a:p>
-        </p:txBody>
-      </p:sp>
-    </p:spTree>
-    <p:extLst>
-      <p:ext uri="{BB962C8B-B14F-4D97-AF65-F5344CB8AC3E}">
-        <p14:creationId xmlns:p14="http://schemas.microsoft.com/office/powerpoint/2010/main" val="3545221516"/>
       </p:ext>
     </p:extLst>
   </p:cSld>
@@ -8830,6 +8817,238 @@
   <p:cSld>
     <p:spTree>
       <p:nvGrpSpPr>
+        <p:cNvPr id="1" name="Shape 400"/>
+        <p:cNvGrpSpPr/>
+        <p:nvPr/>
+      </p:nvGrpSpPr>
+      <p:grpSpPr>
+        <a:xfrm>
+          <a:off x="0" y="0"/>
+          <a:ext cx="0" cy="0"/>
+          <a:chOff x="0" y="0"/>
+          <a:chExt cx="0" cy="0"/>
+        </a:xfrm>
+      </p:grpSpPr>
+      <p:sp>
+        <p:nvSpPr>
+          <p:cNvPr id="401" name="Shape 401"/>
+          <p:cNvSpPr>
+            <a:spLocks noGrp="1" noRot="1" noChangeAspect="1"/>
+          </p:cNvSpPr>
+          <p:nvPr>
+            <p:ph type="sldImg" idx="2"/>
+          </p:nvPr>
+        </p:nvSpPr>
+        <p:spPr>
+          <a:xfrm>
+            <a:off x="1143000" y="685800"/>
+            <a:ext cx="4572000" cy="3429000"/>
+          </a:xfrm>
+          <a:custGeom>
+            <a:avLst/>
+            <a:gdLst/>
+            <a:ahLst/>
+            <a:cxnLst/>
+            <a:rect l="0" t="0" r="0" b="0"/>
+            <a:pathLst>
+              <a:path w="120000" h="120000" extrusionOk="0">
+                <a:moveTo>
+                  <a:pt x="0" y="0"/>
+                </a:moveTo>
+                <a:lnTo>
+                  <a:pt x="120000" y="0"/>
+                </a:lnTo>
+                <a:lnTo>
+                  <a:pt x="120000" y="120000"/>
+                </a:lnTo>
+                <a:lnTo>
+                  <a:pt x="0" y="120000"/>
+                </a:lnTo>
+                <a:close/>
+              </a:path>
+            </a:pathLst>
+          </a:custGeom>
+          <a:noFill/>
+          <a:ln w="9525" cap="flat">
+            <a:solidFill>
+              <a:srgbClr val="000000"/>
+            </a:solidFill>
+            <a:prstDash val="solid"/>
+            <a:round/>
+            <a:headEnd type="none" w="med" len="med"/>
+            <a:tailEnd type="none" w="med" len="med"/>
+          </a:ln>
+        </p:spPr>
+      </p:sp>
+      <p:sp>
+        <p:nvSpPr>
+          <p:cNvPr id="402" name="Shape 402"/>
+          <p:cNvSpPr txBox="1">
+            <a:spLocks noGrp="1"/>
+          </p:cNvSpPr>
+          <p:nvPr>
+            <p:ph type="body" idx="1"/>
+          </p:nvPr>
+        </p:nvSpPr>
+        <p:spPr>
+          <a:xfrm>
+            <a:off x="685800" y="4343400"/>
+            <a:ext cx="5486399" cy="4114800"/>
+          </a:xfrm>
+          <a:prstGeom prst="rect">
+            <a:avLst/>
+          </a:prstGeom>
+        </p:spPr>
+        <p:txBody>
+          <a:bodyPr lIns="91425" tIns="91425" rIns="91425" bIns="91425" anchor="t" anchorCtr="0">
+            <a:noAutofit/>
+          </a:bodyPr>
+          <a:lstStyle/>
+          <a:p>
+            <a:pPr>
+              <a:spcBef>
+                <a:spcPts val="0"/>
+              </a:spcBef>
+              <a:buNone/>
+            </a:pPr>
+            <a:endParaRPr/>
+          </a:p>
+        </p:txBody>
+      </p:sp>
+    </p:spTree>
+    <p:extLst>
+      <p:ext uri="{BB962C8B-B14F-4D97-AF65-F5344CB8AC3E}">
+        <p14:creationId xmlns:p14="http://schemas.microsoft.com/office/powerpoint/2010/main" val="3486686223"/>
+      </p:ext>
+    </p:extLst>
+  </p:cSld>
+  <p:clrMapOvr>
+    <a:masterClrMapping/>
+  </p:clrMapOvr>
+</p:notes>
+</file>
+
+<file path=ppt/notesSlides/notesSlide71.xml><?xml version="1.0" encoding="utf-8"?>
+<p:notes xmlns:a="http://schemas.openxmlformats.org/drawingml/2006/main" xmlns:r="http://schemas.openxmlformats.org/officeDocument/2006/relationships" xmlns:p="http://schemas.openxmlformats.org/presentationml/2006/main" showMasterSp="0" showMasterPhAnim="0">
+  <p:cSld>
+    <p:spTree>
+      <p:nvGrpSpPr>
+        <p:cNvPr id="1" name="Shape 406"/>
+        <p:cNvGrpSpPr/>
+        <p:nvPr/>
+      </p:nvGrpSpPr>
+      <p:grpSpPr>
+        <a:xfrm>
+          <a:off x="0" y="0"/>
+          <a:ext cx="0" cy="0"/>
+          <a:chOff x="0" y="0"/>
+          <a:chExt cx="0" cy="0"/>
+        </a:xfrm>
+      </p:grpSpPr>
+      <p:sp>
+        <p:nvSpPr>
+          <p:cNvPr id="407" name="Shape 407"/>
+          <p:cNvSpPr>
+            <a:spLocks noGrp="1" noRot="1" noChangeAspect="1"/>
+          </p:cNvSpPr>
+          <p:nvPr>
+            <p:ph type="sldImg" idx="2"/>
+          </p:nvPr>
+        </p:nvSpPr>
+        <p:spPr>
+          <a:xfrm>
+            <a:off x="1143000" y="685800"/>
+            <a:ext cx="4572000" cy="3429000"/>
+          </a:xfrm>
+          <a:custGeom>
+            <a:avLst/>
+            <a:gdLst/>
+            <a:ahLst/>
+            <a:cxnLst/>
+            <a:rect l="0" t="0" r="0" b="0"/>
+            <a:pathLst>
+              <a:path w="120000" h="120000" extrusionOk="0">
+                <a:moveTo>
+                  <a:pt x="0" y="0"/>
+                </a:moveTo>
+                <a:lnTo>
+                  <a:pt x="120000" y="0"/>
+                </a:lnTo>
+                <a:lnTo>
+                  <a:pt x="120000" y="120000"/>
+                </a:lnTo>
+                <a:lnTo>
+                  <a:pt x="0" y="120000"/>
+                </a:lnTo>
+                <a:close/>
+              </a:path>
+            </a:pathLst>
+          </a:custGeom>
+          <a:noFill/>
+          <a:ln w="9525" cap="flat">
+            <a:solidFill>
+              <a:srgbClr val="000000"/>
+            </a:solidFill>
+            <a:prstDash val="solid"/>
+            <a:round/>
+            <a:headEnd type="none" w="med" len="med"/>
+            <a:tailEnd type="none" w="med" len="med"/>
+          </a:ln>
+        </p:spPr>
+      </p:sp>
+      <p:sp>
+        <p:nvSpPr>
+          <p:cNvPr id="408" name="Shape 408"/>
+          <p:cNvSpPr txBox="1">
+            <a:spLocks noGrp="1"/>
+          </p:cNvSpPr>
+          <p:nvPr>
+            <p:ph type="body" idx="1"/>
+          </p:nvPr>
+        </p:nvSpPr>
+        <p:spPr>
+          <a:xfrm>
+            <a:off x="685800" y="4343400"/>
+            <a:ext cx="5486399" cy="4114800"/>
+          </a:xfrm>
+          <a:prstGeom prst="rect">
+            <a:avLst/>
+          </a:prstGeom>
+        </p:spPr>
+        <p:txBody>
+          <a:bodyPr lIns="91425" tIns="91425" rIns="91425" bIns="91425" anchor="t" anchorCtr="0">
+            <a:noAutofit/>
+          </a:bodyPr>
+          <a:lstStyle/>
+          <a:p>
+            <a:pPr>
+              <a:spcBef>
+                <a:spcPts val="0"/>
+              </a:spcBef>
+              <a:buNone/>
+            </a:pPr>
+            <a:endParaRPr/>
+          </a:p>
+        </p:txBody>
+      </p:sp>
+    </p:spTree>
+    <p:extLst>
+      <p:ext uri="{BB962C8B-B14F-4D97-AF65-F5344CB8AC3E}">
+        <p14:creationId xmlns:p14="http://schemas.microsoft.com/office/powerpoint/2010/main" val="3545221516"/>
+      </p:ext>
+    </p:extLst>
+  </p:cSld>
+  <p:clrMapOvr>
+    <a:masterClrMapping/>
+  </p:clrMapOvr>
+</p:notes>
+</file>
+
+<file path=ppt/notesSlides/notesSlide72.xml><?xml version="1.0" encoding="utf-8"?>
+<p:notes xmlns:a="http://schemas.openxmlformats.org/drawingml/2006/main" xmlns:r="http://schemas.openxmlformats.org/officeDocument/2006/relationships" xmlns:p="http://schemas.openxmlformats.org/presentationml/2006/main" showMasterSp="0" showMasterPhAnim="0">
+  <p:cSld>
+    <p:spTree>
+      <p:nvGrpSpPr>
         <p:cNvPr id="1" name="Shape 412"/>
         <p:cNvGrpSpPr/>
         <p:nvPr/>
@@ -8941,7 +9160,7 @@
 </p:notes>
 </file>
 
-<file path=ppt/notesSlides/notesSlide71.xml><?xml version="1.0" encoding="utf-8"?>
+<file path=ppt/notesSlides/notesSlide73.xml><?xml version="1.0" encoding="utf-8"?>
 <p:notes xmlns:a="http://schemas.openxmlformats.org/drawingml/2006/main" xmlns:r="http://schemas.openxmlformats.org/officeDocument/2006/relationships" xmlns:p="http://schemas.openxmlformats.org/presentationml/2006/main" showMasterSp="0" showMasterPhAnim="0">
   <p:cSld>
     <p:spTree>
@@ -13509,13 +13728,13 @@
   <p:clrMapOvr>
     <a:masterClrMapping/>
   </p:clrMapOvr>
-  <p:transition spd="slow">
+  <p:transition xmlns:p14="http://schemas.microsoft.com/office/powerpoint/2010/main" spd="slow">
     <p:cut/>
   </p:transition>
   <p:timing>
     <p:tnLst>
       <p:par>
-        <p:cTn id="1" dur="indefinite" restart="never" nodeType="tmRoot"/>
+        <p:cTn xmlns:p14="http://schemas.microsoft.com/office/powerpoint/2010/main" id="1" dur="indefinite" restart="never" nodeType="tmRoot"/>
       </p:par>
     </p:tnLst>
   </p:timing>
@@ -13793,13 +14012,13 @@
   <p:clrMapOvr>
     <a:masterClrMapping/>
   </p:clrMapOvr>
-  <p:transition spd="slow">
+  <p:transition xmlns:p14="http://schemas.microsoft.com/office/powerpoint/2010/main" spd="slow">
     <p:cut/>
   </p:transition>
   <p:timing>
     <p:tnLst>
       <p:par>
-        <p:cTn id="1" dur="indefinite" restart="never" nodeType="tmRoot"/>
+        <p:cTn xmlns:p14="http://schemas.microsoft.com/office/powerpoint/2010/main" id="1" dur="indefinite" restart="never" nodeType="tmRoot"/>
       </p:par>
     </p:tnLst>
   </p:timing>
@@ -13994,13 +14213,13 @@
   <p:clrMapOvr>
     <a:masterClrMapping/>
   </p:clrMapOvr>
-  <p:transition spd="slow">
+  <p:transition xmlns:p14="http://schemas.microsoft.com/office/powerpoint/2010/main" spd="slow">
     <p:cut/>
   </p:transition>
   <p:timing>
     <p:tnLst>
       <p:par>
-        <p:cTn id="1" dur="indefinite" restart="never" nodeType="tmRoot"/>
+        <p:cTn xmlns:p14="http://schemas.microsoft.com/office/powerpoint/2010/main" id="1" dur="indefinite" restart="never" nodeType="tmRoot"/>
       </p:par>
     </p:tnLst>
   </p:timing>
@@ -14208,13 +14427,13 @@
   <p:clrMapOvr>
     <a:masterClrMapping/>
   </p:clrMapOvr>
-  <p:transition spd="slow">
+  <p:transition xmlns:p14="http://schemas.microsoft.com/office/powerpoint/2010/main" spd="slow">
     <p:cut/>
   </p:transition>
   <p:timing>
     <p:tnLst>
       <p:par>
-        <p:cTn id="1" dur="indefinite" restart="never" nodeType="tmRoot"/>
+        <p:cTn xmlns:p14="http://schemas.microsoft.com/office/powerpoint/2010/main" id="1" dur="indefinite" restart="never" nodeType="tmRoot"/>
       </p:par>
     </p:tnLst>
   </p:timing>
@@ -14408,13 +14627,13 @@
   <p:clrMapOvr>
     <a:masterClrMapping/>
   </p:clrMapOvr>
-  <p:transition spd="slow">
+  <p:transition xmlns:p14="http://schemas.microsoft.com/office/powerpoint/2010/main" spd="slow">
     <p:cut/>
   </p:transition>
   <p:timing>
     <p:tnLst>
       <p:par>
-        <p:cTn id="1" dur="indefinite" restart="never" nodeType="tmRoot"/>
+        <p:cTn xmlns:p14="http://schemas.microsoft.com/office/powerpoint/2010/main" id="1" dur="indefinite" restart="never" nodeType="tmRoot"/>
       </p:par>
     </p:tnLst>
   </p:timing>
@@ -14626,13 +14845,13 @@
   <p:clrMapOvr>
     <a:masterClrMapping/>
   </p:clrMapOvr>
-  <p:transition spd="slow">
+  <p:transition xmlns:p14="http://schemas.microsoft.com/office/powerpoint/2010/main" spd="slow">
     <p:cut/>
   </p:transition>
   <p:timing>
     <p:tnLst>
       <p:par>
-        <p:cTn id="1" dur="indefinite" restart="never" nodeType="tmRoot"/>
+        <p:cTn xmlns:p14="http://schemas.microsoft.com/office/powerpoint/2010/main" id="1" dur="indefinite" restart="never" nodeType="tmRoot"/>
       </p:par>
     </p:tnLst>
   </p:timing>
@@ -14833,13 +15052,13 @@
   <p:clrMapOvr>
     <a:masterClrMapping/>
   </p:clrMapOvr>
-  <p:transition spd="slow">
+  <p:transition xmlns:p14="http://schemas.microsoft.com/office/powerpoint/2010/main" spd="slow">
     <p:cut/>
   </p:transition>
   <p:timing>
     <p:tnLst>
       <p:par>
-        <p:cTn id="1" dur="indefinite" restart="never" nodeType="tmRoot"/>
+        <p:cTn xmlns:p14="http://schemas.microsoft.com/office/powerpoint/2010/main" id="1" dur="indefinite" restart="never" nodeType="tmRoot"/>
       </p:par>
     </p:tnLst>
   </p:timing>
@@ -15115,13 +15334,13 @@
   <p:clrMapOvr>
     <a:masterClrMapping/>
   </p:clrMapOvr>
-  <p:transition spd="slow">
+  <p:transition xmlns:p14="http://schemas.microsoft.com/office/powerpoint/2010/main" spd="slow">
     <p:cut/>
   </p:transition>
   <p:timing>
     <p:tnLst>
       <p:par>
-        <p:cTn id="1" dur="indefinite" restart="never" nodeType="tmRoot"/>
+        <p:cTn xmlns:p14="http://schemas.microsoft.com/office/powerpoint/2010/main" id="1" dur="indefinite" restart="never" nodeType="tmRoot"/>
       </p:par>
     </p:tnLst>
   </p:timing>
@@ -15220,7 +15439,7 @@
   <p:timing>
     <p:tnLst>
       <p:par>
-        <p:cTn id="1" dur="indefinite" restart="never" nodeType="tmRoot"/>
+        <p:cTn xmlns:p14="http://schemas.microsoft.com/office/powerpoint/2010/main" id="1" dur="indefinite" restart="never" nodeType="tmRoot"/>
       </p:par>
     </p:tnLst>
   </p:timing>
@@ -15552,13 +15771,13 @@
   <p:clrMapOvr>
     <a:masterClrMapping/>
   </p:clrMapOvr>
-  <p:transition spd="slow">
+  <p:transition xmlns:p14="http://schemas.microsoft.com/office/powerpoint/2010/main" spd="slow">
     <p:cut/>
   </p:transition>
   <p:timing>
     <p:tnLst>
       <p:par>
-        <p:cTn id="1" dur="indefinite" restart="never" nodeType="tmRoot"/>
+        <p:cTn xmlns:p14="http://schemas.microsoft.com/office/powerpoint/2010/main" id="1" dur="indefinite" restart="never" nodeType="tmRoot"/>
       </p:par>
     </p:tnLst>
   </p:timing>
@@ -15863,13 +16082,13 @@
   <p:clrMapOvr>
     <a:masterClrMapping/>
   </p:clrMapOvr>
-  <p:transition spd="slow">
+  <p:transition xmlns:p14="http://schemas.microsoft.com/office/powerpoint/2010/main" spd="slow">
     <p:cut/>
   </p:transition>
   <p:timing>
     <p:tnLst>
       <p:par>
-        <p:cTn id="1" dur="indefinite" restart="never" nodeType="tmRoot"/>
+        <p:cTn xmlns:p14="http://schemas.microsoft.com/office/powerpoint/2010/main" id="1" dur="indefinite" restart="never" nodeType="tmRoot"/>
       </p:par>
     </p:tnLst>
   </p:timing>
@@ -15996,13 +16215,13 @@
   <p:clrMapOvr>
     <a:masterClrMapping/>
   </p:clrMapOvr>
-  <p:transition spd="slow">
+  <p:transition xmlns:p14="http://schemas.microsoft.com/office/powerpoint/2010/main" spd="slow">
     <p:cut/>
   </p:transition>
   <p:timing>
     <p:tnLst>
       <p:par>
-        <p:cTn id="1" dur="indefinite" restart="never" nodeType="tmRoot"/>
+        <p:cTn xmlns:p14="http://schemas.microsoft.com/office/powerpoint/2010/main" id="1" dur="indefinite" restart="never" nodeType="tmRoot"/>
       </p:par>
     </p:tnLst>
   </p:timing>
@@ -16207,13 +16426,13 @@
   <p:clrMapOvr>
     <a:masterClrMapping/>
   </p:clrMapOvr>
-  <p:transition spd="slow">
+  <p:transition xmlns:p14="http://schemas.microsoft.com/office/powerpoint/2010/main" spd="slow">
     <p:cut/>
   </p:transition>
   <p:timing>
     <p:tnLst>
       <p:par>
-        <p:cTn id="1" dur="indefinite" restart="never" nodeType="tmRoot"/>
+        <p:cTn xmlns:p14="http://schemas.microsoft.com/office/powerpoint/2010/main" id="1" dur="indefinite" restart="never" nodeType="tmRoot"/>
       </p:par>
     </p:tnLst>
   </p:timing>
@@ -16410,13 +16629,13 @@
   <p:clrMapOvr>
     <a:masterClrMapping/>
   </p:clrMapOvr>
-  <p:transition spd="slow">
+  <p:transition xmlns:p14="http://schemas.microsoft.com/office/powerpoint/2010/main" spd="slow">
     <p:cut/>
   </p:transition>
   <p:timing>
     <p:tnLst>
       <p:par>
-        <p:cTn id="1" dur="indefinite" restart="never" nodeType="tmRoot"/>
+        <p:cTn xmlns:p14="http://schemas.microsoft.com/office/powerpoint/2010/main" id="1" dur="indefinite" restart="never" nodeType="tmRoot"/>
       </p:par>
     </p:tnLst>
   </p:timing>
@@ -16713,13 +16932,13 @@
   <p:clrMapOvr>
     <a:overrideClrMapping bg1="lt1" tx1="dk1" bg2="dk2" tx2="lt2" accent1="accent1" accent2="accent2" accent3="accent3" accent4="accent4" accent5="accent5" accent6="accent6" hlink="hlink" folHlink="folHlink"/>
   </p:clrMapOvr>
-  <p:transition spd="slow">
+  <p:transition xmlns:p14="http://schemas.microsoft.com/office/powerpoint/2010/main" spd="slow">
     <p:cut/>
   </p:transition>
   <p:timing>
     <p:tnLst>
       <p:par>
-        <p:cTn id="1" dur="indefinite" restart="never" nodeType="tmRoot"/>
+        <p:cTn xmlns:p14="http://schemas.microsoft.com/office/powerpoint/2010/main" id="1" dur="indefinite" restart="never" nodeType="tmRoot"/>
       </p:par>
     </p:tnLst>
   </p:timing>
@@ -16916,13 +17135,13 @@
   <p:clrMapOvr>
     <a:masterClrMapping/>
   </p:clrMapOvr>
-  <p:transition spd="slow">
+  <p:transition xmlns:p14="http://schemas.microsoft.com/office/powerpoint/2010/main" spd="slow">
     <p:cut/>
   </p:transition>
   <p:timing>
     <p:tnLst>
       <p:par>
-        <p:cTn id="1" dur="indefinite" restart="never" nodeType="tmRoot"/>
+        <p:cTn xmlns:p14="http://schemas.microsoft.com/office/powerpoint/2010/main" id="1" dur="indefinite" restart="never" nodeType="tmRoot"/>
       </p:par>
     </p:tnLst>
   </p:timing>
@@ -17174,13 +17393,13 @@
   <p:clrMapOvr>
     <a:masterClrMapping/>
   </p:clrMapOvr>
-  <p:transition spd="slow">
+  <p:transition xmlns:p14="http://schemas.microsoft.com/office/powerpoint/2010/main" spd="slow">
     <p:cut/>
   </p:transition>
   <p:timing>
     <p:tnLst>
       <p:par>
-        <p:cTn id="1" dur="indefinite" restart="never" nodeType="tmRoot"/>
+        <p:cTn xmlns:p14="http://schemas.microsoft.com/office/powerpoint/2010/main" id="1" dur="indefinite" restart="never" nodeType="tmRoot"/>
       </p:par>
     </p:tnLst>
   </p:timing>
@@ -17421,13 +17640,13 @@
   <p:clrMapOvr>
     <a:masterClrMapping/>
   </p:clrMapOvr>
-  <p:transition spd="slow">
+  <p:transition xmlns:p14="http://schemas.microsoft.com/office/powerpoint/2010/main" spd="slow">
     <p:cut/>
   </p:transition>
   <p:timing>
     <p:tnLst>
       <p:par>
-        <p:cTn id="1" dur="indefinite" restart="never" nodeType="tmRoot"/>
+        <p:cTn xmlns:p14="http://schemas.microsoft.com/office/powerpoint/2010/main" id="1" dur="indefinite" restart="never" nodeType="tmRoot"/>
       </p:par>
     </p:tnLst>
   </p:timing>
@@ -17737,13 +17956,13 @@
   <p:clrMapOvr>
     <a:masterClrMapping/>
   </p:clrMapOvr>
-  <p:transition spd="slow">
+  <p:transition xmlns:p14="http://schemas.microsoft.com/office/powerpoint/2010/main" spd="slow">
     <p:cut/>
   </p:transition>
   <p:timing>
     <p:tnLst>
       <p:par>
-        <p:cTn id="1" dur="indefinite" restart="never" nodeType="tmRoot"/>
+        <p:cTn xmlns:p14="http://schemas.microsoft.com/office/powerpoint/2010/main" id="1" dur="indefinite" restart="never" nodeType="tmRoot"/>
       </p:par>
     </p:tnLst>
   </p:timing>
@@ -17927,13 +18146,13 @@
   <p:clrMapOvr>
     <a:masterClrMapping/>
   </p:clrMapOvr>
-  <p:transition spd="slow">
+  <p:transition xmlns:p14="http://schemas.microsoft.com/office/powerpoint/2010/main" spd="slow">
     <p:cut/>
   </p:transition>
   <p:timing>
     <p:tnLst>
       <p:par>
-        <p:cTn id="1" dur="indefinite" restart="never" nodeType="tmRoot"/>
+        <p:cTn xmlns:p14="http://schemas.microsoft.com/office/powerpoint/2010/main" id="1" dur="indefinite" restart="never" nodeType="tmRoot"/>
       </p:par>
     </p:tnLst>
   </p:timing>
@@ -18268,7 +18487,19 @@
                 <a:cs typeface="Menlo Regular"/>
                 <a:sym typeface="courier new"/>
               </a:rPr>
-              <a:t>Hi“</a:t>
+              <a:t>Hi</a:t>
+            </a:r>
+            <a:r>
+              <a:rPr lang="en-US" sz="2666" dirty="0" smtClean="0">
+                <a:solidFill>
+                  <a:srgbClr val="0E72A4"/>
+                </a:solidFill>
+                <a:latin typeface="Menlo Regular"/>
+                <a:ea typeface="Menlo Regular"/>
+                <a:cs typeface="Menlo Regular"/>
+                <a:sym typeface="courier new"/>
+              </a:rPr>
+              <a:t>"</a:t>
             </a:r>
             <a:endParaRPr lang="en" sz="2666" dirty="0">
               <a:solidFill>
@@ -18471,13 +18702,13 @@
   <p:clrMapOvr>
     <a:masterClrMapping/>
   </p:clrMapOvr>
-  <p:transition spd="slow">
+  <p:transition xmlns:p14="http://schemas.microsoft.com/office/powerpoint/2010/main" spd="slow">
     <p:cut/>
   </p:transition>
   <p:timing>
     <p:tnLst>
       <p:par>
-        <p:cTn id="1" dur="indefinite" restart="never" nodeType="tmRoot"/>
+        <p:cTn xmlns:p14="http://schemas.microsoft.com/office/powerpoint/2010/main" id="1" dur="indefinite" restart="never" nodeType="tmRoot"/>
       </p:par>
     </p:tnLst>
   </p:timing>
@@ -18659,13 +18890,13 @@
   <p:clrMapOvr>
     <a:masterClrMapping/>
   </p:clrMapOvr>
-  <p:transition spd="slow">
+  <p:transition xmlns:p14="http://schemas.microsoft.com/office/powerpoint/2010/main" spd="slow">
     <p:cut/>
   </p:transition>
   <p:timing>
     <p:tnLst>
       <p:par>
-        <p:cTn id="1" dur="indefinite" restart="never" nodeType="tmRoot"/>
+        <p:cTn xmlns:p14="http://schemas.microsoft.com/office/powerpoint/2010/main" id="1" dur="indefinite" restart="never" nodeType="tmRoot"/>
       </p:par>
     </p:tnLst>
   </p:timing>
@@ -18968,13 +19199,13 @@
   <p:clrMapOvr>
     <a:masterClrMapping/>
   </p:clrMapOvr>
-  <p:transition spd="slow">
+  <p:transition xmlns:p14="http://schemas.microsoft.com/office/powerpoint/2010/main" spd="slow">
     <p:cut/>
   </p:transition>
   <p:timing>
     <p:tnLst>
       <p:par>
-        <p:cTn id="1" dur="indefinite" restart="never" nodeType="tmRoot"/>
+        <p:cTn xmlns:p14="http://schemas.microsoft.com/office/powerpoint/2010/main" id="1" dur="indefinite" restart="never" nodeType="tmRoot"/>
       </p:par>
     </p:tnLst>
   </p:timing>
@@ -19030,7 +19261,7 @@
               <a:buNone/>
             </a:pPr>
             <a:r>
-              <a:rPr lang="en" sz="7200" b="0" dirty="0">
+              <a:rPr lang="en" sz="5000" b="0" dirty="0">
                 <a:solidFill>
                   <a:srgbClr val="FF0000"/>
                 </a:solidFill>
@@ -19164,13 +19395,13 @@
   <p:clrMapOvr>
     <a:masterClrMapping/>
   </p:clrMapOvr>
-  <p:transition spd="slow">
+  <p:transition xmlns:p14="http://schemas.microsoft.com/office/powerpoint/2010/main" spd="slow">
     <p:cut/>
   </p:transition>
   <p:timing>
     <p:tnLst>
       <p:par>
-        <p:cTn id="1" dur="indefinite" restart="never" nodeType="tmRoot"/>
+        <p:cTn xmlns:p14="http://schemas.microsoft.com/office/powerpoint/2010/main" id="1" dur="indefinite" restart="never" nodeType="tmRoot"/>
       </p:par>
     </p:tnLst>
   </p:timing>
@@ -19226,7 +19457,7 @@
               <a:buNone/>
             </a:pPr>
             <a:r>
-              <a:rPr lang="en" sz="7200" b="0" dirty="0">
+              <a:rPr lang="en" sz="5000" b="0" dirty="0">
                 <a:solidFill>
                   <a:srgbClr val="FF0000"/>
                 </a:solidFill>
@@ -19666,13 +19897,13 @@
   <p:clrMapOvr>
     <a:masterClrMapping/>
   </p:clrMapOvr>
-  <p:transition spd="slow">
+  <p:transition xmlns:p14="http://schemas.microsoft.com/office/powerpoint/2010/main" spd="slow">
     <p:cut/>
   </p:transition>
   <p:timing>
     <p:tnLst>
       <p:par>
-        <p:cTn id="1" dur="indefinite" restart="never" nodeType="tmRoot"/>
+        <p:cTn xmlns:p14="http://schemas.microsoft.com/office/powerpoint/2010/main" id="1" dur="indefinite" restart="never" nodeType="tmRoot"/>
       </p:par>
     </p:tnLst>
   </p:timing>
@@ -20045,13 +20276,13 @@
   <p:clrMapOvr>
     <a:masterClrMapping/>
   </p:clrMapOvr>
-  <p:transition spd="slow">
+  <p:transition xmlns:p14="http://schemas.microsoft.com/office/powerpoint/2010/main" spd="slow">
     <p:cut/>
   </p:transition>
   <p:timing>
     <p:tnLst>
       <p:par>
-        <p:cTn id="1" dur="indefinite" restart="never" nodeType="tmRoot"/>
+        <p:cTn xmlns:p14="http://schemas.microsoft.com/office/powerpoint/2010/main" id="1" dur="indefinite" restart="never" nodeType="tmRoot"/>
       </p:par>
     </p:tnLst>
   </p:timing>
@@ -20199,13 +20430,13 @@
   <p:clrMapOvr>
     <a:masterClrMapping/>
   </p:clrMapOvr>
-  <p:transition spd="slow">
+  <p:transition xmlns:p14="http://schemas.microsoft.com/office/powerpoint/2010/main" spd="slow">
     <p:cut/>
   </p:transition>
   <p:timing>
     <p:tnLst>
       <p:par>
-        <p:cTn id="1" dur="indefinite" restart="never" nodeType="tmRoot"/>
+        <p:cTn xmlns:p14="http://schemas.microsoft.com/office/powerpoint/2010/main" id="1" dur="indefinite" restart="never" nodeType="tmRoot"/>
       </p:par>
     </p:tnLst>
   </p:timing>
@@ -20273,7 +20504,7 @@
           <p:nvPr/>
         </p:nvPicPr>
         <p:blipFill>
-          <a:blip r:embed="rId2"/>
+          <a:blip r:embed="rId3"/>
           <a:stretch>
             <a:fillRect/>
           </a:stretch>
@@ -20301,7 +20532,7 @@
   <p:timing>
     <p:tnLst>
       <p:par>
-        <p:cTn id="1" dur="indefinite" restart="never" nodeType="tmRoot"/>
+        <p:cTn xmlns:p14="http://schemas.microsoft.com/office/powerpoint/2010/main" id="1" dur="indefinite" restart="never" nodeType="tmRoot"/>
       </p:par>
     </p:tnLst>
   </p:timing>
@@ -20419,13 +20650,13 @@
   <p:clrMapOvr>
     <a:masterClrMapping/>
   </p:clrMapOvr>
-  <p:transition spd="slow">
+  <p:transition xmlns:p14="http://schemas.microsoft.com/office/powerpoint/2010/main" spd="slow">
     <p:cut/>
   </p:transition>
   <p:timing>
     <p:tnLst>
       <p:par>
-        <p:cTn id="1" dur="indefinite" restart="never" nodeType="tmRoot"/>
+        <p:cTn xmlns:p14="http://schemas.microsoft.com/office/powerpoint/2010/main" id="1" dur="indefinite" restart="never" nodeType="tmRoot"/>
       </p:par>
     </p:tnLst>
   </p:timing>
@@ -20638,13 +20869,13 @@
   <p:clrMapOvr>
     <a:masterClrMapping/>
   </p:clrMapOvr>
-  <p:transition spd="slow">
+  <p:transition xmlns:p14="http://schemas.microsoft.com/office/powerpoint/2010/main" spd="slow">
     <p:cut/>
   </p:transition>
   <p:timing>
     <p:tnLst>
       <p:par>
-        <p:cTn id="1" dur="indefinite" restart="never" nodeType="tmRoot"/>
+        <p:cTn xmlns:p14="http://schemas.microsoft.com/office/powerpoint/2010/main" id="1" dur="indefinite" restart="never" nodeType="tmRoot"/>
       </p:par>
     </p:tnLst>
   </p:timing>
@@ -20656,7 +20887,7 @@
   <p:cSld>
     <p:spTree>
       <p:nvGrpSpPr>
-        <p:cNvPr id="1" name="Shape 210"/>
+        <p:cNvPr id="1" name="Shape 203"/>
         <p:cNvGrpSpPr/>
         <p:nvPr/>
       </p:nvGrpSpPr>
@@ -20670,7 +20901,7 @@
       </p:grpSpPr>
       <p:sp>
         <p:nvSpPr>
-          <p:cNvPr id="211" name="Shape 211"/>
+          <p:cNvPr id="204" name="Shape 204"/>
           <p:cNvSpPr txBox="1">
             <a:spLocks noGrp="1"/>
           </p:cNvSpPr>
@@ -20680,8 +20911,8 @@
         </p:nvSpPr>
         <p:spPr>
           <a:xfrm>
-            <a:off x="280169" y="280417"/>
-            <a:ext cx="8664952" cy="996794"/>
+            <a:off x="274319" y="274319"/>
+            <a:ext cx="8663939" cy="891539"/>
           </a:xfrm>
           <a:prstGeom prst="rect">
             <a:avLst/>
@@ -20712,14 +20943,14 @@
                 <a:cs typeface="Yanone Kaffeesatz Bold"/>
                 <a:sym typeface="Ubuntu"/>
               </a:rPr>
-              <a:t>Types of ducks</a:t>
+              <a:t>Duck-typing</a:t>
             </a:r>
           </a:p>
         </p:txBody>
       </p:sp>
       <p:sp>
         <p:nvSpPr>
-          <p:cNvPr id="212" name="Shape 212"/>
+          <p:cNvPr id="205" name="Shape 205"/>
           <p:cNvSpPr txBox="1">
             <a:spLocks noGrp="1"/>
           </p:cNvSpPr>
@@ -20729,8 +20960,8 @@
         </p:nvSpPr>
         <p:spPr>
           <a:xfrm>
-            <a:off x="274319" y="2801035"/>
-            <a:ext cx="8663939" cy="3851223"/>
+            <a:off x="4379226" y="1586704"/>
+            <a:ext cx="4106115" cy="4996867"/>
           </a:xfrm>
           <a:prstGeom prst="rect">
             <a:avLst/>
@@ -20742,75 +20973,278 @@
           </a:bodyPr>
           <a:lstStyle/>
           <a:p>
-            <a:r>
-              <a:rPr lang="en" sz="6000" dirty="0">
-                <a:solidFill>
-                  <a:srgbClr val="0E72A4"/>
-                </a:solidFill>
-                <a:latin typeface="Ubuntu"/>
-                <a:ea typeface="Ubuntu"/>
-                <a:cs typeface="Ubuntu"/>
-                <a:sym typeface="Ubuntu"/>
-              </a:rPr>
-              <a:t>standard types: </a:t>
-            </a:r>
-            <a:endParaRPr lang="en-US" sz="6000" dirty="0" smtClean="0">
-              <a:solidFill>
-                <a:srgbClr val="0E72A4"/>
-              </a:solidFill>
-              <a:latin typeface="Ubuntu"/>
-              <a:ea typeface="Ubuntu"/>
-              <a:cs typeface="Ubuntu"/>
-              <a:sym typeface="Ubuntu"/>
-            </a:endParaRPr>
-          </a:p>
-          <a:p>
-            <a:pPr algn="r"/>
-            <a:r>
-              <a:rPr lang="en" sz="6000" dirty="0" smtClean="0">
-                <a:solidFill>
-                  <a:srgbClr val="D20035"/>
-                </a:solidFill>
-                <a:latin typeface="Ubuntu"/>
-                <a:ea typeface="Ubuntu"/>
-                <a:cs typeface="Ubuntu"/>
-                <a:sym typeface="Ubuntu"/>
-              </a:rPr>
-              <a:t>numbers </a:t>
-            </a:r>
-            <a:r>
-              <a:rPr lang="en" sz="6000" dirty="0">
-                <a:solidFill>
-                  <a:srgbClr val="D20035"/>
-                </a:solidFill>
-                <a:latin typeface="Ubuntu"/>
-                <a:ea typeface="Ubuntu"/>
-                <a:cs typeface="Ubuntu"/>
-                <a:sym typeface="Ubuntu"/>
-              </a:rPr>
-              <a:t>&amp; letters</a:t>
-            </a:r>
-            <a:endParaRPr lang="en" sz="6000" dirty="0">
-              <a:solidFill>
-                <a:srgbClr val="D20035"/>
-              </a:solidFill>
+            <a:pPr rtl="0">
+              <a:lnSpc>
+                <a:spcPct val="100000"/>
+              </a:lnSpc>
+              <a:spcBef>
+                <a:spcPts val="0"/>
+              </a:spcBef>
+              <a:buNone/>
+            </a:pPr>
+            <a:r>
+              <a:rPr lang="en-US" dirty="0" smtClean="0">
+                <a:sym typeface="Open Sans"/>
+              </a:rPr>
+              <a:t>C:</a:t>
+            </a:r>
+          </a:p>
+          <a:p>
+            <a:pPr rtl="0">
+              <a:lnSpc>
+                <a:spcPct val="100000"/>
+              </a:lnSpc>
+              <a:spcBef>
+                <a:spcPts val="0"/>
+              </a:spcBef>
+              <a:buNone/>
+            </a:pPr>
+            <a:endParaRPr lang="en-US" dirty="0" smtClean="0">
               <a:sym typeface="Open Sans"/>
             </a:endParaRPr>
           </a:p>
+          <a:p>
+            <a:pPr rtl="0">
+              <a:lnSpc>
+                <a:spcPct val="100000"/>
+              </a:lnSpc>
+              <a:spcBef>
+                <a:spcPts val="0"/>
+              </a:spcBef>
+              <a:buNone/>
+            </a:pPr>
+            <a:r>
+              <a:rPr lang="en-US" dirty="0" err="1" smtClean="0">
+                <a:sym typeface="Open Sans"/>
+              </a:rPr>
+              <a:t>int</a:t>
+            </a:r>
+            <a:r>
+              <a:rPr lang="en-US" dirty="0" smtClean="0">
+                <a:sym typeface="Open Sans"/>
+              </a:rPr>
+              <a:t> </a:t>
+            </a:r>
+            <a:r>
+              <a:rPr lang="en-US" dirty="0" err="1" smtClean="0">
+                <a:sym typeface="Open Sans"/>
+              </a:rPr>
+              <a:t>my_number</a:t>
+            </a:r>
+            <a:r>
+              <a:rPr lang="en-US" dirty="0" smtClean="0">
+                <a:sym typeface="Open Sans"/>
+              </a:rPr>
+              <a:t> = 3</a:t>
+            </a:r>
+          </a:p>
+          <a:p>
+            <a:pPr rtl="0">
+              <a:lnSpc>
+                <a:spcPct val="100000"/>
+              </a:lnSpc>
+              <a:spcBef>
+                <a:spcPts val="0"/>
+              </a:spcBef>
+              <a:buNone/>
+            </a:pPr>
+            <a:endParaRPr lang="en-US" sz="2666" dirty="0">
+              <a:solidFill>
+                <a:srgbClr val="000000"/>
+              </a:solidFill>
+              <a:latin typeface="Open Sans"/>
+              <a:ea typeface="Open Sans"/>
+              <a:cs typeface="Open Sans"/>
+              <a:sym typeface="Open Sans"/>
+            </a:endParaRPr>
+          </a:p>
+          <a:p>
+            <a:pPr rtl="0">
+              <a:lnSpc>
+                <a:spcPct val="100000"/>
+              </a:lnSpc>
+              <a:spcBef>
+                <a:spcPts val="0"/>
+              </a:spcBef>
+              <a:buNone/>
+            </a:pPr>
+            <a:r>
+              <a:rPr lang="en-US" dirty="0" err="1">
+                <a:sym typeface="Open Sans"/>
+              </a:rPr>
+              <a:t>v</a:t>
+            </a:r>
+            <a:r>
+              <a:rPr lang="en-US" dirty="0" err="1" smtClean="0">
+                <a:sym typeface="Open Sans"/>
+              </a:rPr>
+              <a:t>s</a:t>
+            </a:r>
+            <a:endParaRPr lang="en-US" dirty="0" smtClean="0">
+              <a:sym typeface="Open Sans"/>
+            </a:endParaRPr>
+          </a:p>
+          <a:p>
+            <a:pPr rtl="0">
+              <a:lnSpc>
+                <a:spcPct val="100000"/>
+              </a:lnSpc>
+              <a:spcBef>
+                <a:spcPts val="0"/>
+              </a:spcBef>
+              <a:buNone/>
+            </a:pPr>
+            <a:endParaRPr lang="en-US" sz="2666" dirty="0">
+              <a:solidFill>
+                <a:srgbClr val="000000"/>
+              </a:solidFill>
+              <a:latin typeface="Open Sans"/>
+              <a:ea typeface="Open Sans"/>
+              <a:cs typeface="Open Sans"/>
+              <a:sym typeface="Open Sans"/>
+            </a:endParaRPr>
+          </a:p>
+          <a:p>
+            <a:pPr rtl="0">
+              <a:lnSpc>
+                <a:spcPct val="100000"/>
+              </a:lnSpc>
+              <a:spcBef>
+                <a:spcPts val="0"/>
+              </a:spcBef>
+              <a:buNone/>
+            </a:pPr>
+            <a:r>
+              <a:rPr lang="en-US" sz="2666" dirty="0" smtClean="0">
+                <a:solidFill>
+                  <a:srgbClr val="000000"/>
+                </a:solidFill>
+                <a:latin typeface="Open Sans"/>
+                <a:ea typeface="Open Sans"/>
+                <a:cs typeface="Open Sans"/>
+                <a:sym typeface="Open Sans"/>
+              </a:rPr>
+              <a:t>Python:</a:t>
+            </a:r>
+          </a:p>
+          <a:p>
+            <a:pPr rtl="0">
+              <a:lnSpc>
+                <a:spcPct val="100000"/>
+              </a:lnSpc>
+              <a:spcBef>
+                <a:spcPts val="0"/>
+              </a:spcBef>
+              <a:buNone/>
+            </a:pPr>
+            <a:endParaRPr lang="en-US" dirty="0">
+              <a:sym typeface="Open Sans"/>
+            </a:endParaRPr>
+          </a:p>
+          <a:p>
+            <a:pPr rtl="0">
+              <a:lnSpc>
+                <a:spcPct val="100000"/>
+              </a:lnSpc>
+              <a:spcBef>
+                <a:spcPts val="0"/>
+              </a:spcBef>
+              <a:buNone/>
+            </a:pPr>
+            <a:r>
+              <a:rPr lang="en-US" dirty="0" err="1" smtClean="0">
+                <a:sym typeface="Open Sans"/>
+              </a:rPr>
+              <a:t>my_number</a:t>
+            </a:r>
+            <a:r>
+              <a:rPr lang="en-US" dirty="0" smtClean="0">
+                <a:sym typeface="Open Sans"/>
+              </a:rPr>
+              <a:t> = 3</a:t>
+            </a:r>
+          </a:p>
+          <a:p>
+            <a:pPr rtl="0">
+              <a:lnSpc>
+                <a:spcPct val="100000"/>
+              </a:lnSpc>
+              <a:spcBef>
+                <a:spcPts val="0"/>
+              </a:spcBef>
+              <a:buNone/>
+            </a:pPr>
+            <a:endParaRPr lang="en-US" sz="2666" dirty="0">
+              <a:solidFill>
+                <a:srgbClr val="000000"/>
+              </a:solidFill>
+              <a:latin typeface="Open Sans"/>
+              <a:ea typeface="Open Sans"/>
+              <a:cs typeface="Open Sans"/>
+              <a:sym typeface="Open Sans"/>
+            </a:endParaRPr>
+          </a:p>
+          <a:p>
+            <a:pPr rtl="0">
+              <a:lnSpc>
+                <a:spcPct val="100000"/>
+              </a:lnSpc>
+              <a:spcBef>
+                <a:spcPts val="0"/>
+              </a:spcBef>
+              <a:buNone/>
+            </a:pPr>
+            <a:endParaRPr lang="en-US" dirty="0" smtClean="0">
+              <a:sym typeface="Open Sans"/>
+            </a:endParaRPr>
+          </a:p>
         </p:txBody>
       </p:sp>
+      <p:pic>
+        <p:nvPicPr>
+          <p:cNvPr id="206" name="Shape 206"/>
+          <p:cNvPicPr preferRelativeResize="0"/>
+          <p:nvPr/>
+        </p:nvPicPr>
+        <p:blipFill>
+          <a:blip r:embed="rId3">
+            <a:alphaModFix/>
+          </a:blip>
+          <a:stretch>
+            <a:fillRect/>
+          </a:stretch>
+        </p:blipFill>
+        <p:spPr>
+          <a:xfrm>
+            <a:off x="378544" y="1609004"/>
+            <a:ext cx="3310267" cy="4965412"/>
+          </a:xfrm>
+          <a:prstGeom prst="rect">
+            <a:avLst/>
+          </a:prstGeom>
+          <a:noFill/>
+          <a:ln>
+            <a:noFill/>
+          </a:ln>
+        </p:spPr>
+      </p:pic>
     </p:spTree>
+    <p:extLst>
+      <p:ext uri="{BB962C8B-B14F-4D97-AF65-F5344CB8AC3E}">
+        <p14:creationId xmlns:p14="http://schemas.microsoft.com/office/powerpoint/2010/main" val="3796109499"/>
+      </p:ext>
+    </p:extLst>
   </p:cSld>
   <p:clrMapOvr>
     <a:masterClrMapping/>
   </p:clrMapOvr>
-  <p:transition spd="slow">
+  <p:transition xmlns:p14="http://schemas.microsoft.com/office/powerpoint/2010/main" spd="slow">
     <p:cut/>
   </p:transition>
   <p:timing>
     <p:tnLst>
       <p:par>
-        <p:cTn id="1" dur="indefinite" restart="never" nodeType="tmRoot"/>
+        <p:cTn xmlns:p14="http://schemas.microsoft.com/office/powerpoint/2010/main" id="1" dur="indefinite" restart="never" nodeType="tmRoot"/>
       </p:par>
     </p:tnLst>
   </p:timing>
@@ -20869,6 +21303,172 @@
               <a:buNone/>
             </a:pPr>
             <a:r>
+              <a:rPr lang="en" sz="6800" dirty="0">
+                <a:solidFill>
+                  <a:srgbClr val="FF0000"/>
+                </a:solidFill>
+                <a:latin typeface="Yanone Kaffeesatz Bold"/>
+                <a:ea typeface="Ubuntu"/>
+                <a:cs typeface="Yanone Kaffeesatz Bold"/>
+                <a:sym typeface="Ubuntu"/>
+              </a:rPr>
+              <a:t>Types of ducks</a:t>
+            </a:r>
+          </a:p>
+        </p:txBody>
+      </p:sp>
+      <p:sp>
+        <p:nvSpPr>
+          <p:cNvPr id="212" name="Shape 212"/>
+          <p:cNvSpPr txBox="1">
+            <a:spLocks noGrp="1"/>
+          </p:cNvSpPr>
+          <p:nvPr>
+            <p:ph type="body" idx="1"/>
+          </p:nvPr>
+        </p:nvSpPr>
+        <p:spPr>
+          <a:xfrm>
+            <a:off x="274319" y="2801035"/>
+            <a:ext cx="8663939" cy="3851223"/>
+          </a:xfrm>
+          <a:prstGeom prst="rect">
+            <a:avLst/>
+          </a:prstGeom>
+        </p:spPr>
+        <p:txBody>
+          <a:bodyPr lIns="38100" tIns="38100" rIns="38100" bIns="38100" anchor="t" anchorCtr="0">
+            <a:noAutofit/>
+          </a:bodyPr>
+          <a:lstStyle/>
+          <a:p>
+            <a:r>
+              <a:rPr lang="en" sz="6000" dirty="0">
+                <a:solidFill>
+                  <a:srgbClr val="0E72A4"/>
+                </a:solidFill>
+                <a:latin typeface="Ubuntu"/>
+                <a:ea typeface="Ubuntu"/>
+                <a:cs typeface="Ubuntu"/>
+                <a:sym typeface="Ubuntu"/>
+              </a:rPr>
+              <a:t>standard types: </a:t>
+            </a:r>
+            <a:endParaRPr lang="en-US" sz="6000" dirty="0" smtClean="0">
+              <a:solidFill>
+                <a:srgbClr val="0E72A4"/>
+              </a:solidFill>
+              <a:latin typeface="Ubuntu"/>
+              <a:ea typeface="Ubuntu"/>
+              <a:cs typeface="Ubuntu"/>
+              <a:sym typeface="Ubuntu"/>
+            </a:endParaRPr>
+          </a:p>
+          <a:p>
+            <a:pPr algn="r"/>
+            <a:r>
+              <a:rPr lang="en" sz="6000" dirty="0" smtClean="0">
+                <a:solidFill>
+                  <a:srgbClr val="D20035"/>
+                </a:solidFill>
+                <a:latin typeface="Ubuntu"/>
+                <a:ea typeface="Ubuntu"/>
+                <a:cs typeface="Ubuntu"/>
+                <a:sym typeface="Ubuntu"/>
+              </a:rPr>
+              <a:t>numbers </a:t>
+            </a:r>
+            <a:r>
+              <a:rPr lang="en" sz="6000" dirty="0">
+                <a:solidFill>
+                  <a:srgbClr val="D20035"/>
+                </a:solidFill>
+                <a:latin typeface="Ubuntu"/>
+                <a:ea typeface="Ubuntu"/>
+                <a:cs typeface="Ubuntu"/>
+                <a:sym typeface="Ubuntu"/>
+              </a:rPr>
+              <a:t>&amp; letters</a:t>
+            </a:r>
+            <a:endParaRPr lang="en" sz="6000" dirty="0">
+              <a:solidFill>
+                <a:srgbClr val="D20035"/>
+              </a:solidFill>
+              <a:sym typeface="Open Sans"/>
+            </a:endParaRPr>
+          </a:p>
+        </p:txBody>
+      </p:sp>
+    </p:spTree>
+  </p:cSld>
+  <p:clrMapOvr>
+    <a:masterClrMapping/>
+  </p:clrMapOvr>
+  <p:transition xmlns:p14="http://schemas.microsoft.com/office/powerpoint/2010/main" spd="slow">
+    <p:cut/>
+  </p:transition>
+  <p:timing>
+    <p:tnLst>
+      <p:par>
+        <p:cTn xmlns:p14="http://schemas.microsoft.com/office/powerpoint/2010/main" id="1" dur="indefinite" restart="never" nodeType="tmRoot"/>
+      </p:par>
+    </p:tnLst>
+  </p:timing>
+</p:sld>
+</file>
+
+<file path=ppt/slides/slide39.xml><?xml version="1.0" encoding="utf-8"?>
+<p:sld xmlns:a="http://schemas.openxmlformats.org/drawingml/2006/main" xmlns:r="http://schemas.openxmlformats.org/officeDocument/2006/relationships" xmlns:p="http://schemas.openxmlformats.org/presentationml/2006/main">
+  <p:cSld>
+    <p:spTree>
+      <p:nvGrpSpPr>
+        <p:cNvPr id="1" name="Shape 210"/>
+        <p:cNvGrpSpPr/>
+        <p:nvPr/>
+      </p:nvGrpSpPr>
+      <p:grpSpPr>
+        <a:xfrm>
+          <a:off x="0" y="0"/>
+          <a:ext cx="0" cy="0"/>
+          <a:chOff x="0" y="0"/>
+          <a:chExt cx="0" cy="0"/>
+        </a:xfrm>
+      </p:grpSpPr>
+      <p:sp>
+        <p:nvSpPr>
+          <p:cNvPr id="211" name="Shape 211"/>
+          <p:cNvSpPr txBox="1">
+            <a:spLocks noGrp="1"/>
+          </p:cNvSpPr>
+          <p:nvPr>
+            <p:ph type="title"/>
+          </p:nvPr>
+        </p:nvSpPr>
+        <p:spPr>
+          <a:xfrm>
+            <a:off x="280169" y="280417"/>
+            <a:ext cx="8664952" cy="996794"/>
+          </a:xfrm>
+          <a:prstGeom prst="rect">
+            <a:avLst/>
+          </a:prstGeom>
+        </p:spPr>
+        <p:txBody>
+          <a:bodyPr lIns="38100" tIns="38100" rIns="38100" bIns="38100" anchor="t" anchorCtr="0">
+            <a:noAutofit/>
+          </a:bodyPr>
+          <a:lstStyle/>
+          <a:p>
+            <a:pPr rtl="0">
+              <a:lnSpc>
+                <a:spcPct val="100000"/>
+              </a:lnSpc>
+              <a:spcBef>
+                <a:spcPts val="0"/>
+              </a:spcBef>
+              <a:buNone/>
+            </a:pPr>
+            <a:r>
               <a:rPr lang="en-US" sz="6800" dirty="0" smtClean="0">
                 <a:solidFill>
                   <a:srgbClr val="FF0000"/>
@@ -21232,478 +21832,13 @@
   <p:clrMapOvr>
     <a:masterClrMapping/>
   </p:clrMapOvr>
-  <p:transition spd="slow">
+  <p:transition xmlns:p14="http://schemas.microsoft.com/office/powerpoint/2010/main" spd="slow">
     <p:cut/>
   </p:transition>
   <p:timing>
     <p:tnLst>
       <p:par>
-        <p:cTn id="1" dur="indefinite" restart="never" nodeType="tmRoot"/>
-      </p:par>
-    </p:tnLst>
-  </p:timing>
-</p:sld>
-</file>
-
-<file path=ppt/slides/slide39.xml><?xml version="1.0" encoding="utf-8"?>
-<p:sld xmlns:a="http://schemas.openxmlformats.org/drawingml/2006/main" xmlns:r="http://schemas.openxmlformats.org/officeDocument/2006/relationships" xmlns:p="http://schemas.openxmlformats.org/presentationml/2006/main">
-  <p:cSld>
-    <p:spTree>
-      <p:nvGrpSpPr>
-        <p:cNvPr id="1" name="Shape 217"/>
-        <p:cNvGrpSpPr/>
-        <p:nvPr/>
-      </p:nvGrpSpPr>
-      <p:grpSpPr>
-        <a:xfrm>
-          <a:off x="0" y="0"/>
-          <a:ext cx="0" cy="0"/>
-          <a:chOff x="0" y="0"/>
-          <a:chExt cx="0" cy="0"/>
-        </a:xfrm>
-      </p:grpSpPr>
-      <p:sp>
-        <p:nvSpPr>
-          <p:cNvPr id="218" name="Shape 218"/>
-          <p:cNvSpPr txBox="1">
-            <a:spLocks noGrp="1"/>
-          </p:cNvSpPr>
-          <p:nvPr>
-            <p:ph type="title"/>
-          </p:nvPr>
-        </p:nvSpPr>
-        <p:spPr>
-          <a:xfrm>
-            <a:off x="274319" y="274319"/>
-            <a:ext cx="8595359" cy="995786"/>
-          </a:xfrm>
-          <a:prstGeom prst="rect">
-            <a:avLst/>
-          </a:prstGeom>
-        </p:spPr>
-        <p:txBody>
-          <a:bodyPr lIns="91425" tIns="91425" rIns="91425" bIns="91425" anchor="b" anchorCtr="0">
-            <a:noAutofit/>
-          </a:bodyPr>
-          <a:lstStyle/>
-          <a:p>
-            <a:pPr>
-              <a:spcBef>
-                <a:spcPts val="0"/>
-              </a:spcBef>
-              <a:buNone/>
-            </a:pPr>
-            <a:r>
-              <a:rPr lang="en" sz="6800" dirty="0">
-                <a:solidFill>
-                  <a:srgbClr val="FF0000"/>
-                </a:solidFill>
-                <a:latin typeface="Yanone Kaffeesatz Bold"/>
-                <a:ea typeface="Ubuntu"/>
-                <a:cs typeface="Yanone Kaffeesatz Bold"/>
-                <a:sym typeface="Ubuntu"/>
-              </a:rPr>
-              <a:t>Strings</a:t>
-            </a:r>
-          </a:p>
-        </p:txBody>
-      </p:sp>
-      <p:sp>
-        <p:nvSpPr>
-          <p:cNvPr id="219" name="Shape 219"/>
-          <p:cNvSpPr txBox="1">
-            <a:spLocks noGrp="1"/>
-          </p:cNvSpPr>
-          <p:nvPr>
-            <p:ph type="body" idx="1"/>
-          </p:nvPr>
-        </p:nvSpPr>
-        <p:spPr>
-          <a:xfrm>
-            <a:off x="274319" y="1493519"/>
-            <a:ext cx="8595359" cy="4937760"/>
-          </a:xfrm>
-          <a:prstGeom prst="rect">
-            <a:avLst/>
-          </a:prstGeom>
-        </p:spPr>
-        <p:txBody>
-          <a:bodyPr lIns="91425" tIns="91425" rIns="91425" bIns="91425" anchor="t" anchorCtr="0">
-            <a:noAutofit/>
-          </a:bodyPr>
-          <a:lstStyle/>
-          <a:p>
-            <a:pPr lvl="0" rtl="0">
-              <a:spcBef>
-                <a:spcPts val="0"/>
-              </a:spcBef>
-              <a:buNone/>
-            </a:pPr>
-            <a:r>
-              <a:rPr lang="en" dirty="0"/>
-              <a:t>Strings are text; it must be wrapped in a </a:t>
-            </a:r>
-            <a:r>
-              <a:rPr lang="en" b="1" dirty="0"/>
-              <a:t>matched pair of quotation</a:t>
-            </a:r>
-            <a:r>
-              <a:rPr lang="en" dirty="0"/>
-              <a:t> marks.</a:t>
-            </a:r>
-          </a:p>
-          <a:p>
-            <a:pPr lvl="0" rtl="0">
-              <a:spcBef>
-                <a:spcPts val="0"/>
-              </a:spcBef>
-              <a:buNone/>
-            </a:pPr>
-            <a:endParaRPr sz="1000" dirty="0"/>
-          </a:p>
-          <a:p>
-            <a:pPr lvl="0" rtl="0">
-              <a:spcBef>
-                <a:spcPts val="0"/>
-              </a:spcBef>
-              <a:buNone/>
-            </a:pPr>
-            <a:r>
-              <a:rPr lang="en" dirty="0">
-                <a:solidFill>
-                  <a:schemeClr val="tx1"/>
-                </a:solidFill>
-                <a:latin typeface="Menlo Regular"/>
-                <a:ea typeface="Courier New"/>
-                <a:cs typeface="Menlo Regular"/>
-                <a:sym typeface="Courier New"/>
-              </a:rPr>
-              <a:t>$ </a:t>
-            </a:r>
-            <a:r>
-              <a:rPr lang="en" dirty="0" smtClean="0">
-                <a:solidFill>
-                  <a:schemeClr val="tx1"/>
-                </a:solidFill>
-                <a:latin typeface="Menlo Regular"/>
-                <a:ea typeface="Courier New"/>
-                <a:cs typeface="Menlo Regular"/>
-                <a:sym typeface="Courier New"/>
-              </a:rPr>
-              <a:t>python3</a:t>
-            </a:r>
-            <a:endParaRPr lang="en" dirty="0">
-              <a:solidFill>
-                <a:schemeClr val="tx1"/>
-              </a:solidFill>
-              <a:latin typeface="Menlo Regular"/>
-              <a:ea typeface="Courier New"/>
-              <a:cs typeface="Menlo Regular"/>
-              <a:sym typeface="Courier New"/>
-            </a:endParaRPr>
-          </a:p>
-          <a:p>
-            <a:pPr lvl="0" rtl="0">
-              <a:spcBef>
-                <a:spcPts val="0"/>
-              </a:spcBef>
-              <a:buNone/>
-            </a:pPr>
-            <a:r>
-              <a:rPr lang="en" dirty="0" smtClean="0">
-                <a:latin typeface="Menlo Regular"/>
-                <a:ea typeface="Courier New"/>
-                <a:cs typeface="Menlo Regular"/>
-                <a:sym typeface="Courier New"/>
-              </a:rPr>
-              <a:t>&gt;&gt;&gt;</a:t>
-            </a:r>
-            <a:r>
-              <a:rPr lang="en" dirty="0" smtClean="0">
-                <a:solidFill>
-                  <a:srgbClr val="4A86E8"/>
-                </a:solidFill>
-                <a:latin typeface="Menlo Regular"/>
-                <a:ea typeface="Courier New"/>
-                <a:cs typeface="Menlo Regular"/>
-                <a:sym typeface="Courier New"/>
-              </a:rPr>
-              <a:t> </a:t>
-            </a:r>
-            <a:r>
-              <a:rPr lang="en" dirty="0">
-                <a:solidFill>
-                  <a:srgbClr val="0E72A4"/>
-                </a:solidFill>
-                <a:latin typeface="Menlo Regular"/>
-                <a:ea typeface="Courier New"/>
-                <a:cs typeface="Menlo Regular"/>
-                <a:sym typeface="Courier New"/>
-              </a:rPr>
-              <a:t>'Single quotes work'</a:t>
-            </a:r>
-          </a:p>
-          <a:p>
-            <a:pPr lvl="0" rtl="0">
-              <a:spcBef>
-                <a:spcPts val="0"/>
-              </a:spcBef>
-              <a:buNone/>
-            </a:pPr>
-            <a:r>
-              <a:rPr lang="en" dirty="0" smtClean="0">
-                <a:latin typeface="Menlo Regular"/>
-                <a:ea typeface="Courier New"/>
-                <a:cs typeface="Menlo Regular"/>
-                <a:sym typeface="Courier New"/>
-              </a:rPr>
-              <a:t>‘Single </a:t>
-            </a:r>
-            <a:r>
-              <a:rPr lang="en" dirty="0">
-                <a:latin typeface="Menlo Regular"/>
-                <a:ea typeface="Courier New"/>
-                <a:cs typeface="Menlo Regular"/>
-                <a:sym typeface="Courier New"/>
-              </a:rPr>
-              <a:t>quotes </a:t>
-            </a:r>
-            <a:r>
-              <a:rPr lang="en" dirty="0" smtClean="0">
-                <a:latin typeface="Menlo Regular"/>
-                <a:ea typeface="Courier New"/>
-                <a:cs typeface="Menlo Regular"/>
-                <a:sym typeface="Courier New"/>
-              </a:rPr>
-              <a:t>work’</a:t>
-            </a:r>
-            <a:endParaRPr lang="en" dirty="0">
-              <a:latin typeface="Menlo Regular"/>
-              <a:ea typeface="Courier New"/>
-              <a:cs typeface="Menlo Regular"/>
-              <a:sym typeface="Courier New"/>
-            </a:endParaRPr>
-          </a:p>
-          <a:p>
-            <a:pPr lvl="0" rtl="0">
-              <a:spcBef>
-                <a:spcPts val="0"/>
-              </a:spcBef>
-              <a:buNone/>
-            </a:pPr>
-            <a:r>
-              <a:rPr lang="en" dirty="0" smtClean="0">
-                <a:latin typeface="Menlo Regular"/>
-                <a:ea typeface="Courier New"/>
-                <a:cs typeface="Menlo Regular"/>
-                <a:sym typeface="Courier New"/>
-              </a:rPr>
-              <a:t>&gt;&gt;&gt;</a:t>
-            </a:r>
-            <a:r>
-              <a:rPr lang="en" dirty="0" smtClean="0">
-                <a:solidFill>
-                  <a:srgbClr val="4A86E8"/>
-                </a:solidFill>
-                <a:latin typeface="Menlo Regular"/>
-                <a:ea typeface="Courier New"/>
-                <a:cs typeface="Menlo Regular"/>
-                <a:sym typeface="Courier New"/>
-              </a:rPr>
-              <a:t> </a:t>
-            </a:r>
-            <a:r>
-              <a:rPr lang="en" dirty="0">
-                <a:solidFill>
-                  <a:srgbClr val="0E72A4"/>
-                </a:solidFill>
-                <a:latin typeface="Menlo Regular"/>
-                <a:ea typeface="Courier New"/>
-                <a:cs typeface="Menlo Regular"/>
-                <a:sym typeface="Courier New"/>
-              </a:rPr>
-              <a:t>"Double quotes work"</a:t>
-            </a:r>
-          </a:p>
-          <a:p>
-            <a:pPr lvl="0" rtl="0">
-              <a:spcBef>
-                <a:spcPts val="0"/>
-              </a:spcBef>
-              <a:buNone/>
-            </a:pPr>
-            <a:r>
-              <a:rPr lang="en" dirty="0" smtClean="0">
-                <a:latin typeface="Menlo Regular"/>
-                <a:ea typeface="Courier New"/>
-                <a:cs typeface="Menlo Regular"/>
-                <a:sym typeface="Courier New"/>
-              </a:rPr>
-              <a:t>‘Double </a:t>
-            </a:r>
-            <a:r>
-              <a:rPr lang="en" dirty="0">
-                <a:latin typeface="Menlo Regular"/>
-                <a:ea typeface="Courier New"/>
-                <a:cs typeface="Menlo Regular"/>
-                <a:sym typeface="Courier New"/>
-              </a:rPr>
-              <a:t>quotes </a:t>
-            </a:r>
-            <a:r>
-              <a:rPr lang="en" dirty="0" smtClean="0">
-                <a:latin typeface="Menlo Regular"/>
-                <a:ea typeface="Courier New"/>
-                <a:cs typeface="Menlo Regular"/>
-                <a:sym typeface="Courier New"/>
-              </a:rPr>
-              <a:t>work’</a:t>
-            </a:r>
-            <a:endParaRPr lang="en" dirty="0">
-              <a:latin typeface="Menlo Regular"/>
-              <a:ea typeface="Courier New"/>
-              <a:cs typeface="Menlo Regular"/>
-              <a:sym typeface="Courier New"/>
-            </a:endParaRPr>
-          </a:p>
-          <a:p>
-            <a:pPr lvl="0" rtl="0">
-              <a:spcBef>
-                <a:spcPts val="0"/>
-              </a:spcBef>
-              <a:buNone/>
-            </a:pPr>
-            <a:r>
-              <a:rPr lang="en" dirty="0" smtClean="0">
-                <a:latin typeface="Menlo Regular"/>
-                <a:ea typeface="Courier New"/>
-                <a:cs typeface="Menlo Regular"/>
-                <a:sym typeface="Courier New"/>
-              </a:rPr>
-              <a:t>&gt;&gt;&gt;</a:t>
-            </a:r>
-            <a:r>
-              <a:rPr lang="en" dirty="0" smtClean="0">
-                <a:solidFill>
-                  <a:srgbClr val="4A86E8"/>
-                </a:solidFill>
-                <a:latin typeface="Menlo Regular"/>
-                <a:ea typeface="Courier New"/>
-                <a:cs typeface="Menlo Regular"/>
-                <a:sym typeface="Courier New"/>
-              </a:rPr>
-              <a:t> </a:t>
-            </a:r>
-            <a:r>
-              <a:rPr lang="en" dirty="0">
-                <a:solidFill>
-                  <a:srgbClr val="0E72A4"/>
-                </a:solidFill>
-                <a:latin typeface="Menlo Regular"/>
-                <a:ea typeface="Courier New"/>
-                <a:cs typeface="Menlo Regular"/>
-                <a:sym typeface="Courier New"/>
-              </a:rPr>
-              <a:t>"Start and end have to match'</a:t>
-            </a:r>
-          </a:p>
-          <a:p>
-            <a:pPr>
-              <a:spcBef>
-                <a:spcPts val="0"/>
-              </a:spcBef>
-              <a:buNone/>
-            </a:pPr>
-            <a:r>
-              <a:rPr lang="en" dirty="0" smtClean="0">
-                <a:latin typeface="Menlo Regular"/>
-                <a:ea typeface="Courier New"/>
-                <a:cs typeface="Menlo Regular"/>
-                <a:sym typeface="Courier New"/>
-              </a:rPr>
-              <a:t>   File “&lt;stdin&gt;”, line 1</a:t>
-            </a:r>
-          </a:p>
-          <a:p>
-            <a:pPr>
-              <a:spcBef>
-                <a:spcPts val="0"/>
-              </a:spcBef>
-              <a:buNone/>
-            </a:pPr>
-            <a:r>
-              <a:rPr lang="en" dirty="0" smtClean="0">
-                <a:latin typeface="Menlo Regular"/>
-                <a:ea typeface="Courier New"/>
-                <a:cs typeface="Menlo Regular"/>
-                <a:sym typeface="Courier New"/>
-              </a:rPr>
-              <a:t>      “Start and end have to match’</a:t>
-            </a:r>
-          </a:p>
-          <a:p>
-            <a:pPr>
-              <a:spcBef>
-                <a:spcPts val="0"/>
-              </a:spcBef>
-              <a:buNone/>
-            </a:pPr>
-            <a:r>
-              <a:rPr lang="en" dirty="0">
-                <a:latin typeface="Menlo Regular"/>
-                <a:ea typeface="Courier New"/>
-                <a:cs typeface="Menlo Regular"/>
-                <a:sym typeface="Courier New"/>
-              </a:rPr>
-              <a:t>	</a:t>
-            </a:r>
-            <a:r>
-              <a:rPr lang="en" dirty="0" smtClean="0">
-                <a:latin typeface="Menlo Regular"/>
-                <a:ea typeface="Courier New"/>
-                <a:cs typeface="Menlo Regular"/>
-                <a:sym typeface="Courier New"/>
-              </a:rPr>
-              <a:t>				   ^</a:t>
-            </a:r>
-          </a:p>
-          <a:p>
-            <a:pPr>
-              <a:spcBef>
-                <a:spcPts val="0"/>
-              </a:spcBef>
-              <a:buNone/>
-            </a:pPr>
-            <a:r>
-              <a:rPr lang="en" dirty="0" smtClean="0">
-                <a:latin typeface="Menlo Regular"/>
-                <a:ea typeface="Courier New"/>
-                <a:cs typeface="Menlo Regular"/>
-                <a:sym typeface="Courier New"/>
-              </a:rPr>
-              <a:t>SyntaxError: EOL while scanning string literal</a:t>
-            </a:r>
-            <a:endParaRPr lang="en" dirty="0">
-              <a:latin typeface="Menlo Regular"/>
-              <a:ea typeface="Courier New"/>
-              <a:cs typeface="Menlo Regular"/>
-              <a:sym typeface="Courier New"/>
-            </a:endParaRPr>
-          </a:p>
-        </p:txBody>
-      </p:sp>
-    </p:spTree>
-  </p:cSld>
-  <p:clrMapOvr>
-    <a:overrideClrMapping bg1="lt1" tx1="dk1" bg2="dk2" tx2="lt2" accent1="accent1" accent2="accent2" accent3="accent3" accent4="accent4" accent5="accent5" accent6="accent6" hlink="hlink" folHlink="folHlink"/>
-  </p:clrMapOvr>
-  <p:transition spd="slow">
-    <p:cut/>
-  </p:transition>
-  <p:timing>
-    <p:tnLst>
-      <p:par>
-        <p:cTn id="1" dur="indefinite" restart="never" nodeType="tmRoot"/>
+        <p:cTn xmlns:p14="http://schemas.microsoft.com/office/powerpoint/2010/main" id="1" dur="indefinite" restart="never" nodeType="tmRoot"/>
       </p:par>
     </p:tnLst>
   </p:timing>
@@ -21784,7 +21919,7 @@
   <p:timing>
     <p:tnLst>
       <p:par>
-        <p:cTn id="1" dur="indefinite" restart="never" nodeType="tmRoot"/>
+        <p:cTn xmlns:p14="http://schemas.microsoft.com/office/powerpoint/2010/main" id="1" dur="indefinite" restart="never" nodeType="tmRoot"/>
       </p:par>
     </p:tnLst>
   </p:timing>
@@ -21792,6 +21927,558 @@
 </file>
 
 <file path=ppt/slides/slide40.xml><?xml version="1.0" encoding="utf-8"?>
+<p:sld xmlns:a="http://schemas.openxmlformats.org/drawingml/2006/main" xmlns:r="http://schemas.openxmlformats.org/officeDocument/2006/relationships" xmlns:p="http://schemas.openxmlformats.org/presentationml/2006/main">
+  <p:cSld>
+    <p:spTree>
+      <p:nvGrpSpPr>
+        <p:cNvPr id="1" name="Shape 217"/>
+        <p:cNvGrpSpPr/>
+        <p:nvPr/>
+      </p:nvGrpSpPr>
+      <p:grpSpPr>
+        <a:xfrm>
+          <a:off x="0" y="0"/>
+          <a:ext cx="0" cy="0"/>
+          <a:chOff x="0" y="0"/>
+          <a:chExt cx="0" cy="0"/>
+        </a:xfrm>
+      </p:grpSpPr>
+      <p:sp>
+        <p:nvSpPr>
+          <p:cNvPr id="218" name="Shape 218"/>
+          <p:cNvSpPr txBox="1">
+            <a:spLocks noGrp="1"/>
+          </p:cNvSpPr>
+          <p:nvPr>
+            <p:ph type="title"/>
+          </p:nvPr>
+        </p:nvSpPr>
+        <p:spPr>
+          <a:xfrm>
+            <a:off x="274319" y="274319"/>
+            <a:ext cx="8595359" cy="995786"/>
+          </a:xfrm>
+          <a:prstGeom prst="rect">
+            <a:avLst/>
+          </a:prstGeom>
+        </p:spPr>
+        <p:txBody>
+          <a:bodyPr lIns="91425" tIns="91425" rIns="91425" bIns="91425" anchor="b" anchorCtr="0">
+            <a:noAutofit/>
+          </a:bodyPr>
+          <a:lstStyle/>
+          <a:p>
+            <a:pPr>
+              <a:spcBef>
+                <a:spcPts val="0"/>
+              </a:spcBef>
+              <a:buNone/>
+            </a:pPr>
+            <a:r>
+              <a:rPr lang="en" sz="6800" dirty="0">
+                <a:solidFill>
+                  <a:srgbClr val="FF0000"/>
+                </a:solidFill>
+                <a:latin typeface="Yanone Kaffeesatz Bold"/>
+                <a:ea typeface="Ubuntu"/>
+                <a:cs typeface="Yanone Kaffeesatz Bold"/>
+                <a:sym typeface="Ubuntu"/>
+              </a:rPr>
+              <a:t>Strings</a:t>
+            </a:r>
+          </a:p>
+        </p:txBody>
+      </p:sp>
+      <p:sp>
+        <p:nvSpPr>
+          <p:cNvPr id="219" name="Shape 219"/>
+          <p:cNvSpPr txBox="1">
+            <a:spLocks noGrp="1"/>
+          </p:cNvSpPr>
+          <p:nvPr>
+            <p:ph type="body" idx="1"/>
+          </p:nvPr>
+        </p:nvSpPr>
+        <p:spPr>
+          <a:xfrm>
+            <a:off x="274319" y="1493519"/>
+            <a:ext cx="8595359" cy="4937760"/>
+          </a:xfrm>
+          <a:prstGeom prst="rect">
+            <a:avLst/>
+          </a:prstGeom>
+        </p:spPr>
+        <p:txBody>
+          <a:bodyPr lIns="91425" tIns="91425" rIns="91425" bIns="91425" anchor="t" anchorCtr="0">
+            <a:noAutofit/>
+          </a:bodyPr>
+          <a:lstStyle/>
+          <a:p>
+            <a:pPr lvl="0" rtl="0">
+              <a:spcBef>
+                <a:spcPts val="0"/>
+              </a:spcBef>
+              <a:buNone/>
+            </a:pPr>
+            <a:r>
+              <a:rPr lang="en" sz="2300" dirty="0"/>
+              <a:t>Strings are text; it must be wrapped in a </a:t>
+            </a:r>
+            <a:r>
+              <a:rPr lang="en" sz="2300" b="1" dirty="0"/>
+              <a:t>matched pair of quotation</a:t>
+            </a:r>
+            <a:r>
+              <a:rPr lang="en" sz="2300" dirty="0"/>
+              <a:t> marks.</a:t>
+            </a:r>
+          </a:p>
+          <a:p>
+            <a:pPr lvl="0" rtl="0">
+              <a:spcBef>
+                <a:spcPts val="0"/>
+              </a:spcBef>
+              <a:buNone/>
+            </a:pPr>
+            <a:endParaRPr sz="2300" dirty="0"/>
+          </a:p>
+          <a:p>
+            <a:pPr lvl="0" rtl="0">
+              <a:spcBef>
+                <a:spcPts val="0"/>
+              </a:spcBef>
+              <a:buNone/>
+            </a:pPr>
+            <a:r>
+              <a:rPr lang="en" sz="2300" dirty="0">
+                <a:solidFill>
+                  <a:schemeClr val="tx1"/>
+                </a:solidFill>
+                <a:latin typeface="Menlo Regular"/>
+                <a:ea typeface="Courier New"/>
+                <a:cs typeface="Menlo Regular"/>
+                <a:sym typeface="Courier New"/>
+              </a:rPr>
+              <a:t>$ </a:t>
+            </a:r>
+            <a:r>
+              <a:rPr lang="en" sz="2300" dirty="0" smtClean="0">
+                <a:solidFill>
+                  <a:schemeClr val="tx1"/>
+                </a:solidFill>
+                <a:latin typeface="Menlo Regular"/>
+                <a:ea typeface="Courier New"/>
+                <a:cs typeface="Menlo Regular"/>
+                <a:sym typeface="Courier New"/>
+              </a:rPr>
+              <a:t>python3</a:t>
+            </a:r>
+            <a:endParaRPr lang="en" sz="2300" dirty="0">
+              <a:solidFill>
+                <a:schemeClr val="tx1"/>
+              </a:solidFill>
+              <a:latin typeface="Menlo Regular"/>
+              <a:ea typeface="Courier New"/>
+              <a:cs typeface="Menlo Regular"/>
+              <a:sym typeface="Courier New"/>
+            </a:endParaRPr>
+          </a:p>
+          <a:p>
+            <a:pPr lvl="0" rtl="0">
+              <a:spcBef>
+                <a:spcPts val="0"/>
+              </a:spcBef>
+              <a:buNone/>
+            </a:pPr>
+            <a:r>
+              <a:rPr lang="en" sz="2300" dirty="0" smtClean="0">
+                <a:latin typeface="Menlo Regular"/>
+                <a:ea typeface="Courier New"/>
+                <a:cs typeface="Menlo Regular"/>
+                <a:sym typeface="Courier New"/>
+              </a:rPr>
+              <a:t>&gt;&gt;&gt;</a:t>
+            </a:r>
+            <a:r>
+              <a:rPr lang="en" sz="2300" dirty="0" smtClean="0">
+                <a:solidFill>
+                  <a:srgbClr val="4A86E8"/>
+                </a:solidFill>
+                <a:latin typeface="Menlo Regular"/>
+                <a:ea typeface="Courier New"/>
+                <a:cs typeface="Menlo Regular"/>
+                <a:sym typeface="Courier New"/>
+              </a:rPr>
+              <a:t> </a:t>
+            </a:r>
+            <a:r>
+              <a:rPr lang="en" sz="2300" dirty="0">
+                <a:solidFill>
+                  <a:srgbClr val="0E72A4"/>
+                </a:solidFill>
+                <a:latin typeface="Menlo Regular"/>
+                <a:ea typeface="Courier New"/>
+                <a:cs typeface="Menlo Regular"/>
+                <a:sym typeface="Courier New"/>
+              </a:rPr>
+              <a:t>'Single quotes work'</a:t>
+            </a:r>
+          </a:p>
+          <a:p>
+            <a:pPr lvl="0" rtl="0">
+              <a:spcBef>
+                <a:spcPts val="0"/>
+              </a:spcBef>
+              <a:buNone/>
+            </a:pPr>
+            <a:r>
+              <a:rPr lang="en-US" sz="2300" dirty="0">
+                <a:latin typeface="Menlo Regular"/>
+                <a:ea typeface="Courier New"/>
+                <a:cs typeface="Menlo Regular"/>
+                <a:sym typeface="Courier New"/>
+              </a:rPr>
+              <a:t>'</a:t>
+            </a:r>
+            <a:r>
+              <a:rPr lang="en" sz="2300" dirty="0" smtClean="0">
+                <a:latin typeface="Menlo Regular"/>
+                <a:ea typeface="Courier New"/>
+                <a:cs typeface="Menlo Regular"/>
+                <a:sym typeface="Courier New"/>
+              </a:rPr>
+              <a:t>Single </a:t>
+            </a:r>
+            <a:r>
+              <a:rPr lang="en" sz="2300" dirty="0">
+                <a:latin typeface="Menlo Regular"/>
+                <a:ea typeface="Courier New"/>
+                <a:cs typeface="Menlo Regular"/>
+                <a:sym typeface="Courier New"/>
+              </a:rPr>
+              <a:t>quotes </a:t>
+            </a:r>
+            <a:r>
+              <a:rPr lang="en" sz="2300" dirty="0" smtClean="0">
+                <a:latin typeface="Menlo Regular"/>
+                <a:ea typeface="Courier New"/>
+                <a:cs typeface="Menlo Regular"/>
+                <a:sym typeface="Courier New"/>
+              </a:rPr>
+              <a:t>work</a:t>
+            </a:r>
+            <a:r>
+              <a:rPr lang="en-US" sz="2300" dirty="0" smtClean="0">
+                <a:latin typeface="Menlo Regular"/>
+                <a:ea typeface="Courier New"/>
+                <a:cs typeface="Menlo Regular"/>
+                <a:sym typeface="Courier New"/>
+              </a:rPr>
+              <a:t>'</a:t>
+            </a:r>
+            <a:endParaRPr lang="en" sz="2300" dirty="0">
+              <a:latin typeface="Menlo Regular"/>
+              <a:ea typeface="Courier New"/>
+              <a:cs typeface="Menlo Regular"/>
+              <a:sym typeface="Courier New"/>
+            </a:endParaRPr>
+          </a:p>
+          <a:p>
+            <a:pPr lvl="0" rtl="0">
+              <a:spcBef>
+                <a:spcPts val="0"/>
+              </a:spcBef>
+              <a:buNone/>
+            </a:pPr>
+            <a:r>
+              <a:rPr lang="en" sz="2300" dirty="0" smtClean="0">
+                <a:latin typeface="Menlo Regular"/>
+                <a:ea typeface="Courier New"/>
+                <a:cs typeface="Menlo Regular"/>
+                <a:sym typeface="Courier New"/>
+              </a:rPr>
+              <a:t>&gt;&gt;&gt;</a:t>
+            </a:r>
+            <a:r>
+              <a:rPr lang="en" sz="2300" dirty="0" smtClean="0">
+                <a:solidFill>
+                  <a:srgbClr val="4A86E8"/>
+                </a:solidFill>
+                <a:latin typeface="Menlo Regular"/>
+                <a:ea typeface="Courier New"/>
+                <a:cs typeface="Menlo Regular"/>
+                <a:sym typeface="Courier New"/>
+              </a:rPr>
+              <a:t> </a:t>
+            </a:r>
+            <a:r>
+              <a:rPr lang="en" sz="2300" dirty="0">
+                <a:solidFill>
+                  <a:srgbClr val="0E72A4"/>
+                </a:solidFill>
+                <a:latin typeface="Menlo Regular"/>
+                <a:ea typeface="Courier New"/>
+                <a:cs typeface="Menlo Regular"/>
+                <a:sym typeface="Courier New"/>
+              </a:rPr>
+              <a:t>"Double quotes work"</a:t>
+            </a:r>
+          </a:p>
+          <a:p>
+            <a:pPr lvl="0" rtl="0">
+              <a:spcBef>
+                <a:spcPts val="0"/>
+              </a:spcBef>
+              <a:buNone/>
+            </a:pPr>
+            <a:r>
+              <a:rPr lang="en-US" sz="2300" dirty="0">
+                <a:latin typeface="Menlo Regular"/>
+                <a:ea typeface="Courier New"/>
+                <a:cs typeface="Menlo Regular"/>
+                <a:sym typeface="Courier New"/>
+              </a:rPr>
+              <a:t>'</a:t>
+            </a:r>
+            <a:r>
+              <a:rPr lang="en" sz="2300" dirty="0" smtClean="0">
+                <a:latin typeface="Menlo Regular"/>
+                <a:ea typeface="Courier New"/>
+                <a:cs typeface="Menlo Regular"/>
+                <a:sym typeface="Courier New"/>
+              </a:rPr>
+              <a:t>Double </a:t>
+            </a:r>
+            <a:r>
+              <a:rPr lang="en" sz="2300" dirty="0">
+                <a:latin typeface="Menlo Regular"/>
+                <a:ea typeface="Courier New"/>
+                <a:cs typeface="Menlo Regular"/>
+                <a:sym typeface="Courier New"/>
+              </a:rPr>
+              <a:t>quotes </a:t>
+            </a:r>
+            <a:r>
+              <a:rPr lang="en" sz="2300" dirty="0" smtClean="0">
+                <a:latin typeface="Menlo Regular"/>
+                <a:ea typeface="Courier New"/>
+                <a:cs typeface="Menlo Regular"/>
+                <a:sym typeface="Courier New"/>
+              </a:rPr>
+              <a:t>work</a:t>
+            </a:r>
+            <a:r>
+              <a:rPr lang="en-US" sz="2300" dirty="0" smtClean="0">
+                <a:latin typeface="Menlo Regular"/>
+                <a:ea typeface="Courier New"/>
+                <a:cs typeface="Menlo Regular"/>
+                <a:sym typeface="Courier New"/>
+              </a:rPr>
+              <a:t>'</a:t>
+            </a:r>
+            <a:endParaRPr lang="en" sz="2300" dirty="0">
+              <a:latin typeface="Menlo Regular"/>
+              <a:ea typeface="Courier New"/>
+              <a:cs typeface="Menlo Regular"/>
+              <a:sym typeface="Courier New"/>
+            </a:endParaRPr>
+          </a:p>
+          <a:p>
+            <a:pPr lvl="0" rtl="0">
+              <a:spcBef>
+                <a:spcPts val="0"/>
+              </a:spcBef>
+              <a:buNone/>
+            </a:pPr>
+            <a:r>
+              <a:rPr lang="en" sz="2300" dirty="0" smtClean="0">
+                <a:latin typeface="Menlo Regular"/>
+                <a:ea typeface="Courier New"/>
+                <a:cs typeface="Menlo Regular"/>
+                <a:sym typeface="Courier New"/>
+              </a:rPr>
+              <a:t>&gt;&gt;&gt;</a:t>
+            </a:r>
+            <a:r>
+              <a:rPr lang="en" sz="2300" dirty="0" smtClean="0">
+                <a:solidFill>
+                  <a:srgbClr val="4A86E8"/>
+                </a:solidFill>
+                <a:latin typeface="Menlo Regular"/>
+                <a:ea typeface="Courier New"/>
+                <a:cs typeface="Menlo Regular"/>
+                <a:sym typeface="Courier New"/>
+              </a:rPr>
+              <a:t> </a:t>
+            </a:r>
+            <a:r>
+              <a:rPr lang="en" sz="2300" dirty="0">
+                <a:solidFill>
+                  <a:srgbClr val="0E72A4"/>
+                </a:solidFill>
+                <a:latin typeface="Menlo Regular"/>
+                <a:ea typeface="Courier New"/>
+                <a:cs typeface="Menlo Regular"/>
+                <a:sym typeface="Courier New"/>
+              </a:rPr>
+              <a:t>"Start and end have to match'</a:t>
+            </a:r>
+          </a:p>
+          <a:p>
+            <a:pPr>
+              <a:spcBef>
+                <a:spcPts val="0"/>
+              </a:spcBef>
+              <a:buNone/>
+            </a:pPr>
+            <a:r>
+              <a:rPr lang="en" sz="2300" dirty="0" smtClean="0">
+                <a:latin typeface="Menlo Regular"/>
+                <a:ea typeface="Courier New"/>
+                <a:cs typeface="Menlo Regular"/>
+                <a:sym typeface="Courier New"/>
+              </a:rPr>
+              <a:t>   File </a:t>
+            </a:r>
+            <a:r>
+              <a:rPr lang="en-US" sz="2300" dirty="0" smtClean="0">
+                <a:latin typeface="Menlo Regular"/>
+                <a:ea typeface="Courier New"/>
+                <a:cs typeface="Menlo Regular"/>
+                <a:sym typeface="Courier New"/>
+              </a:rPr>
+              <a:t>"</a:t>
+            </a:r>
+            <a:r>
+              <a:rPr lang="en" sz="2300" dirty="0" smtClean="0">
+                <a:latin typeface="Menlo Regular"/>
+                <a:ea typeface="Courier New"/>
+                <a:cs typeface="Menlo Regular"/>
+                <a:sym typeface="Courier New"/>
+              </a:rPr>
+              <a:t>&lt;stdin&gt;”, line 1</a:t>
+            </a:r>
+          </a:p>
+          <a:p>
+            <a:pPr>
+              <a:spcBef>
+                <a:spcPts val="0"/>
+              </a:spcBef>
+              <a:buNone/>
+            </a:pPr>
+            <a:r>
+              <a:rPr lang="en" sz="2300" dirty="0" smtClean="0">
+                <a:latin typeface="Menlo Regular"/>
+                <a:ea typeface="Courier New"/>
+                <a:cs typeface="Menlo Regular"/>
+                <a:sym typeface="Courier New"/>
+              </a:rPr>
+              <a:t>      </a:t>
+            </a:r>
+            <a:r>
+              <a:rPr lang="en-US" sz="2300" dirty="0" smtClean="0">
+                <a:latin typeface="Menlo Regular"/>
+                <a:ea typeface="Courier New"/>
+                <a:cs typeface="Menlo Regular"/>
+                <a:sym typeface="Courier New"/>
+              </a:rPr>
+              <a:t>"</a:t>
+            </a:r>
+            <a:r>
+              <a:rPr lang="en" sz="2300" dirty="0" smtClean="0">
+                <a:latin typeface="Menlo Regular"/>
+                <a:ea typeface="Courier New"/>
+                <a:cs typeface="Menlo Regular"/>
+                <a:sym typeface="Courier New"/>
+              </a:rPr>
+              <a:t>Start and end have to match</a:t>
+            </a:r>
+            <a:r>
+              <a:rPr lang="en-US" sz="2300" dirty="0" smtClean="0">
+                <a:latin typeface="Menlo Regular"/>
+                <a:ea typeface="Courier New"/>
+                <a:cs typeface="Menlo Regular"/>
+                <a:sym typeface="Courier New"/>
+              </a:rPr>
+              <a:t>'</a:t>
+            </a:r>
+            <a:endParaRPr lang="en" sz="2300" dirty="0" smtClean="0">
+              <a:latin typeface="Menlo Regular"/>
+              <a:ea typeface="Courier New"/>
+              <a:cs typeface="Menlo Regular"/>
+              <a:sym typeface="Courier New"/>
+            </a:endParaRPr>
+          </a:p>
+          <a:p>
+            <a:pPr>
+              <a:spcBef>
+                <a:spcPts val="0"/>
+              </a:spcBef>
+              <a:buNone/>
+            </a:pPr>
+            <a:r>
+              <a:rPr lang="en" sz="2300" dirty="0">
+                <a:latin typeface="Menlo Regular"/>
+                <a:ea typeface="Courier New"/>
+                <a:cs typeface="Menlo Regular"/>
+                <a:sym typeface="Courier New"/>
+              </a:rPr>
+              <a:t>	</a:t>
+            </a:r>
+            <a:r>
+              <a:rPr lang="en" sz="2300" dirty="0" smtClean="0">
+                <a:latin typeface="Menlo Regular"/>
+                <a:ea typeface="Courier New"/>
+                <a:cs typeface="Menlo Regular"/>
+                <a:sym typeface="Courier New"/>
+              </a:rPr>
+              <a:t>				   ^</a:t>
+            </a:r>
+          </a:p>
+          <a:p>
+            <a:pPr>
+              <a:spcBef>
+                <a:spcPts val="0"/>
+              </a:spcBef>
+              <a:buNone/>
+            </a:pPr>
+            <a:r>
+              <a:rPr lang="en" sz="2300" dirty="0" smtClean="0">
+                <a:latin typeface="Menlo Regular"/>
+                <a:ea typeface="Courier New"/>
+                <a:cs typeface="Menlo Regular"/>
+                <a:sym typeface="Courier New"/>
+              </a:rPr>
+              <a:t>SyntaxError: EOL while scanning string literal</a:t>
+            </a:r>
+            <a:endParaRPr lang="en" sz="2300" dirty="0">
+              <a:latin typeface="Menlo Regular"/>
+              <a:ea typeface="Courier New"/>
+              <a:cs typeface="Menlo Regular"/>
+              <a:sym typeface="Courier New"/>
+            </a:endParaRPr>
+          </a:p>
+        </p:txBody>
+      </p:sp>
+    </p:spTree>
+  </p:cSld>
+  <p:clrMapOvr>
+    <a:overrideClrMapping bg1="lt1" tx1="dk1" bg2="dk2" tx2="lt2" accent1="accent1" accent2="accent2" accent3="accent3" accent4="accent4" accent5="accent5" accent6="accent6" hlink="hlink" folHlink="folHlink"/>
+  </p:clrMapOvr>
+  <p:transition xmlns:p14="http://schemas.microsoft.com/office/powerpoint/2010/main" spd="slow">
+    <p:cut/>
+  </p:transition>
+  <p:timing>
+    <p:tnLst>
+      <p:par>
+        <p:cTn xmlns:p14="http://schemas.microsoft.com/office/powerpoint/2010/main" id="1" dur="indefinite" restart="never" nodeType="tmRoot"/>
+      </p:par>
+    </p:tnLst>
+  </p:timing>
+</p:sld>
+</file>
+
+<file path=ppt/slides/slide41.xml><?xml version="1.0" encoding="utf-8"?>
 <p:sld xmlns:a="http://schemas.openxmlformats.org/drawingml/2006/main" xmlns:r="http://schemas.openxmlformats.org/officeDocument/2006/relationships" xmlns:p="http://schemas.openxmlformats.org/presentationml/2006/main">
   <p:cSld>
     <p:spTree>
@@ -21985,20 +22672,20 @@
   <p:clrMapOvr>
     <a:masterClrMapping/>
   </p:clrMapOvr>
-  <p:transition spd="slow">
+  <p:transition xmlns:p14="http://schemas.microsoft.com/office/powerpoint/2010/main" spd="slow">
     <p:cut/>
   </p:transition>
   <p:timing>
     <p:tnLst>
       <p:par>
-        <p:cTn id="1" dur="indefinite" restart="never" nodeType="tmRoot"/>
+        <p:cTn xmlns:p14="http://schemas.microsoft.com/office/powerpoint/2010/main" id="1" dur="indefinite" restart="never" nodeType="tmRoot"/>
       </p:par>
     </p:tnLst>
   </p:timing>
 </p:sld>
 </file>
 
-<file path=ppt/slides/slide41.xml><?xml version="1.0" encoding="utf-8"?>
+<file path=ppt/slides/slide42.xml><?xml version="1.0" encoding="utf-8"?>
 <p:sld xmlns:a="http://schemas.openxmlformats.org/drawingml/2006/main" xmlns:r="http://schemas.openxmlformats.org/officeDocument/2006/relationships" xmlns:p="http://schemas.openxmlformats.org/presentationml/2006/main">
   <p:cSld>
     <p:spTree>
@@ -22210,20 +22897,20 @@
   <p:clrMapOvr>
     <a:masterClrMapping/>
   </p:clrMapOvr>
-  <p:transition spd="slow">
+  <p:transition xmlns:p14="http://schemas.microsoft.com/office/powerpoint/2010/main" spd="slow">
     <p:cut/>
   </p:transition>
   <p:timing>
     <p:tnLst>
       <p:par>
-        <p:cTn id="1" dur="indefinite" restart="never" nodeType="tmRoot"/>
+        <p:cTn xmlns:p14="http://schemas.microsoft.com/office/powerpoint/2010/main" id="1" dur="indefinite" restart="never" nodeType="tmRoot"/>
       </p:par>
     </p:tnLst>
   </p:timing>
 </p:sld>
 </file>
 
-<file path=ppt/slides/slide42.xml><?xml version="1.0" encoding="utf-8"?>
+<file path=ppt/slides/slide43.xml><?xml version="1.0" encoding="utf-8"?>
 <p:sld xmlns:a="http://schemas.openxmlformats.org/drawingml/2006/main" xmlns:r="http://schemas.openxmlformats.org/officeDocument/2006/relationships" xmlns:p="http://schemas.openxmlformats.org/presentationml/2006/main">
   <p:cSld>
     <p:spTree>
@@ -22478,20 +23165,20 @@
   <p:clrMapOvr>
     <a:masterClrMapping/>
   </p:clrMapOvr>
-  <p:transition spd="slow">
+  <p:transition xmlns:p14="http://schemas.microsoft.com/office/powerpoint/2010/main" spd="slow">
     <p:cut/>
   </p:transition>
   <p:timing>
     <p:tnLst>
       <p:par>
-        <p:cTn id="1" dur="indefinite" restart="never" nodeType="tmRoot"/>
+        <p:cTn xmlns:p14="http://schemas.microsoft.com/office/powerpoint/2010/main" id="1" dur="indefinite" restart="never" nodeType="tmRoot"/>
       </p:par>
     </p:tnLst>
   </p:timing>
 </p:sld>
 </file>
 
-<file path=ppt/slides/slide43.xml><?xml version="1.0" encoding="utf-8"?>
+<file path=ppt/slides/slide44.xml><?xml version="1.0" encoding="utf-8"?>
 <p:sld xmlns:a="http://schemas.openxmlformats.org/drawingml/2006/main" xmlns:r="http://schemas.openxmlformats.org/officeDocument/2006/relationships" xmlns:p="http://schemas.openxmlformats.org/presentationml/2006/main">
   <p:cSld>
     <p:spTree>
@@ -22666,20 +23353,20 @@
   <p:clrMapOvr>
     <a:masterClrMapping/>
   </p:clrMapOvr>
-  <p:transition spd="slow">
+  <p:transition xmlns:p14="http://schemas.microsoft.com/office/powerpoint/2010/main" spd="slow">
     <p:cut/>
   </p:transition>
   <p:timing>
     <p:tnLst>
       <p:par>
-        <p:cTn id="1" dur="indefinite" restart="never" nodeType="tmRoot"/>
+        <p:cTn xmlns:p14="http://schemas.microsoft.com/office/powerpoint/2010/main" id="1" dur="indefinite" restart="never" nodeType="tmRoot"/>
       </p:par>
     </p:tnLst>
   </p:timing>
 </p:sld>
 </file>
 
-<file path=ppt/slides/slide44.xml><?xml version="1.0" encoding="utf-8"?>
+<file path=ppt/slides/slide45.xml><?xml version="1.0" encoding="utf-8"?>
 <p:sld xmlns:a="http://schemas.openxmlformats.org/drawingml/2006/main" xmlns:r="http://schemas.openxmlformats.org/officeDocument/2006/relationships" xmlns:p="http://schemas.openxmlformats.org/presentationml/2006/main">
   <p:cSld>
     <p:spTree>
@@ -22975,20 +23662,20 @@
   <p:clrMapOvr>
     <a:masterClrMapping/>
   </p:clrMapOvr>
-  <p:transition spd="slow">
+  <p:transition xmlns:p14="http://schemas.microsoft.com/office/powerpoint/2010/main" spd="slow">
     <p:cut/>
   </p:transition>
   <p:timing>
     <p:tnLst>
       <p:par>
-        <p:cTn id="1" dur="indefinite" restart="never" nodeType="tmRoot"/>
+        <p:cTn xmlns:p14="http://schemas.microsoft.com/office/powerpoint/2010/main" id="1" dur="indefinite" restart="never" nodeType="tmRoot"/>
       </p:par>
     </p:tnLst>
   </p:timing>
 </p:sld>
 </file>
 
-<file path=ppt/slides/slide45.xml><?xml version="1.0" encoding="utf-8"?>
+<file path=ppt/slides/slide46.xml><?xml version="1.0" encoding="utf-8"?>
 <p:sld xmlns:a="http://schemas.openxmlformats.org/drawingml/2006/main" xmlns:r="http://schemas.openxmlformats.org/officeDocument/2006/relationships" xmlns:p="http://schemas.openxmlformats.org/presentationml/2006/main">
   <p:cSld>
     <p:spTree>
@@ -23272,20 +23959,20 @@
   <p:clrMapOvr>
     <a:masterClrMapping/>
   </p:clrMapOvr>
-  <p:transition spd="slow">
+  <p:transition xmlns:p14="http://schemas.microsoft.com/office/powerpoint/2010/main" spd="slow">
     <p:cut/>
   </p:transition>
   <p:timing>
     <p:tnLst>
       <p:par>
-        <p:cTn id="1" dur="indefinite" restart="never" nodeType="tmRoot"/>
+        <p:cTn xmlns:p14="http://schemas.microsoft.com/office/powerpoint/2010/main" id="1" dur="indefinite" restart="never" nodeType="tmRoot"/>
       </p:par>
     </p:tnLst>
   </p:timing>
 </p:sld>
 </file>
 
-<file path=ppt/slides/slide46.xml><?xml version="1.0" encoding="utf-8"?>
+<file path=ppt/slides/slide47.xml><?xml version="1.0" encoding="utf-8"?>
 <p:sld xmlns:a="http://schemas.openxmlformats.org/drawingml/2006/main" xmlns:r="http://schemas.openxmlformats.org/officeDocument/2006/relationships" xmlns:p="http://schemas.openxmlformats.org/presentationml/2006/main">
   <p:cSld>
     <p:spTree>
@@ -23413,20 +24100,20 @@
   <p:clrMapOvr>
     <a:masterClrMapping/>
   </p:clrMapOvr>
-  <p:transition spd="slow">
+  <p:transition xmlns:p14="http://schemas.microsoft.com/office/powerpoint/2010/main" spd="slow">
     <p:cut/>
   </p:transition>
   <p:timing>
     <p:tnLst>
       <p:par>
-        <p:cTn id="1" dur="indefinite" restart="never" nodeType="tmRoot"/>
+        <p:cTn xmlns:p14="http://schemas.microsoft.com/office/powerpoint/2010/main" id="1" dur="indefinite" restart="never" nodeType="tmRoot"/>
       </p:par>
     </p:tnLst>
   </p:timing>
 </p:sld>
 </file>
 
-<file path=ppt/slides/slide47.xml><?xml version="1.0" encoding="utf-8"?>
+<file path=ppt/slides/slide48.xml><?xml version="1.0" encoding="utf-8"?>
 <p:sld xmlns:a="http://schemas.openxmlformats.org/drawingml/2006/main" xmlns:r="http://schemas.openxmlformats.org/officeDocument/2006/relationships" xmlns:p="http://schemas.openxmlformats.org/presentationml/2006/main">
   <p:cSld>
     <p:spTree>
@@ -23768,20 +24455,20 @@
   <p:clrMapOvr>
     <a:masterClrMapping/>
   </p:clrMapOvr>
-  <p:transition spd="slow">
+  <p:transition xmlns:p14="http://schemas.microsoft.com/office/powerpoint/2010/main" spd="slow">
     <p:cut/>
   </p:transition>
   <p:timing>
     <p:tnLst>
       <p:par>
-        <p:cTn id="1" dur="indefinite" restart="never" nodeType="tmRoot"/>
+        <p:cTn xmlns:p14="http://schemas.microsoft.com/office/powerpoint/2010/main" id="1" dur="indefinite" restart="never" nodeType="tmRoot"/>
       </p:par>
     </p:tnLst>
   </p:timing>
 </p:sld>
 </file>
 
-<file path=ppt/slides/slide48.xml><?xml version="1.0" encoding="utf-8"?>
+<file path=ppt/slides/slide49.xml><?xml version="1.0" encoding="utf-8"?>
 <p:sld xmlns:a="http://schemas.openxmlformats.org/drawingml/2006/main" xmlns:r="http://schemas.openxmlformats.org/officeDocument/2006/relationships" xmlns:p="http://schemas.openxmlformats.org/presentationml/2006/main">
   <p:cSld>
     <p:spTree>
@@ -24188,7 +24875,151 @@
                 <a:cs typeface="Menlo Regular"/>
                 <a:sym typeface="Courier New"/>
               </a:rPr>
-              <a:t>[‘kiwi’, ‘strawberry’, ‘plum’]</a:t>
+              <a:t>[</a:t>
+            </a:r>
+            <a:r>
+              <a:rPr lang="en-US" sz="2400" dirty="0" smtClean="0">
+                <a:solidFill>
+                  <a:srgbClr val="000000"/>
+                </a:solidFill>
+                <a:latin typeface="Menlo Regular"/>
+                <a:ea typeface="Courier New"/>
+                <a:cs typeface="Menlo Regular"/>
+                <a:sym typeface="Courier New"/>
+              </a:rPr>
+              <a:t>'</a:t>
+            </a:r>
+            <a:r>
+              <a:rPr lang="en" sz="2400" dirty="0" smtClean="0">
+                <a:solidFill>
+                  <a:srgbClr val="000000"/>
+                </a:solidFill>
+                <a:latin typeface="Menlo Regular"/>
+                <a:ea typeface="Courier New"/>
+                <a:cs typeface="Menlo Regular"/>
+                <a:sym typeface="Courier New"/>
+              </a:rPr>
+              <a:t>kiwi</a:t>
+            </a:r>
+            <a:r>
+              <a:rPr lang="en-US" sz="2400" dirty="0">
+                <a:solidFill>
+                  <a:srgbClr val="000000"/>
+                </a:solidFill>
+                <a:latin typeface="Menlo Regular"/>
+                <a:ea typeface="Courier New"/>
+                <a:cs typeface="Menlo Regular"/>
+                <a:sym typeface="Courier New"/>
+              </a:rPr>
+              <a:t>'</a:t>
+            </a:r>
+            <a:r>
+              <a:rPr lang="en" sz="2400" dirty="0" smtClean="0">
+                <a:solidFill>
+                  <a:srgbClr val="000000"/>
+                </a:solidFill>
+                <a:latin typeface="Menlo Regular"/>
+                <a:ea typeface="Courier New"/>
+                <a:cs typeface="Menlo Regular"/>
+                <a:sym typeface="Courier New"/>
+              </a:rPr>
+              <a:t>, </a:t>
+            </a:r>
+            <a:r>
+              <a:rPr lang="en-US" sz="2400" dirty="0">
+                <a:solidFill>
+                  <a:srgbClr val="000000"/>
+                </a:solidFill>
+                <a:latin typeface="Menlo Regular"/>
+                <a:ea typeface="Courier New"/>
+                <a:cs typeface="Menlo Regular"/>
+                <a:sym typeface="Courier New"/>
+              </a:rPr>
+              <a:t>'</a:t>
+            </a:r>
+            <a:r>
+              <a:rPr lang="en" sz="2400" dirty="0" smtClean="0">
+                <a:solidFill>
+                  <a:srgbClr val="000000"/>
+                </a:solidFill>
+                <a:latin typeface="Menlo Regular"/>
+                <a:ea typeface="Courier New"/>
+                <a:cs typeface="Menlo Regular"/>
+                <a:sym typeface="Courier New"/>
+              </a:rPr>
+              <a:t>strawberry</a:t>
+            </a:r>
+            <a:r>
+              <a:rPr lang="en-US" sz="2400" dirty="0">
+                <a:solidFill>
+                  <a:srgbClr val="000000"/>
+                </a:solidFill>
+                <a:latin typeface="Menlo Regular"/>
+                <a:ea typeface="Courier New"/>
+                <a:cs typeface="Menlo Regular"/>
+                <a:sym typeface="Courier New"/>
+              </a:rPr>
+              <a:t>'</a:t>
+            </a:r>
+            <a:r>
+              <a:rPr lang="en" sz="2400" dirty="0" smtClean="0">
+                <a:solidFill>
+                  <a:srgbClr val="000000"/>
+                </a:solidFill>
+                <a:latin typeface="Menlo Regular"/>
+                <a:ea typeface="Courier New"/>
+                <a:cs typeface="Menlo Regular"/>
+                <a:sym typeface="Courier New"/>
+              </a:rPr>
+              <a:t>, </a:t>
+            </a:r>
+            <a:r>
+              <a:rPr lang="en-US" sz="2400" dirty="0">
+                <a:solidFill>
+                  <a:srgbClr val="000000"/>
+                </a:solidFill>
+                <a:latin typeface="Menlo Regular"/>
+                <a:ea typeface="Courier New"/>
+                <a:cs typeface="Menlo Regular"/>
+                <a:sym typeface="Courier New"/>
+              </a:rPr>
+              <a:t>'</a:t>
+            </a:r>
+            <a:r>
+              <a:rPr lang="en" sz="2400" dirty="0" smtClean="0">
+                <a:solidFill>
+                  <a:srgbClr val="000000"/>
+                </a:solidFill>
+                <a:latin typeface="Menlo Regular"/>
+                <a:ea typeface="Courier New"/>
+                <a:cs typeface="Menlo Regular"/>
+                <a:sym typeface="Courier New"/>
+              </a:rPr>
+              <a:t>plum</a:t>
+            </a:r>
+            <a:r>
+              <a:rPr lang="en-US" sz="2400" dirty="0">
+                <a:solidFill>
+                  <a:srgbClr val="000000"/>
+                </a:solidFill>
+                <a:latin typeface="Menlo Regular"/>
+                <a:ea typeface="Courier New"/>
+                <a:cs typeface="Menlo Regular"/>
+                <a:sym typeface="Courier New"/>
+              </a:rPr>
+              <a:t>'</a:t>
+            </a:r>
+            <a:r>
+              <a:rPr lang="en" sz="2400" dirty="0" smtClean="0">
+                <a:solidFill>
+                  <a:srgbClr val="000000"/>
+                </a:solidFill>
+                <a:latin typeface="Menlo Regular"/>
+                <a:ea typeface="Courier New"/>
+                <a:cs typeface="Menlo Regular"/>
+                <a:sym typeface="Courier New"/>
+              </a:rPr>
+              <a:t>]</a:t>
             </a:r>
             <a:endParaRPr lang="en" sz="2400" dirty="0">
               <a:solidFill>
@@ -24207,175 +25038,13 @@
   <p:clrMapOvr>
     <a:masterClrMapping/>
   </p:clrMapOvr>
-  <p:transition spd="slow">
+  <p:transition xmlns:p14="http://schemas.microsoft.com/office/powerpoint/2010/main" spd="slow">
     <p:cut/>
   </p:transition>
   <p:timing>
     <p:tnLst>
       <p:par>
-        <p:cTn id="1" dur="indefinite" restart="never" nodeType="tmRoot"/>
-      </p:par>
-    </p:tnLst>
-  </p:timing>
-</p:sld>
-</file>
-
-<file path=ppt/slides/slide49.xml><?xml version="1.0" encoding="utf-8"?>
-<p:sld xmlns:a="http://schemas.openxmlformats.org/drawingml/2006/main" xmlns:r="http://schemas.openxmlformats.org/officeDocument/2006/relationships" xmlns:p="http://schemas.openxmlformats.org/presentationml/2006/main">
-  <p:cSld>
-    <p:spTree>
-      <p:nvGrpSpPr>
-        <p:cNvPr id="1" name="Shape 277"/>
-        <p:cNvGrpSpPr/>
-        <p:nvPr/>
-      </p:nvGrpSpPr>
-      <p:grpSpPr>
-        <a:xfrm>
-          <a:off x="0" y="0"/>
-          <a:ext cx="0" cy="0"/>
-          <a:chOff x="0" y="0"/>
-          <a:chExt cx="0" cy="0"/>
-        </a:xfrm>
-      </p:grpSpPr>
-      <p:sp>
-        <p:nvSpPr>
-          <p:cNvPr id="278" name="Shape 278"/>
-          <p:cNvSpPr txBox="1">
-            <a:spLocks noGrp="1"/>
-          </p:cNvSpPr>
-          <p:nvPr>
-            <p:ph type="title"/>
-          </p:nvPr>
-        </p:nvSpPr>
-        <p:spPr>
-          <a:xfrm>
-            <a:off x="457200" y="274637"/>
-            <a:ext cx="8229600" cy="1143000"/>
-          </a:xfrm>
-          <a:prstGeom prst="rect">
-            <a:avLst/>
-          </a:prstGeom>
-        </p:spPr>
-        <p:txBody>
-          <a:bodyPr lIns="91425" tIns="91425" rIns="91425" bIns="91425" anchor="b" anchorCtr="0">
-            <a:noAutofit/>
-          </a:bodyPr>
-          <a:lstStyle/>
-          <a:p>
-            <a:pPr>
-              <a:spcBef>
-                <a:spcPts val="0"/>
-              </a:spcBef>
-              <a:buNone/>
-            </a:pPr>
-            <a:r>
-              <a:rPr lang="en" sz="6800" b="0" dirty="0">
-                <a:solidFill>
-                  <a:srgbClr val="FF0000"/>
-                </a:solidFill>
-                <a:latin typeface="Yanone Kaffeesatz Bold"/>
-                <a:ea typeface="Ubuntu"/>
-                <a:cs typeface="Yanone Kaffeesatz Bold"/>
-                <a:sym typeface="Ubuntu"/>
-              </a:rPr>
-              <a:t>Exercise</a:t>
-            </a:r>
-          </a:p>
-        </p:txBody>
-      </p:sp>
-      <p:sp>
-        <p:nvSpPr>
-          <p:cNvPr id="279" name="Shape 279"/>
-          <p:cNvSpPr txBox="1">
-            <a:spLocks noGrp="1"/>
-          </p:cNvSpPr>
-          <p:nvPr>
-            <p:ph type="body" idx="1"/>
-          </p:nvPr>
-        </p:nvSpPr>
-        <p:spPr>
-          <a:xfrm>
-            <a:off x="457200" y="1600200"/>
-            <a:ext cx="8229600" cy="4967700"/>
-          </a:xfrm>
-          <a:prstGeom prst="rect">
-            <a:avLst/>
-          </a:prstGeom>
-        </p:spPr>
-        <p:txBody>
-          <a:bodyPr lIns="91425" tIns="91425" rIns="91425" bIns="91425" anchor="t" anchorCtr="0">
-            <a:noAutofit/>
-          </a:bodyPr>
-          <a:lstStyle/>
-          <a:p>
-            <a:pPr marL="457200" lvl="0" indent="-419100" rtl="0">
-              <a:spcBef>
-                <a:spcPts val="0"/>
-              </a:spcBef>
-              <a:buClr>
-                <a:schemeClr val="dk1"/>
-              </a:buClr>
-              <a:buSzPct val="100000"/>
-              <a:buFont typeface="Arial"/>
-              <a:buChar char="●"/>
-            </a:pPr>
-            <a:r>
-              <a:rPr lang="en" dirty="0"/>
-              <a:t>Make your own </a:t>
-            </a:r>
-            <a:r>
-              <a:rPr lang="en" dirty="0" smtClean="0"/>
-              <a:t>list named </a:t>
-            </a:r>
-            <a:r>
-              <a:rPr lang="en" dirty="0">
-                <a:solidFill>
-                  <a:srgbClr val="0E72A4"/>
-                </a:solidFill>
-                <a:latin typeface="Courier New"/>
-                <a:ea typeface="Courier New"/>
-                <a:cs typeface="Courier New"/>
-                <a:sym typeface="Courier New"/>
-              </a:rPr>
-              <a:t>grocery_list</a:t>
-            </a:r>
-          </a:p>
-          <a:p>
-            <a:pPr marL="457200" lvl="0" indent="-419100">
-              <a:spcBef>
-                <a:spcPts val="0"/>
-              </a:spcBef>
-              <a:buClr>
-                <a:schemeClr val="dk1"/>
-              </a:buClr>
-              <a:buSzPct val="100000"/>
-              <a:buFont typeface="Arial"/>
-              <a:buChar char="●"/>
-            </a:pPr>
-            <a:r>
-              <a:rPr lang="en" dirty="0"/>
-              <a:t>Include at least 5 items in your grocery list in </a:t>
-            </a:r>
-            <a:r>
-              <a:rPr lang="en" dirty="0" smtClean="0"/>
-              <a:t>the list</a:t>
-            </a:r>
-            <a:endParaRPr lang="en" dirty="0"/>
-          </a:p>
-        </p:txBody>
-      </p:sp>
-    </p:spTree>
-  </p:cSld>
-  <p:clrMapOvr>
-    <a:masterClrMapping/>
-  </p:clrMapOvr>
-  <p:transition spd="slow">
-    <p:cut/>
-  </p:transition>
-  <p:timing>
-    <p:tnLst>
-      <p:par>
-        <p:cTn id="1" dur="indefinite" restart="never" nodeType="tmRoot"/>
+        <p:cTn xmlns:p14="http://schemas.microsoft.com/office/powerpoint/2010/main" id="1" dur="indefinite" restart="never" nodeType="tmRoot"/>
       </p:par>
     </p:tnLst>
   </p:timing>
@@ -24622,13 +25291,13 @@
   <p:clrMapOvr>
     <a:masterClrMapping/>
   </p:clrMapOvr>
-  <p:transition spd="slow">
+  <p:transition xmlns:p14="http://schemas.microsoft.com/office/powerpoint/2010/main" spd="slow">
     <p:cut/>
   </p:transition>
   <p:timing>
     <p:tnLst>
       <p:par>
-        <p:cTn id="1" dur="indefinite" restart="never" nodeType="tmRoot"/>
+        <p:cTn xmlns:p14="http://schemas.microsoft.com/office/powerpoint/2010/main" id="1" dur="indefinite" restart="never" nodeType="tmRoot"/>
       </p:par>
     </p:tnLst>
   </p:timing>
@@ -24636,6 +25305,168 @@
 </file>
 
 <file path=ppt/slides/slide50.xml><?xml version="1.0" encoding="utf-8"?>
+<p:sld xmlns:a="http://schemas.openxmlformats.org/drawingml/2006/main" xmlns:r="http://schemas.openxmlformats.org/officeDocument/2006/relationships" xmlns:p="http://schemas.openxmlformats.org/presentationml/2006/main">
+  <p:cSld>
+    <p:spTree>
+      <p:nvGrpSpPr>
+        <p:cNvPr id="1" name="Shape 277"/>
+        <p:cNvGrpSpPr/>
+        <p:nvPr/>
+      </p:nvGrpSpPr>
+      <p:grpSpPr>
+        <a:xfrm>
+          <a:off x="0" y="0"/>
+          <a:ext cx="0" cy="0"/>
+          <a:chOff x="0" y="0"/>
+          <a:chExt cx="0" cy="0"/>
+        </a:xfrm>
+      </p:grpSpPr>
+      <p:sp>
+        <p:nvSpPr>
+          <p:cNvPr id="278" name="Shape 278"/>
+          <p:cNvSpPr txBox="1">
+            <a:spLocks noGrp="1"/>
+          </p:cNvSpPr>
+          <p:nvPr>
+            <p:ph type="title"/>
+          </p:nvPr>
+        </p:nvSpPr>
+        <p:spPr>
+          <a:xfrm>
+            <a:off x="457200" y="274637"/>
+            <a:ext cx="8229600" cy="1143000"/>
+          </a:xfrm>
+          <a:prstGeom prst="rect">
+            <a:avLst/>
+          </a:prstGeom>
+        </p:spPr>
+        <p:txBody>
+          <a:bodyPr lIns="91425" tIns="91425" rIns="91425" bIns="91425" anchor="b" anchorCtr="0">
+            <a:noAutofit/>
+          </a:bodyPr>
+          <a:lstStyle/>
+          <a:p>
+            <a:pPr>
+              <a:spcBef>
+                <a:spcPts val="0"/>
+              </a:spcBef>
+              <a:buNone/>
+            </a:pPr>
+            <a:r>
+              <a:rPr lang="en" sz="6800" b="0" dirty="0">
+                <a:solidFill>
+                  <a:srgbClr val="FF0000"/>
+                </a:solidFill>
+                <a:latin typeface="Yanone Kaffeesatz Bold"/>
+                <a:ea typeface="Ubuntu"/>
+                <a:cs typeface="Yanone Kaffeesatz Bold"/>
+                <a:sym typeface="Ubuntu"/>
+              </a:rPr>
+              <a:t>Exercise</a:t>
+            </a:r>
+          </a:p>
+        </p:txBody>
+      </p:sp>
+      <p:sp>
+        <p:nvSpPr>
+          <p:cNvPr id="279" name="Shape 279"/>
+          <p:cNvSpPr txBox="1">
+            <a:spLocks noGrp="1"/>
+          </p:cNvSpPr>
+          <p:nvPr>
+            <p:ph type="body" idx="1"/>
+          </p:nvPr>
+        </p:nvSpPr>
+        <p:spPr>
+          <a:xfrm>
+            <a:off x="457200" y="1600200"/>
+            <a:ext cx="8229600" cy="4967700"/>
+          </a:xfrm>
+          <a:prstGeom prst="rect">
+            <a:avLst/>
+          </a:prstGeom>
+        </p:spPr>
+        <p:txBody>
+          <a:bodyPr lIns="91425" tIns="91425" rIns="91425" bIns="91425" anchor="t" anchorCtr="0">
+            <a:noAutofit/>
+          </a:bodyPr>
+          <a:lstStyle/>
+          <a:p>
+            <a:pPr marL="457200" lvl="0" indent="-419100" rtl="0">
+              <a:spcBef>
+                <a:spcPts val="0"/>
+              </a:spcBef>
+              <a:buClr>
+                <a:schemeClr val="dk1"/>
+              </a:buClr>
+              <a:buSzPct val="100000"/>
+              <a:buFont typeface="Arial"/>
+              <a:buChar char="●"/>
+            </a:pPr>
+            <a:r>
+              <a:rPr lang="en" dirty="0"/>
+              <a:t>Make your own </a:t>
+            </a:r>
+            <a:r>
+              <a:rPr lang="en" dirty="0" smtClean="0"/>
+              <a:t>list named </a:t>
+            </a:r>
+            <a:r>
+              <a:rPr lang="en" dirty="0">
+                <a:solidFill>
+                  <a:srgbClr val="0E72A4"/>
+                </a:solidFill>
+                <a:latin typeface="Courier New"/>
+                <a:ea typeface="Courier New"/>
+                <a:cs typeface="Courier New"/>
+                <a:sym typeface="Courier New"/>
+              </a:rPr>
+              <a:t>grocery_list</a:t>
+            </a:r>
+          </a:p>
+          <a:p>
+            <a:pPr marL="457200" lvl="0" indent="-419100">
+              <a:spcBef>
+                <a:spcPts val="0"/>
+              </a:spcBef>
+              <a:buClr>
+                <a:schemeClr val="dk1"/>
+              </a:buClr>
+              <a:buSzPct val="100000"/>
+              <a:buFont typeface="Arial"/>
+              <a:buChar char="●"/>
+            </a:pPr>
+            <a:r>
+              <a:rPr lang="en" dirty="0"/>
+              <a:t>Include at least 5 items in your grocery list in </a:t>
+            </a:r>
+            <a:r>
+              <a:rPr lang="en" dirty="0" smtClean="0"/>
+              <a:t>the list</a:t>
+            </a:r>
+            <a:endParaRPr lang="en" dirty="0"/>
+          </a:p>
+        </p:txBody>
+      </p:sp>
+    </p:spTree>
+  </p:cSld>
+  <p:clrMapOvr>
+    <a:masterClrMapping/>
+  </p:clrMapOvr>
+  <p:transition xmlns:p14="http://schemas.microsoft.com/office/powerpoint/2010/main" spd="slow">
+    <p:cut/>
+  </p:transition>
+  <p:timing>
+    <p:tnLst>
+      <p:par>
+        <p:cTn xmlns:p14="http://schemas.microsoft.com/office/powerpoint/2010/main" id="1" dur="indefinite" restart="never" nodeType="tmRoot"/>
+      </p:par>
+    </p:tnLst>
+  </p:timing>
+</p:sld>
+</file>
+
+<file path=ppt/slides/slide51.xml><?xml version="1.0" encoding="utf-8"?>
 <p:sld xmlns:a="http://schemas.openxmlformats.org/drawingml/2006/main" xmlns:r="http://schemas.openxmlformats.org/officeDocument/2006/relationships" xmlns:p="http://schemas.openxmlformats.org/presentationml/2006/main">
   <p:cSld>
     <p:spTree>
@@ -24915,6 +25746,18 @@
               <a:buNone/>
             </a:pPr>
             <a:r>
+              <a:rPr lang="en-US" dirty="0">
+                <a:solidFill>
+                  <a:schemeClr val="tx1"/>
+                </a:solidFill>
+                <a:latin typeface="Menlo Regular"/>
+                <a:ea typeface="Courier New"/>
+                <a:cs typeface="Menlo Regular"/>
+                <a:sym typeface="Courier New"/>
+              </a:rPr>
+              <a:t>'</a:t>
+            </a:r>
+            <a:r>
               <a:rPr lang="en" dirty="0" smtClean="0">
                 <a:solidFill>
                   <a:schemeClr val="tx1"/>
@@ -24924,7 +25767,19 @@
                 <a:cs typeface="Menlo Regular"/>
                 <a:sym typeface="Courier New"/>
               </a:rPr>
-              <a:t>‘kiwi’</a:t>
+              <a:t>kiwi</a:t>
+            </a:r>
+            <a:r>
+              <a:rPr lang="en-US" dirty="0" smtClean="0">
+                <a:solidFill>
+                  <a:schemeClr val="tx1"/>
+                </a:solidFill>
+                <a:latin typeface="Menlo Regular"/>
+                <a:ea typeface="Courier New"/>
+                <a:cs typeface="Menlo Regular"/>
+                <a:sym typeface="Courier New"/>
+              </a:rPr>
+              <a:t>'</a:t>
             </a:r>
             <a:endParaRPr lang="en" dirty="0">
               <a:solidFill>
@@ -24988,6 +25843,18 @@
               <a:buNone/>
             </a:pPr>
             <a:r>
+              <a:rPr lang="en-US" dirty="0">
+                <a:solidFill>
+                  <a:schemeClr val="tx1"/>
+                </a:solidFill>
+                <a:latin typeface="Menlo Regular"/>
+                <a:ea typeface="Courier New"/>
+                <a:cs typeface="Menlo Regular"/>
+                <a:sym typeface="Courier New"/>
+              </a:rPr>
+              <a:t>'</a:t>
+            </a:r>
+            <a:r>
               <a:rPr lang="en" dirty="0" smtClean="0">
                 <a:solidFill>
                   <a:schemeClr val="tx1"/>
@@ -24997,7 +25864,19 @@
                 <a:cs typeface="Menlo Regular"/>
                 <a:sym typeface="Courier New"/>
               </a:rPr>
-              <a:t>‘strawberry’</a:t>
+              <a:t>strawberry</a:t>
+            </a:r>
+            <a:r>
+              <a:rPr lang="en-US" dirty="0">
+                <a:solidFill>
+                  <a:schemeClr val="tx1"/>
+                </a:solidFill>
+                <a:latin typeface="Menlo Regular"/>
+                <a:ea typeface="Courier New"/>
+                <a:cs typeface="Menlo Regular"/>
+                <a:sym typeface="Courier New"/>
+              </a:rPr>
+              <a:t>'</a:t>
             </a:r>
             <a:endParaRPr lang="en" dirty="0">
               <a:solidFill>
@@ -25061,6 +25940,18 @@
               <a:buNone/>
             </a:pPr>
             <a:r>
+              <a:rPr lang="en-US" dirty="0">
+                <a:solidFill>
+                  <a:schemeClr val="tx1"/>
+                </a:solidFill>
+                <a:latin typeface="Menlo Regular"/>
+                <a:ea typeface="Courier New"/>
+                <a:cs typeface="Menlo Regular"/>
+                <a:sym typeface="Courier New"/>
+              </a:rPr>
+              <a:t>'</a:t>
+            </a:r>
+            <a:r>
               <a:rPr lang="en" dirty="0" smtClean="0">
                 <a:solidFill>
                   <a:schemeClr val="tx1"/>
@@ -25070,7 +25961,19 @@
                 <a:cs typeface="Menlo Regular"/>
                 <a:sym typeface="Courier New"/>
               </a:rPr>
-              <a:t>‘plum’</a:t>
+              <a:t>plum</a:t>
+            </a:r>
+            <a:r>
+              <a:rPr lang="en-US" dirty="0">
+                <a:solidFill>
+                  <a:schemeClr val="tx1"/>
+                </a:solidFill>
+                <a:latin typeface="Menlo Regular"/>
+                <a:ea typeface="Courier New"/>
+                <a:cs typeface="Menlo Regular"/>
+                <a:sym typeface="Courier New"/>
+              </a:rPr>
+              <a:t>'</a:t>
             </a:r>
             <a:endParaRPr lang="en" dirty="0">
               <a:solidFill>
@@ -25089,20 +25992,20 @@
   <p:clrMapOvr>
     <a:masterClrMapping/>
   </p:clrMapOvr>
-  <p:transition spd="slow">
+  <p:transition xmlns:p14="http://schemas.microsoft.com/office/powerpoint/2010/main" spd="slow">
     <p:cut/>
   </p:transition>
   <p:timing>
     <p:tnLst>
       <p:par>
-        <p:cTn id="1" dur="indefinite" restart="never" nodeType="tmRoot"/>
+        <p:cTn xmlns:p14="http://schemas.microsoft.com/office/powerpoint/2010/main" id="1" dur="indefinite" restart="never" nodeType="tmRoot"/>
       </p:par>
     </p:tnLst>
   </p:timing>
 </p:sld>
 </file>
 
-<file path=ppt/slides/slide51.xml><?xml version="1.0" encoding="utf-8"?>
+<file path=ppt/slides/slide52.xml><?xml version="1.0" encoding="utf-8"?>
 <p:sld xmlns:a="http://schemas.openxmlformats.org/drawingml/2006/main" xmlns:r="http://schemas.openxmlformats.org/officeDocument/2006/relationships" xmlns:p="http://schemas.openxmlformats.org/presentationml/2006/main">
   <p:cSld>
     <p:spTree>
@@ -25342,20 +26245,20 @@
   <p:clrMapOvr>
     <a:masterClrMapping/>
   </p:clrMapOvr>
-  <p:transition spd="slow">
+  <p:transition xmlns:p14="http://schemas.microsoft.com/office/powerpoint/2010/main" spd="slow">
     <p:cut/>
   </p:transition>
   <p:timing>
     <p:tnLst>
       <p:par>
-        <p:cTn id="1" dur="indefinite" restart="never" nodeType="tmRoot"/>
+        <p:cTn xmlns:p14="http://schemas.microsoft.com/office/powerpoint/2010/main" id="1" dur="indefinite" restart="never" nodeType="tmRoot"/>
       </p:par>
     </p:tnLst>
   </p:timing>
 </p:sld>
 </file>
 
-<file path=ppt/slides/slide52.xml><?xml version="1.0" encoding="utf-8"?>
+<file path=ppt/slides/slide53.xml><?xml version="1.0" encoding="utf-8"?>
 <p:sld xmlns:a="http://schemas.openxmlformats.org/drawingml/2006/main" xmlns:r="http://schemas.openxmlformats.org/officeDocument/2006/relationships" xmlns:p="http://schemas.openxmlformats.org/presentationml/2006/main">
   <p:cSld>
     <p:spTree>
@@ -25654,100 +26557,85 @@
               <a:rPr lang="en" dirty="0" smtClean="0"/>
               <a:t>dictionary:</a:t>
             </a:r>
-            <a:endParaRPr lang="en" dirty="0"/>
-          </a:p>
-          <a:p>
-            <a:pPr marL="914400" lvl="1" indent="-381000" rtl="0">
+            <a:endParaRPr lang="en-US" dirty="0" smtClean="0"/>
+          </a:p>
+          <a:p>
+            <a:pPr marL="914400" lvl="1" indent="-381000">
+              <a:buSzPct val="80000"/>
+            </a:pPr>
+            <a:r>
+              <a:rPr lang="en" dirty="0">
+                <a:solidFill>
+                  <a:srgbClr val="7F7F7F"/>
+                </a:solidFill>
+                <a:latin typeface="Menlo Regular"/>
+                <a:ea typeface="Courier New"/>
+                <a:cs typeface="Menlo Regular"/>
+                <a:sym typeface="Courier New"/>
+              </a:rPr>
+              <a:t>hash</a:t>
+            </a:r>
+          </a:p>
+          <a:p>
+            <a:pPr marL="914400" lvl="1" indent="-381000">
+              <a:buSzPct val="80000"/>
+            </a:pPr>
+            <a:r>
+              <a:rPr lang="en" dirty="0">
+                <a:solidFill>
+                  <a:srgbClr val="7F7F7F"/>
+                </a:solidFill>
+                <a:latin typeface="Menlo Regular"/>
+                <a:ea typeface="Courier New"/>
+                <a:cs typeface="Menlo Regular"/>
+                <a:sym typeface="Courier New"/>
+              </a:rPr>
+              <a:t>associative array</a:t>
+            </a:r>
+          </a:p>
+          <a:p>
+            <a:pPr marL="914400" lvl="1" indent="-381000">
+              <a:buSzPct val="80000"/>
+            </a:pPr>
+            <a:r>
+              <a:rPr lang="en" dirty="0" smtClean="0">
+                <a:solidFill>
+                  <a:srgbClr val="7F7F7F"/>
+                </a:solidFill>
+                <a:latin typeface="Menlo Regular"/>
+                <a:ea typeface="Courier New"/>
+                <a:cs typeface="Menlo Regular"/>
+                <a:sym typeface="Courier New"/>
+              </a:rPr>
+              <a:t>Map</a:t>
+            </a:r>
+            <a:endParaRPr lang="en-US" dirty="0" smtClean="0"/>
+          </a:p>
+          <a:p>
+            <a:pPr marL="457200" lvl="0" indent="-419100" rtl="0">
               <a:spcBef>
                 <a:spcPts val="0"/>
               </a:spcBef>
               <a:buClr>
                 <a:schemeClr val="dk1"/>
               </a:buClr>
-              <a:buSzPct val="80000"/>
-              <a:buFont typeface="Courier New"/>
-              <a:buChar char="o"/>
-            </a:pPr>
-            <a:r>
-              <a:rPr lang="en" dirty="0" smtClean="0">
-                <a:solidFill>
-                  <a:srgbClr val="7F7F7F"/>
-                </a:solidFill>
-                <a:latin typeface="Menlo Regular"/>
-                <a:ea typeface="Courier New"/>
-                <a:cs typeface="Menlo Regular"/>
-                <a:sym typeface="Courier New"/>
-              </a:rPr>
-              <a:t>hash</a:t>
-            </a:r>
-            <a:endParaRPr lang="en" dirty="0">
-              <a:solidFill>
-                <a:srgbClr val="7F7F7F"/>
-              </a:solidFill>
-              <a:latin typeface="Menlo Regular"/>
-              <a:ea typeface="Courier New"/>
-              <a:cs typeface="Menlo Regular"/>
-              <a:sym typeface="Courier New"/>
-            </a:endParaRPr>
-          </a:p>
-          <a:p>
-            <a:pPr marL="914400" lvl="1" indent="-381000" rtl="0">
-              <a:spcBef>
-                <a:spcPts val="0"/>
-              </a:spcBef>
-              <a:buClr>
-                <a:schemeClr val="dk1"/>
-              </a:buClr>
-              <a:buSzPct val="80000"/>
-              <a:buFont typeface="Courier New"/>
-              <a:buChar char="o"/>
-            </a:pPr>
-            <a:r>
-              <a:rPr lang="en" dirty="0">
-                <a:solidFill>
-                  <a:srgbClr val="7F7F7F"/>
-                </a:solidFill>
-                <a:latin typeface="Menlo Regular"/>
-                <a:ea typeface="Courier New"/>
-                <a:cs typeface="Menlo Regular"/>
-                <a:sym typeface="Courier New"/>
-              </a:rPr>
-              <a:t>associative array</a:t>
-            </a:r>
-          </a:p>
-          <a:p>
-            <a:pPr marL="914400" lvl="1" indent="-381000" rtl="0">
-              <a:spcBef>
-                <a:spcPts val="0"/>
-              </a:spcBef>
-              <a:buClr>
-                <a:schemeClr val="dk1"/>
-              </a:buClr>
-              <a:buSzPct val="80000"/>
-              <a:buFont typeface="Courier New"/>
-              <a:buChar char="o"/>
-            </a:pPr>
-            <a:r>
-              <a:rPr lang="en" dirty="0">
-                <a:solidFill>
-                  <a:srgbClr val="7F7F7F"/>
-                </a:solidFill>
-                <a:latin typeface="Menlo Regular"/>
-                <a:ea typeface="Courier New"/>
-                <a:cs typeface="Menlo Regular"/>
-                <a:sym typeface="Courier New"/>
-              </a:rPr>
-              <a:t>map</a:t>
-            </a:r>
-          </a:p>
-          <a:p>
-            <a:pPr>
-              <a:spcBef>
-                <a:spcPts val="0"/>
-              </a:spcBef>
-              <a:buNone/>
-            </a:pPr>
-            <a:endParaRPr dirty="0"/>
+              <a:buSzPct val="100000"/>
+              <a:buFont typeface="Arial"/>
+              <a:buChar char="●"/>
+            </a:pPr>
+            <a:r>
+              <a:rPr lang="en-US" dirty="0" smtClean="0"/>
+              <a:t>Items </a:t>
+            </a:r>
+            <a:r>
+              <a:rPr lang="en-US" b="1" dirty="0" smtClean="0"/>
+              <a:t>not</a:t>
+            </a:r>
+            <a:r>
+              <a:rPr lang="en-US" dirty="0" smtClean="0"/>
+              <a:t> stored in any order.</a:t>
+            </a:r>
+            <a:endParaRPr lang="en" dirty="0"/>
           </a:p>
         </p:txBody>
       </p:sp>
@@ -25756,20 +26644,20 @@
   <p:clrMapOvr>
     <a:masterClrMapping/>
   </p:clrMapOvr>
-  <p:transition spd="slow">
+  <p:transition xmlns:p14="http://schemas.microsoft.com/office/powerpoint/2010/main" spd="slow">
     <p:cut/>
   </p:transition>
   <p:timing>
     <p:tnLst>
       <p:par>
-        <p:cTn id="1" dur="indefinite" restart="never" nodeType="tmRoot"/>
+        <p:cTn xmlns:p14="http://schemas.microsoft.com/office/powerpoint/2010/main" id="1" dur="indefinite" restart="never" nodeType="tmRoot"/>
       </p:par>
     </p:tnLst>
   </p:timing>
 </p:sld>
 </file>
 
-<file path=ppt/slides/slide53.xml><?xml version="1.0" encoding="utf-8"?>
+<file path=ppt/slides/slide54.xml><?xml version="1.0" encoding="utf-8"?>
 <p:sld xmlns:a="http://schemas.openxmlformats.org/drawingml/2006/main" xmlns:r="http://schemas.openxmlformats.org/officeDocument/2006/relationships" xmlns:p="http://schemas.openxmlformats.org/presentationml/2006/main">
   <p:cSld>
     <p:spTree>
@@ -26088,32 +26976,87 @@
                 <a:cs typeface="Menlo Regular"/>
                 <a:sym typeface="Courier New"/>
               </a:rPr>
-              <a:t>VA“</a:t>
+              <a:t>VA</a:t>
+            </a:r>
+            <a:r>
+              <a:rPr lang="en-US" dirty="0" smtClean="0">
+                <a:solidFill>
+                  <a:srgbClr val="D20035"/>
+                </a:solidFill>
+                <a:latin typeface="Menlo Regular"/>
+                <a:cs typeface="Menlo Regular"/>
+                <a:sym typeface="Courier New"/>
+              </a:rPr>
+              <a:t>"</a:t>
+            </a:r>
+            <a:r>
+              <a:rPr lang="en" dirty="0" smtClean="0">
+                <a:solidFill>
+                  <a:srgbClr val="000000"/>
+                </a:solidFill>
+                <a:latin typeface="Menlo Regular"/>
+                <a:cs typeface="Menlo Regular"/>
+                <a:sym typeface="Courier New"/>
+              </a:rPr>
+              <a:t>: </a:t>
             </a:r>
             <a:r>
               <a:rPr lang="en" dirty="0">
                 <a:solidFill>
+                  <a:srgbClr val="D20035"/>
+                </a:solidFill>
+                <a:latin typeface="Menlo Regular"/>
+                <a:cs typeface="Menlo Regular"/>
+                <a:sym typeface="Courier New"/>
+              </a:rPr>
+              <a:t>"Virginia"</a:t>
+            </a:r>
+            <a:r>
+              <a:rPr lang="en" dirty="0">
+                <a:solidFill>
                   <a:srgbClr val="000000"/>
                 </a:solidFill>
                 <a:latin typeface="Menlo Regular"/>
                 <a:cs typeface="Menlo Regular"/>
                 <a:sym typeface="Courier New"/>
               </a:rPr>
-              <a:t>:</a:t>
+              <a:t>,</a:t>
+            </a:r>
+            <a:r>
+              <a:rPr lang="en" dirty="0">
+                <a:solidFill>
+                  <a:srgbClr val="0E72A4"/>
+                </a:solidFill>
+                <a:latin typeface="Menlo Regular"/>
+                <a:cs typeface="Menlo Regular"/>
+                <a:sym typeface="Courier New"/>
+              </a:rPr>
+              <a:t> </a:t>
+            </a:r>
+            <a:r>
+              <a:rPr lang="en" dirty="0">
+                <a:solidFill>
+                  <a:srgbClr val="D20035"/>
+                </a:solidFill>
+                <a:latin typeface="Menlo Regular"/>
+                <a:cs typeface="Menlo Regular"/>
+                <a:sym typeface="Courier New"/>
+              </a:rPr>
+              <a:t>"</a:t>
             </a:r>
             <a:r>
               <a:rPr lang="en" dirty="0" smtClean="0">
                 <a:solidFill>
-                  <a:srgbClr val="000000"/>
+                  <a:srgbClr val="D20035"/>
                 </a:solidFill>
                 <a:latin typeface="Menlo Regular"/>
                 <a:cs typeface="Menlo Regular"/>
                 <a:sym typeface="Courier New"/>
               </a:rPr>
-              <a:t> </a:t>
-            </a:r>
-            <a:r>
-              <a:rPr lang="en" dirty="0">
+              <a:t>MD</a:t>
+            </a:r>
+            <a:r>
+              <a:rPr lang="en-US" dirty="0" smtClean="0">
                 <a:solidFill>
                   <a:srgbClr val="D20035"/>
                 </a:solidFill>
@@ -26121,51 +27064,18 @@
                 <a:cs typeface="Menlo Regular"/>
                 <a:sym typeface="Courier New"/>
               </a:rPr>
-              <a:t>"Virginia"</a:t>
-            </a:r>
-            <a:r>
-              <a:rPr lang="en" dirty="0">
-                <a:solidFill>
-                  <a:srgbClr val="000000"/>
+              <a:t>"</a:t>
+            </a:r>
+            <a:r>
+              <a:rPr lang="en" dirty="0" smtClean="0">
+                <a:solidFill>
+                  <a:srgbClr val="D20035"/>
                 </a:solidFill>
                 <a:latin typeface="Menlo Regular"/>
                 <a:cs typeface="Menlo Regular"/>
                 <a:sym typeface="Courier New"/>
               </a:rPr>
-              <a:t>,</a:t>
-            </a:r>
-            <a:r>
-              <a:rPr lang="en" dirty="0">
-                <a:solidFill>
-                  <a:srgbClr val="0E72A4"/>
-                </a:solidFill>
-                <a:latin typeface="Menlo Regular"/>
-                <a:cs typeface="Menlo Regular"/>
-                <a:sym typeface="Courier New"/>
-              </a:rPr>
-              <a:t> </a:t>
-            </a:r>
-            <a:r>
-              <a:rPr lang="en" dirty="0">
-                <a:solidFill>
-                  <a:srgbClr val="D20035"/>
-                </a:solidFill>
-                <a:latin typeface="Menlo Regular"/>
-                <a:cs typeface="Menlo Regular"/>
-                <a:sym typeface="Courier New"/>
-              </a:rPr>
-              <a:t>"</a:t>
-            </a:r>
-            <a:r>
-              <a:rPr lang="en" dirty="0" smtClean="0">
-                <a:solidFill>
-                  <a:srgbClr val="D20035"/>
-                </a:solidFill>
-                <a:latin typeface="Menlo Regular"/>
-                <a:cs typeface="Menlo Regular"/>
-                <a:sym typeface="Courier New"/>
-              </a:rPr>
-              <a:t>MD“: "</a:t>
+              <a:t>: "</a:t>
             </a:r>
             <a:r>
               <a:rPr lang="en" dirty="0">
@@ -26249,7 +27159,29 @@
                 <a:cs typeface="Menlo Regular"/>
                 <a:sym typeface="Courier New"/>
               </a:rPr>
-              <a:t>{"</a:t>
+              <a:t>{"VA</a:t>
+            </a:r>
+            <a:r>
+              <a:rPr lang="en-US" dirty="0" smtClean="0">
+                <a:solidFill>
+                  <a:schemeClr val="tx1"/>
+                </a:solidFill>
+                <a:latin typeface="Menlo Regular"/>
+                <a:cs typeface="Menlo Regular"/>
+                <a:sym typeface="Courier New"/>
+              </a:rPr>
+              <a:t>":</a:t>
+            </a:r>
+            <a:r>
+              <a:rPr lang="en" dirty="0" smtClean="0">
+                <a:solidFill>
+                  <a:schemeClr val="tx1"/>
+                </a:solidFill>
+                <a:latin typeface="Menlo Regular"/>
+                <a:cs typeface="Menlo Regular"/>
+                <a:sym typeface="Courier New"/>
+              </a:rPr>
+              <a:t> </a:t>
             </a:r>
             <a:r>
               <a:rPr lang="en" dirty="0">
@@ -26260,7 +27192,29 @@
                 <a:cs typeface="Menlo Regular"/>
                 <a:sym typeface="Courier New"/>
               </a:rPr>
-              <a:t>VA" =&gt; "Virginia", "MD" =&gt; "Maryland"}</a:t>
+              <a:t>"Virginia", "MD" =&gt; "</a:t>
+            </a:r>
+            <a:r>
+              <a:rPr lang="en" dirty="0" smtClean="0">
+                <a:solidFill>
+                  <a:schemeClr val="tx1"/>
+                </a:solidFill>
+                <a:latin typeface="Menlo Regular"/>
+                <a:cs typeface="Menlo Regular"/>
+                <a:sym typeface="Courier New"/>
+              </a:rPr>
+              <a:t>Maryland</a:t>
+            </a:r>
+            <a:r>
+              <a:rPr lang="en" dirty="0">
+                <a:solidFill>
+                  <a:schemeClr val="tx1"/>
+                </a:solidFill>
+                <a:latin typeface="Menlo Regular"/>
+                <a:cs typeface="Menlo Regular"/>
+                <a:sym typeface="Courier New"/>
+              </a:rPr>
+              <a:t>"}</a:t>
             </a:r>
           </a:p>
         </p:txBody>
@@ -26270,20 +27224,20 @@
   <p:clrMapOvr>
     <a:masterClrMapping/>
   </p:clrMapOvr>
-  <p:transition spd="slow">
+  <p:transition xmlns:p14="http://schemas.microsoft.com/office/powerpoint/2010/main" spd="slow">
     <p:cut/>
   </p:transition>
   <p:timing>
     <p:tnLst>
       <p:par>
-        <p:cTn id="1" dur="indefinite" restart="never" nodeType="tmRoot"/>
+        <p:cTn xmlns:p14="http://schemas.microsoft.com/office/powerpoint/2010/main" id="1" dur="indefinite" restart="never" nodeType="tmRoot"/>
       </p:par>
     </p:tnLst>
   </p:timing>
 </p:sld>
 </file>
 
-<file path=ppt/slides/slide54.xml><?xml version="1.0" encoding="utf-8"?>
+<file path=ppt/slides/slide55.xml><?xml version="1.0" encoding="utf-8"?>
 <p:sld xmlns:a="http://schemas.openxmlformats.org/drawingml/2006/main" xmlns:r="http://schemas.openxmlformats.org/officeDocument/2006/relationships" xmlns:p="http://schemas.openxmlformats.org/presentationml/2006/main">
   <p:cSld>
     <p:spTree>
@@ -26519,20 +27473,20 @@
   <p:clrMapOvr>
     <a:masterClrMapping/>
   </p:clrMapOvr>
-  <p:transition spd="slow">
+  <p:transition xmlns:p14="http://schemas.microsoft.com/office/powerpoint/2010/main" spd="slow">
     <p:cut/>
   </p:transition>
   <p:timing>
     <p:tnLst>
       <p:par>
-        <p:cTn id="1" dur="indefinite" restart="never" nodeType="tmRoot"/>
+        <p:cTn xmlns:p14="http://schemas.microsoft.com/office/powerpoint/2010/main" id="1" dur="indefinite" restart="never" nodeType="tmRoot"/>
       </p:par>
     </p:tnLst>
   </p:timing>
 </p:sld>
 </file>
 
-<file path=ppt/slides/slide55.xml><?xml version="1.0" encoding="utf-8"?>
+<file path=ppt/slides/slide56.xml><?xml version="1.0" encoding="utf-8"?>
 <p:sld xmlns:a="http://schemas.openxmlformats.org/drawingml/2006/main" xmlns:r="http://schemas.openxmlformats.org/officeDocument/2006/relationships" xmlns:p="http://schemas.openxmlformats.org/presentationml/2006/main">
   <p:cSld>
     <p:spTree>
@@ -26852,6 +27806,17 @@
               <a:buNone/>
             </a:pPr>
             <a:r>
+              <a:rPr lang="en-US" dirty="0">
+                <a:solidFill>
+                  <a:srgbClr val="0E72A4"/>
+                </a:solidFill>
+                <a:latin typeface="Menlo Regular"/>
+                <a:cs typeface="Menlo Regular"/>
+                <a:sym typeface="Courier New"/>
+              </a:rPr>
+              <a:t>'</a:t>
+            </a:r>
+            <a:r>
               <a:rPr lang="en" dirty="0" smtClean="0">
                 <a:solidFill>
                   <a:srgbClr val="0E72A4"/>
@@ -26860,7 +27825,18 @@
                 <a:cs typeface="Menlo Regular"/>
                 <a:sym typeface="Courier New"/>
               </a:rPr>
-              <a:t>‘Maryland’</a:t>
+              <a:t>Maryland</a:t>
+            </a:r>
+            <a:r>
+              <a:rPr lang="en-US" dirty="0" smtClean="0">
+                <a:solidFill>
+                  <a:srgbClr val="0E72A4"/>
+                </a:solidFill>
+                <a:latin typeface="Menlo Regular"/>
+                <a:cs typeface="Menlo Regular"/>
+                <a:sym typeface="Courier New"/>
+              </a:rPr>
+              <a:t>'</a:t>
             </a:r>
             <a:endParaRPr lang="en" dirty="0">
               <a:solidFill>
@@ -26878,20 +27854,20 @@
   <p:clrMapOvr>
     <a:masterClrMapping/>
   </p:clrMapOvr>
-  <p:transition spd="slow">
+  <p:transition xmlns:p14="http://schemas.microsoft.com/office/powerpoint/2010/main" spd="slow">
     <p:cut/>
   </p:transition>
   <p:timing>
     <p:tnLst>
       <p:par>
-        <p:cTn id="1" dur="indefinite" restart="never" nodeType="tmRoot"/>
+        <p:cTn xmlns:p14="http://schemas.microsoft.com/office/powerpoint/2010/main" id="1" dur="indefinite" restart="never" nodeType="tmRoot"/>
       </p:par>
     </p:tnLst>
   </p:timing>
 </p:sld>
 </file>
 
-<file path=ppt/slides/slide56.xml><?xml version="1.0" encoding="utf-8"?>
+<file path=ppt/slides/slide57.xml><?xml version="1.0" encoding="utf-8"?>
 <p:sld xmlns:a="http://schemas.openxmlformats.org/drawingml/2006/main" xmlns:r="http://schemas.openxmlformats.org/officeDocument/2006/relationships" xmlns:p="http://schemas.openxmlformats.org/presentationml/2006/main">
   <p:cSld>
     <p:spTree>
@@ -27028,7 +28004,7 @@
                   <a:srgbClr val="0E72A4"/>
                 </a:solidFill>
               </a:rPr>
-              <a:t>instructors = [“</a:t>
+              <a:t>instructors = ["Brandon</a:t>
             </a:r>
             <a:r>
               <a:rPr lang="en-US" dirty="0">
@@ -27036,7 +28012,7 @@
                   <a:srgbClr val="0E72A4"/>
                 </a:solidFill>
               </a:rPr>
-              <a:t>Brandon”, “Ethan</a:t>
+              <a:t>"</a:t>
             </a:r>
             <a:r>
               <a:rPr lang="en-US" dirty="0" smtClean="0">
@@ -27044,7 +28020,39 @@
                   <a:srgbClr val="0E72A4"/>
                 </a:solidFill>
               </a:rPr>
-              <a:t>”]</a:t>
+              <a:t>, </a:t>
+            </a:r>
+            <a:r>
+              <a:rPr lang="en-US" dirty="0">
+                <a:solidFill>
+                  <a:srgbClr val="0E72A4"/>
+                </a:solidFill>
+              </a:rPr>
+              <a:t>"</a:t>
+            </a:r>
+            <a:r>
+              <a:rPr lang="en-US" dirty="0" smtClean="0">
+                <a:solidFill>
+                  <a:srgbClr val="0E72A4"/>
+                </a:solidFill>
+              </a:rPr>
+              <a:t>Ethan</a:t>
+            </a:r>
+            <a:r>
+              <a:rPr lang="en-US" dirty="0">
+                <a:solidFill>
+                  <a:srgbClr val="0E72A4"/>
+                </a:solidFill>
+              </a:rPr>
+              <a:t>"</a:t>
+            </a:r>
+            <a:r>
+              <a:rPr lang="en-US" dirty="0" smtClean="0">
+                <a:solidFill>
+                  <a:srgbClr val="0E72A4"/>
+                </a:solidFill>
+              </a:rPr>
+              <a:t>]</a:t>
             </a:r>
           </a:p>
           <a:p>
@@ -27081,7 +28089,7 @@
                   <a:srgbClr val="0E72A4"/>
                 </a:solidFill>
               </a:rPr>
-              <a:t>(“Wayne”)</a:t>
+              <a:t>("Tony")</a:t>
             </a:r>
             <a:endParaRPr lang="en" dirty="0">
               <a:solidFill>
@@ -27148,7 +28156,7 @@
                   <a:srgbClr val="0E72A4"/>
                 </a:solidFill>
               </a:rPr>
-              <a:t>[“</a:t>
+              <a:t>["</a:t>
             </a:r>
             <a:r>
               <a:rPr lang="en-US" dirty="0" err="1" smtClean="0">
@@ -27159,12 +28167,20 @@
               <a:t>favorite_instructor</a:t>
             </a:r>
             <a:r>
+              <a:rPr lang="en-US" dirty="0">
+                <a:solidFill>
+                  <a:srgbClr val="0E72A4"/>
+                </a:solidFill>
+              </a:rPr>
+              <a:t>"</a:t>
+            </a:r>
+            <a:r>
               <a:rPr lang="en-US" dirty="0" smtClean="0">
                 <a:solidFill>
                   <a:srgbClr val="0E72A4"/>
                 </a:solidFill>
               </a:rPr>
-              <a:t>”] </a:t>
+              <a:t>] </a:t>
             </a:r>
             <a:r>
               <a:rPr lang="en-US" dirty="0">
@@ -27180,7 +28196,7 @@
                   <a:srgbClr val="0E72A4"/>
                 </a:solidFill>
               </a:rPr>
-              <a:t>“Ethan”</a:t>
+              <a:t>"Tony"</a:t>
             </a:r>
             <a:endParaRPr lang="en-US" dirty="0">
               <a:solidFill>
@@ -27200,20 +28216,20 @@
   <p:clrMapOvr>
     <a:masterClrMapping/>
   </p:clrMapOvr>
-  <p:transition spd="slow">
+  <p:transition xmlns:p14="http://schemas.microsoft.com/office/powerpoint/2010/main" spd="slow">
     <p:cut/>
   </p:transition>
   <p:timing>
     <p:tnLst>
       <p:par>
-        <p:cTn id="1" dur="indefinite" restart="never" nodeType="tmRoot"/>
+        <p:cTn xmlns:p14="http://schemas.microsoft.com/office/powerpoint/2010/main" id="1" dur="indefinite" restart="never" nodeType="tmRoot"/>
       </p:par>
     </p:tnLst>
   </p:timing>
 </p:sld>
 </file>
 
-<file path=ppt/slides/slide57.xml><?xml version="1.0" encoding="utf-8"?>
+<file path=ppt/slides/slide58.xml><?xml version="1.0" encoding="utf-8"?>
 <p:sld xmlns:a="http://schemas.openxmlformats.org/drawingml/2006/main" xmlns:r="http://schemas.openxmlformats.org/officeDocument/2006/relationships" xmlns:p="http://schemas.openxmlformats.org/presentationml/2006/main">
   <p:cSld>
     <p:spTree>
@@ -27439,20 +28455,20 @@
   <p:clrMapOvr>
     <a:masterClrMapping/>
   </p:clrMapOvr>
-  <p:transition spd="slow">
+  <p:transition xmlns:p14="http://schemas.microsoft.com/office/powerpoint/2010/main" spd="slow">
     <p:cut/>
   </p:transition>
   <p:timing>
     <p:tnLst>
       <p:par>
-        <p:cTn id="1" dur="indefinite" restart="never" nodeType="tmRoot"/>
+        <p:cTn xmlns:p14="http://schemas.microsoft.com/office/powerpoint/2010/main" id="1" dur="indefinite" restart="never" nodeType="tmRoot"/>
       </p:par>
     </p:tnLst>
   </p:timing>
 </p:sld>
 </file>
 
-<file path=ppt/slides/slide58.xml><?xml version="1.0" encoding="utf-8"?>
+<file path=ppt/slides/slide59.xml><?xml version="1.0" encoding="utf-8"?>
 <p:sld xmlns:a="http://schemas.openxmlformats.org/drawingml/2006/main" xmlns:r="http://schemas.openxmlformats.org/officeDocument/2006/relationships" xmlns:p="http://schemas.openxmlformats.org/presentationml/2006/main">
   <p:cSld>
     <p:spTree>
@@ -27651,27 +28667,48 @@
                 <a:ea typeface="Open Sans"/>
                 <a:cs typeface="Open Sans"/>
               </a:rPr>
-              <a:t>Called (used) with a "</a:t>
-            </a:r>
-            <a:r>
-              <a:rPr lang="en" dirty="0">
-                <a:solidFill>
-                  <a:srgbClr val="0E72A4"/>
-                </a:solidFill>
-                <a:latin typeface="Menlo Regular"/>
-                <a:ea typeface="Open Sans"/>
-                <a:cs typeface="Menlo Regular"/>
-              </a:rPr>
-              <a:t>.</a:t>
-            </a:r>
-            <a:r>
-              <a:rPr lang="en" dirty="0">
+              <a:t>Called (used) with a </a:t>
+            </a:r>
+            <a:r>
+              <a:rPr lang="en" dirty="0" smtClean="0">
                 <a:latin typeface="Open Sans"/>
                 <a:ea typeface="Open Sans"/>
                 <a:cs typeface="Open Sans"/>
               </a:rPr>
               <a:t>"</a:t>
             </a:r>
+            <a:r>
+              <a:rPr lang="en" dirty="0" smtClean="0">
+                <a:solidFill>
+                  <a:srgbClr val="0E72A4"/>
+                </a:solidFill>
+                <a:latin typeface="Menlo Regular"/>
+                <a:ea typeface="Open Sans"/>
+                <a:cs typeface="Menlo Regular"/>
+              </a:rPr>
+              <a:t>.</a:t>
+            </a:r>
+            <a:r>
+              <a:rPr lang="en" dirty="0" smtClean="0">
+                <a:latin typeface="Open Sans"/>
+                <a:ea typeface="Open Sans"/>
+                <a:cs typeface="Open Sans"/>
+              </a:rPr>
+              <a:t>"</a:t>
+            </a:r>
+            <a:r>
+              <a:rPr lang="en-US" dirty="0" smtClean="0">
+                <a:latin typeface="Open Sans"/>
+                <a:ea typeface="Open Sans"/>
+                <a:cs typeface="Open Sans"/>
+              </a:rPr>
+              <a:t> or with method()</a:t>
+            </a:r>
+            <a:endParaRPr lang="en" dirty="0">
+              <a:latin typeface="Open Sans"/>
+              <a:ea typeface="Open Sans"/>
+              <a:cs typeface="Open Sans"/>
+            </a:endParaRPr>
           </a:p>
           <a:p>
             <a:pPr marL="1371600" lvl="2" indent="-381000" rtl="0">
@@ -27686,7 +28723,7 @@
               <a:buChar char="§"/>
             </a:pPr>
             <a:r>
-              <a:rPr lang="en" dirty="0">
+              <a:rPr lang="en-US" dirty="0" err="1" smtClean="0">
                 <a:solidFill>
                   <a:srgbClr val="0E72A4"/>
                 </a:solidFill>
@@ -27695,7 +28732,83 @@
                 <a:cs typeface="Menlo Regular"/>
                 <a:sym typeface="Courier New"/>
               </a:rPr>
-              <a:t>5.to_s</a:t>
+              <a:t>str</a:t>
+            </a:r>
+            <a:r>
+              <a:rPr lang="en-US" dirty="0" smtClean="0">
+                <a:solidFill>
+                  <a:srgbClr val="0E72A4"/>
+                </a:solidFill>
+                <a:latin typeface="Menlo Regular"/>
+                <a:ea typeface="Open Sans"/>
+                <a:cs typeface="Menlo Regular"/>
+                <a:sym typeface="Courier New"/>
+              </a:rPr>
+              <a:t>(</a:t>
+            </a:r>
+            <a:r>
+              <a:rPr lang="en" dirty="0" smtClean="0">
+                <a:solidFill>
+                  <a:srgbClr val="0E72A4"/>
+                </a:solidFill>
+                <a:latin typeface="Menlo Regular"/>
+                <a:ea typeface="Open Sans"/>
+                <a:cs typeface="Menlo Regular"/>
+                <a:sym typeface="Courier New"/>
+              </a:rPr>
+              <a:t>5</a:t>
+            </a:r>
+            <a:r>
+              <a:rPr lang="en-US" dirty="0" smtClean="0">
+                <a:solidFill>
+                  <a:srgbClr val="0E72A4"/>
+                </a:solidFill>
+                <a:latin typeface="Menlo Regular"/>
+                <a:ea typeface="Open Sans"/>
+                <a:cs typeface="Menlo Regular"/>
+                <a:sym typeface="Courier New"/>
+              </a:rPr>
+              <a:t>)</a:t>
+            </a:r>
+            <a:r>
+              <a:rPr lang="en" dirty="0" smtClean="0">
+                <a:latin typeface="Open Sans"/>
+                <a:ea typeface="Open Sans"/>
+                <a:cs typeface="Open Sans"/>
+              </a:rPr>
+              <a:t> </a:t>
+            </a:r>
+            <a:r>
+              <a:rPr lang="en-US" dirty="0" smtClean="0">
+                <a:latin typeface="Open Sans"/>
+                <a:ea typeface="Open Sans"/>
+                <a:cs typeface="Open Sans"/>
+              </a:rPr>
+              <a:t>(</a:t>
+            </a:r>
+            <a:r>
+              <a:rPr lang="en-US" dirty="0" err="1" smtClean="0">
+                <a:latin typeface="Open Sans"/>
+                <a:ea typeface="Open Sans"/>
+                <a:cs typeface="Open Sans"/>
+              </a:rPr>
+              <a:t>str</a:t>
+            </a:r>
+            <a:r>
+              <a:rPr lang="en-US" dirty="0" smtClean="0">
+                <a:latin typeface="Open Sans"/>
+                <a:ea typeface="Open Sans"/>
+                <a:cs typeface="Open Sans"/>
+              </a:rPr>
+              <a:t>()</a:t>
+            </a:r>
+            <a:r>
+              <a:rPr lang="en" dirty="0" smtClean="0">
+                <a:latin typeface="Open Sans"/>
+                <a:ea typeface="Open Sans"/>
+                <a:cs typeface="Open Sans"/>
+              </a:rPr>
+              <a:t> </a:t>
             </a:r>
             <a:r>
               <a:rPr lang="en" dirty="0">
@@ -27703,82 +28816,7 @@
                 <a:ea typeface="Open Sans"/>
                 <a:cs typeface="Open Sans"/>
               </a:rPr>
-              <a:t> (</a:t>
-            </a:r>
-            <a:r>
-              <a:rPr lang="en" dirty="0">
-                <a:solidFill>
-                  <a:srgbClr val="0E72A4"/>
-                </a:solidFill>
-                <a:latin typeface="Menlo Regular"/>
-                <a:ea typeface="Open Sans"/>
-                <a:cs typeface="Menlo Regular"/>
-              </a:rPr>
-              <a:t>to_s</a:t>
-            </a:r>
-            <a:r>
-              <a:rPr lang="en" dirty="0">
-                <a:latin typeface="Open Sans"/>
-                <a:ea typeface="Open Sans"/>
-                <a:cs typeface="Open Sans"/>
-              </a:rPr>
-              <a:t> is the method)</a:t>
-            </a:r>
-          </a:p>
-          <a:p>
-            <a:pPr marL="914400" lvl="1" indent="-381000" rtl="0">
-              <a:spcBef>
-                <a:spcPts val="0"/>
-              </a:spcBef>
-              <a:buClr>
-                <a:schemeClr val="dk1"/>
-              </a:buClr>
-              <a:buSzPct val="80000"/>
-              <a:buFont typeface="Courier New"/>
-              <a:buChar char="o"/>
-            </a:pPr>
-            <a:r>
-              <a:rPr lang="en" dirty="0">
-                <a:solidFill>
-                  <a:srgbClr val="0E72A4"/>
-                </a:solidFill>
-                <a:latin typeface="Menlo Regular"/>
-                <a:ea typeface="Open Sans"/>
-                <a:cs typeface="Menlo Regular"/>
-                <a:sym typeface="Courier New"/>
-              </a:rPr>
-              <a:t>5 + 5</a:t>
-            </a:r>
-            <a:r>
-              <a:rPr lang="en" dirty="0">
-                <a:solidFill>
-                  <a:srgbClr val="0E72A4"/>
-                </a:solidFill>
-                <a:latin typeface="Menlo Regular"/>
-                <a:ea typeface="Open Sans"/>
-                <a:cs typeface="Menlo Regular"/>
-              </a:rPr>
-              <a:t> </a:t>
-            </a:r>
-            <a:r>
-              <a:rPr lang="en" dirty="0">
-                <a:latin typeface="Open Sans"/>
-                <a:ea typeface="Open Sans"/>
-                <a:cs typeface="Open Sans"/>
-              </a:rPr>
-              <a:t>is a shortcut way of writing </a:t>
-            </a:r>
-            <a:r>
-              <a:rPr lang="en" dirty="0">
-                <a:solidFill>
-                  <a:srgbClr val="0E72A4"/>
-                </a:solidFill>
-                <a:latin typeface="Menlo Regular"/>
-                <a:ea typeface="Open Sans"/>
-                <a:cs typeface="Menlo Regular"/>
-                <a:sym typeface="Courier New"/>
-              </a:rPr>
-              <a:t>5.+(5)</a:t>
+              <a:t>is the method)</a:t>
             </a:r>
           </a:p>
           <a:p>
@@ -27793,9 +28831,27 @@
               <a:buFont typeface="Arial"/>
               <a:buChar char="●"/>
             </a:pPr>
+            <a:endParaRPr lang="en-US" dirty="0" smtClean="0"/>
+          </a:p>
+          <a:p>
+            <a:pPr marL="457200" lvl="0" indent="-419100" rtl="0">
+              <a:spcBef>
+                <a:spcPts val="0"/>
+              </a:spcBef>
+              <a:buClr>
+                <a:schemeClr val="dk1"/>
+              </a:buClr>
+              <a:buSzPct val="100000"/>
+              <a:buFont typeface="Arial"/>
+              <a:buChar char="●"/>
+            </a:pPr>
+            <a:r>
+              <a:rPr lang="en" dirty="0" smtClean="0"/>
+              <a:t>Each </a:t>
+            </a:r>
             <a:r>
               <a:rPr lang="en" dirty="0"/>
-              <a:t>Each data type has a set of built in methods.</a:t>
+              <a:t>data type has a set of built in methods.</a:t>
             </a:r>
           </a:p>
           <a:p>
@@ -27862,323 +28918,13 @@
   <p:clrMapOvr>
     <a:masterClrMapping/>
   </p:clrMapOvr>
-  <p:transition spd="slow">
+  <p:transition xmlns:p14="http://schemas.microsoft.com/office/powerpoint/2010/main" spd="slow">
     <p:cut/>
   </p:transition>
   <p:timing>
     <p:tnLst>
       <p:par>
-        <p:cTn id="1" dur="indefinite" restart="never" nodeType="tmRoot"/>
-      </p:par>
-    </p:tnLst>
-  </p:timing>
-</p:sld>
-</file>
-
-<file path=ppt/slides/slide59.xml><?xml version="1.0" encoding="utf-8"?>
-<p:sld xmlns:a="http://schemas.openxmlformats.org/drawingml/2006/main" xmlns:r="http://schemas.openxmlformats.org/officeDocument/2006/relationships" xmlns:p="http://schemas.openxmlformats.org/presentationml/2006/main">
-  <p:cSld>
-    <p:spTree>
-      <p:nvGrpSpPr>
-        <p:cNvPr id="1" name="Shape 331"/>
-        <p:cNvGrpSpPr/>
-        <p:nvPr/>
-      </p:nvGrpSpPr>
-      <p:grpSpPr>
-        <a:xfrm>
-          <a:off x="0" y="0"/>
-          <a:ext cx="0" cy="0"/>
-          <a:chOff x="0" y="0"/>
-          <a:chExt cx="0" cy="0"/>
-        </a:xfrm>
-      </p:grpSpPr>
-      <p:sp>
-        <p:nvSpPr>
-          <p:cNvPr id="332" name="Shape 332"/>
-          <p:cNvSpPr txBox="1">
-            <a:spLocks noGrp="1"/>
-          </p:cNvSpPr>
-          <p:nvPr>
-            <p:ph type="title"/>
-          </p:nvPr>
-        </p:nvSpPr>
-        <p:spPr>
-          <a:xfrm>
-            <a:off x="457200" y="274637"/>
-            <a:ext cx="8229600" cy="1143000"/>
-          </a:xfrm>
-          <a:prstGeom prst="rect">
-            <a:avLst/>
-          </a:prstGeom>
-        </p:spPr>
-        <p:txBody>
-          <a:bodyPr lIns="91425" tIns="91425" rIns="91425" bIns="91425" anchor="b" anchorCtr="0">
-            <a:noAutofit/>
-          </a:bodyPr>
-          <a:lstStyle/>
-          <a:p>
-            <a:pPr>
-              <a:spcBef>
-                <a:spcPts val="0"/>
-              </a:spcBef>
-              <a:buNone/>
-            </a:pPr>
-            <a:r>
-              <a:rPr lang="en" sz="6800" b="0" dirty="0">
-                <a:solidFill>
-                  <a:srgbClr val="FF0000"/>
-                </a:solidFill>
-                <a:latin typeface="Yanone Kaffeesatz Bold"/>
-                <a:ea typeface="Ubuntu"/>
-                <a:cs typeface="Yanone Kaffeesatz Bold"/>
-                <a:sym typeface="Ubuntu"/>
-              </a:rPr>
-              <a:t>Exercise</a:t>
-            </a:r>
-          </a:p>
-        </p:txBody>
-      </p:sp>
-      <p:sp>
-        <p:nvSpPr>
-          <p:cNvPr id="333" name="Shape 333"/>
-          <p:cNvSpPr txBox="1">
-            <a:spLocks noGrp="1"/>
-          </p:cNvSpPr>
-          <p:nvPr>
-            <p:ph type="body" idx="1"/>
-          </p:nvPr>
-        </p:nvSpPr>
-        <p:spPr>
-          <a:xfrm>
-            <a:off x="457200" y="1600200"/>
-            <a:ext cx="8229600" cy="4967700"/>
-          </a:xfrm>
-          <a:prstGeom prst="rect">
-            <a:avLst/>
-          </a:prstGeom>
-        </p:spPr>
-        <p:txBody>
-          <a:bodyPr lIns="91425" tIns="91425" rIns="91425" bIns="91425" anchor="t" anchorCtr="0">
-            <a:noAutofit/>
-          </a:bodyPr>
-          <a:lstStyle/>
-          <a:p>
-            <a:pPr marL="457200" lvl="0" indent="-419100" rtl="0">
-              <a:lnSpc>
-                <a:spcPct val="120000"/>
-              </a:lnSpc>
-              <a:spcBef>
-                <a:spcPts val="0"/>
-              </a:spcBef>
-              <a:buClr>
-                <a:schemeClr val="dk1"/>
-              </a:buClr>
-              <a:buSzPct val="100000"/>
-              <a:buFont typeface="Arial"/>
-              <a:buChar char="●"/>
-            </a:pPr>
-            <a:r>
-              <a:rPr lang="en" dirty="0"/>
-              <a:t>Create a </a:t>
-            </a:r>
-            <a:r>
-              <a:rPr lang="en" b="1" dirty="0"/>
-              <a:t>String</a:t>
-            </a:r>
-            <a:r>
-              <a:rPr lang="en" dirty="0"/>
-              <a:t> variable named </a:t>
-            </a:r>
-            <a:r>
-              <a:rPr lang="en" sz="2400" dirty="0">
-                <a:solidFill>
-                  <a:srgbClr val="0E72A4"/>
-                </a:solidFill>
-                <a:latin typeface="Menlo Regular"/>
-                <a:cs typeface="Menlo Regular"/>
-                <a:sym typeface="Courier New"/>
-              </a:rPr>
-              <a:t>old_string</a:t>
-            </a:r>
-            <a:r>
-              <a:rPr lang="en" dirty="0"/>
-              <a:t> and assign </a:t>
-            </a:r>
-            <a:r>
-              <a:rPr lang="en-US" dirty="0" smtClean="0"/>
-              <a:t>it </a:t>
-            </a:r>
-            <a:r>
-              <a:rPr lang="en" dirty="0" smtClean="0"/>
-              <a:t>the </a:t>
-            </a:r>
-            <a:r>
-              <a:rPr lang="en" dirty="0"/>
-              <a:t>value </a:t>
-            </a:r>
-            <a:r>
-              <a:rPr lang="en" dirty="0" smtClean="0"/>
-              <a:t>“Python is </a:t>
-            </a:r>
-            <a:r>
-              <a:rPr lang="en" dirty="0"/>
-              <a:t>cool"</a:t>
-            </a:r>
-          </a:p>
-          <a:p>
-            <a:pPr marL="457200" lvl="0" indent="-419100" rtl="0">
-              <a:lnSpc>
-                <a:spcPct val="120000"/>
-              </a:lnSpc>
-              <a:spcBef>
-                <a:spcPts val="0"/>
-              </a:spcBef>
-              <a:buClr>
-                <a:schemeClr val="dk1"/>
-              </a:buClr>
-              <a:buSzPct val="100000"/>
-              <a:buFont typeface="Arial"/>
-              <a:buChar char="●"/>
-            </a:pPr>
-            <a:r>
-              <a:rPr lang="en" dirty="0"/>
-              <a:t>Use String methods to modify the </a:t>
-            </a:r>
-            <a:r>
-              <a:rPr lang="en" sz="2400" dirty="0">
-                <a:solidFill>
-                  <a:srgbClr val="0E72A4"/>
-                </a:solidFill>
-                <a:latin typeface="Menlo Regular"/>
-                <a:cs typeface="Menlo Regular"/>
-                <a:sym typeface="Courier New"/>
-              </a:rPr>
-              <a:t>old_string</a:t>
-            </a:r>
-            <a:r>
-              <a:rPr lang="en" dirty="0"/>
-              <a:t> variable to that it is now </a:t>
-            </a:r>
-            <a:r>
-              <a:rPr lang="en" dirty="0" smtClean="0"/>
-              <a:t>“PYTHON IS COOL" </a:t>
-            </a:r>
-            <a:r>
-              <a:rPr lang="en" dirty="0"/>
-              <a:t>and assign it to another variable </a:t>
-            </a:r>
-            <a:r>
-              <a:rPr lang="en" dirty="0" smtClean="0"/>
-              <a:t>name</a:t>
-            </a:r>
-            <a:r>
-              <a:rPr lang="en-US" dirty="0" smtClean="0"/>
-              <a:t>d</a:t>
-            </a:r>
-            <a:r>
-              <a:rPr lang="en" dirty="0" smtClean="0"/>
-              <a:t> </a:t>
-            </a:r>
-            <a:r>
-              <a:rPr lang="en" sz="2400" dirty="0">
-                <a:solidFill>
-                  <a:srgbClr val="0E72A4"/>
-                </a:solidFill>
-                <a:latin typeface="Menlo Regular"/>
-                <a:cs typeface="Menlo Regular"/>
-                <a:sym typeface="Courier New"/>
-              </a:rPr>
-              <a:t>new_string</a:t>
-            </a:r>
-          </a:p>
-          <a:p>
-            <a:pPr marL="914400" lvl="1" indent="-381000" rtl="0">
-              <a:lnSpc>
-                <a:spcPct val="120000"/>
-              </a:lnSpc>
-              <a:spcBef>
-                <a:spcPts val="0"/>
-              </a:spcBef>
-              <a:buClr>
-                <a:schemeClr val="dk1"/>
-              </a:buClr>
-              <a:buSzPct val="80000"/>
-              <a:buFont typeface="Courier New"/>
-              <a:buChar char="o"/>
-            </a:pPr>
-            <a:r>
-              <a:rPr lang="en" b="1" dirty="0">
-                <a:latin typeface="Open Sans"/>
-                <a:ea typeface="Open Sans"/>
-                <a:cs typeface="Open Sans"/>
-              </a:rPr>
-              <a:t>Hint</a:t>
-            </a:r>
-            <a:r>
-              <a:rPr lang="en" dirty="0">
-                <a:latin typeface="Open Sans"/>
-                <a:ea typeface="Open Sans"/>
-                <a:cs typeface="Open Sans"/>
-              </a:rPr>
-              <a:t>: look at the String </a:t>
-            </a:r>
-            <a:r>
-              <a:rPr lang="en" dirty="0" smtClean="0">
-                <a:latin typeface="Open Sans"/>
-                <a:ea typeface="Open Sans"/>
-                <a:cs typeface="Open Sans"/>
-              </a:rPr>
-              <a:t>method "</a:t>
-            </a:r>
-            <a:r>
-              <a:rPr lang="en" dirty="0" smtClean="0">
-                <a:solidFill>
-                  <a:srgbClr val="0E72A4"/>
-                </a:solidFill>
-                <a:latin typeface="Menlo Regular"/>
-                <a:ea typeface="Open Sans"/>
-                <a:cs typeface="Menlo Regular"/>
-                <a:sym typeface="Courier New"/>
-              </a:rPr>
-              <a:t>upper</a:t>
-            </a:r>
-            <a:r>
-              <a:rPr lang="en" dirty="0" smtClean="0">
-                <a:latin typeface="Open Sans"/>
-                <a:ea typeface="Open Sans"/>
-                <a:cs typeface="Menlo Regular"/>
-              </a:rPr>
-              <a:t>”</a:t>
-            </a:r>
-            <a:endParaRPr lang="en" dirty="0">
-              <a:latin typeface="Open Sans"/>
-              <a:ea typeface="Open Sans"/>
-              <a:cs typeface="Open Sans"/>
-            </a:endParaRPr>
-          </a:p>
-          <a:p>
-            <a:pPr>
-              <a:spcBef>
-                <a:spcPts val="0"/>
-              </a:spcBef>
-              <a:buNone/>
-            </a:pPr>
-            <a:endParaRPr dirty="0"/>
-          </a:p>
-        </p:txBody>
-      </p:sp>
-    </p:spTree>
-  </p:cSld>
-  <p:clrMapOvr>
-    <a:masterClrMapping/>
-  </p:clrMapOvr>
-  <p:transition spd="slow">
-    <p:cut/>
-  </p:transition>
-  <p:timing>
-    <p:tnLst>
-      <p:par>
-        <p:cTn id="1" dur="indefinite" restart="never" nodeType="tmRoot"/>
+        <p:cTn xmlns:p14="http://schemas.microsoft.com/office/powerpoint/2010/main" id="1" dur="indefinite" restart="never" nodeType="tmRoot"/>
       </p:par>
     </p:tnLst>
   </p:timing>
@@ -28319,13 +29065,13 @@
   <p:clrMapOvr>
     <a:masterClrMapping/>
   </p:clrMapOvr>
-  <p:transition spd="slow">
+  <p:transition xmlns:p14="http://schemas.microsoft.com/office/powerpoint/2010/main" spd="slow">
     <p:cut/>
   </p:transition>
   <p:timing>
     <p:tnLst>
       <p:par>
-        <p:cTn id="1" dur="indefinite" restart="never" nodeType="tmRoot"/>
+        <p:cTn xmlns:p14="http://schemas.microsoft.com/office/powerpoint/2010/main" id="1" dur="indefinite" restart="never" nodeType="tmRoot"/>
       </p:par>
     </p:tnLst>
   </p:timing>
@@ -28333,6 +29079,316 @@
 </file>
 
 <file path=ppt/slides/slide60.xml><?xml version="1.0" encoding="utf-8"?>
+<p:sld xmlns:a="http://schemas.openxmlformats.org/drawingml/2006/main" xmlns:r="http://schemas.openxmlformats.org/officeDocument/2006/relationships" xmlns:p="http://schemas.openxmlformats.org/presentationml/2006/main">
+  <p:cSld>
+    <p:spTree>
+      <p:nvGrpSpPr>
+        <p:cNvPr id="1" name="Shape 331"/>
+        <p:cNvGrpSpPr/>
+        <p:nvPr/>
+      </p:nvGrpSpPr>
+      <p:grpSpPr>
+        <a:xfrm>
+          <a:off x="0" y="0"/>
+          <a:ext cx="0" cy="0"/>
+          <a:chOff x="0" y="0"/>
+          <a:chExt cx="0" cy="0"/>
+        </a:xfrm>
+      </p:grpSpPr>
+      <p:sp>
+        <p:nvSpPr>
+          <p:cNvPr id="332" name="Shape 332"/>
+          <p:cNvSpPr txBox="1">
+            <a:spLocks noGrp="1"/>
+          </p:cNvSpPr>
+          <p:nvPr>
+            <p:ph type="title"/>
+          </p:nvPr>
+        </p:nvSpPr>
+        <p:spPr>
+          <a:xfrm>
+            <a:off x="457200" y="274637"/>
+            <a:ext cx="8229600" cy="1143000"/>
+          </a:xfrm>
+          <a:prstGeom prst="rect">
+            <a:avLst/>
+          </a:prstGeom>
+        </p:spPr>
+        <p:txBody>
+          <a:bodyPr lIns="91425" tIns="91425" rIns="91425" bIns="91425" anchor="b" anchorCtr="0">
+            <a:noAutofit/>
+          </a:bodyPr>
+          <a:lstStyle/>
+          <a:p>
+            <a:pPr>
+              <a:spcBef>
+                <a:spcPts val="0"/>
+              </a:spcBef>
+              <a:buNone/>
+            </a:pPr>
+            <a:r>
+              <a:rPr lang="en" sz="6800" b="0" dirty="0">
+                <a:solidFill>
+                  <a:srgbClr val="FF0000"/>
+                </a:solidFill>
+                <a:latin typeface="Yanone Kaffeesatz Bold"/>
+                <a:ea typeface="Ubuntu"/>
+                <a:cs typeface="Yanone Kaffeesatz Bold"/>
+                <a:sym typeface="Ubuntu"/>
+              </a:rPr>
+              <a:t>Exercise</a:t>
+            </a:r>
+          </a:p>
+        </p:txBody>
+      </p:sp>
+      <p:sp>
+        <p:nvSpPr>
+          <p:cNvPr id="333" name="Shape 333"/>
+          <p:cNvSpPr txBox="1">
+            <a:spLocks noGrp="1"/>
+          </p:cNvSpPr>
+          <p:nvPr>
+            <p:ph type="body" idx="1"/>
+          </p:nvPr>
+        </p:nvSpPr>
+        <p:spPr>
+          <a:xfrm>
+            <a:off x="457200" y="1600200"/>
+            <a:ext cx="8229600" cy="4967700"/>
+          </a:xfrm>
+          <a:prstGeom prst="rect">
+            <a:avLst/>
+          </a:prstGeom>
+        </p:spPr>
+        <p:txBody>
+          <a:bodyPr lIns="91425" tIns="91425" rIns="91425" bIns="91425" anchor="t" anchorCtr="0">
+            <a:noAutofit/>
+          </a:bodyPr>
+          <a:lstStyle/>
+          <a:p>
+            <a:pPr marL="457200" lvl="0" indent="-419100" rtl="0">
+              <a:lnSpc>
+                <a:spcPct val="120000"/>
+              </a:lnSpc>
+              <a:spcBef>
+                <a:spcPts val="0"/>
+              </a:spcBef>
+              <a:buClr>
+                <a:schemeClr val="dk1"/>
+              </a:buClr>
+              <a:buSzPct val="100000"/>
+              <a:buFont typeface="Arial"/>
+              <a:buChar char="●"/>
+            </a:pPr>
+            <a:r>
+              <a:rPr lang="en" dirty="0"/>
+              <a:t>Create a </a:t>
+            </a:r>
+            <a:r>
+              <a:rPr lang="en" b="1" dirty="0"/>
+              <a:t>String</a:t>
+            </a:r>
+            <a:r>
+              <a:rPr lang="en" dirty="0"/>
+              <a:t> variable named </a:t>
+            </a:r>
+            <a:r>
+              <a:rPr lang="en" sz="2400" dirty="0">
+                <a:solidFill>
+                  <a:srgbClr val="0E72A4"/>
+                </a:solidFill>
+                <a:latin typeface="Menlo Regular"/>
+                <a:cs typeface="Menlo Regular"/>
+                <a:sym typeface="Courier New"/>
+              </a:rPr>
+              <a:t>old_string</a:t>
+            </a:r>
+            <a:r>
+              <a:rPr lang="en" dirty="0"/>
+              <a:t> and assign </a:t>
+            </a:r>
+            <a:r>
+              <a:rPr lang="en-US" dirty="0" smtClean="0"/>
+              <a:t>it </a:t>
+            </a:r>
+            <a:r>
+              <a:rPr lang="en" dirty="0" smtClean="0"/>
+              <a:t>the </a:t>
+            </a:r>
+            <a:r>
+              <a:rPr lang="en" dirty="0"/>
+              <a:t>value </a:t>
+            </a:r>
+            <a:r>
+              <a:rPr lang="en" dirty="0" smtClean="0"/>
+              <a:t>“Python is </a:t>
+            </a:r>
+            <a:r>
+              <a:rPr lang="en" dirty="0"/>
+              <a:t>cool"</a:t>
+            </a:r>
+          </a:p>
+          <a:p>
+            <a:pPr marL="457200" lvl="0" indent="-419100" rtl="0">
+              <a:lnSpc>
+                <a:spcPct val="120000"/>
+              </a:lnSpc>
+              <a:spcBef>
+                <a:spcPts val="0"/>
+              </a:spcBef>
+              <a:buClr>
+                <a:schemeClr val="dk1"/>
+              </a:buClr>
+              <a:buSzPct val="100000"/>
+              <a:buFont typeface="Arial"/>
+              <a:buChar char="●"/>
+            </a:pPr>
+            <a:r>
+              <a:rPr lang="en" dirty="0"/>
+              <a:t>Use String methods to modify the </a:t>
+            </a:r>
+            <a:r>
+              <a:rPr lang="en" sz="2400" dirty="0">
+                <a:solidFill>
+                  <a:srgbClr val="0E72A4"/>
+                </a:solidFill>
+                <a:latin typeface="Menlo Regular"/>
+                <a:cs typeface="Menlo Regular"/>
+                <a:sym typeface="Courier New"/>
+              </a:rPr>
+              <a:t>old_string</a:t>
+            </a:r>
+            <a:r>
+              <a:rPr lang="en" dirty="0"/>
+              <a:t> variable to that it is now </a:t>
+            </a:r>
+            <a:r>
+              <a:rPr lang="en" dirty="0" smtClean="0"/>
+              <a:t>“PYTHON IS COOL" </a:t>
+            </a:r>
+            <a:r>
+              <a:rPr lang="en" dirty="0"/>
+              <a:t>and assign it to another variable </a:t>
+            </a:r>
+            <a:r>
+              <a:rPr lang="en" dirty="0" smtClean="0"/>
+              <a:t>name</a:t>
+            </a:r>
+            <a:r>
+              <a:rPr lang="en-US" dirty="0" smtClean="0"/>
+              <a:t>d</a:t>
+            </a:r>
+            <a:r>
+              <a:rPr lang="en" dirty="0" smtClean="0"/>
+              <a:t> </a:t>
+            </a:r>
+            <a:r>
+              <a:rPr lang="en" sz="2400" dirty="0">
+                <a:solidFill>
+                  <a:srgbClr val="0E72A4"/>
+                </a:solidFill>
+                <a:latin typeface="Menlo Regular"/>
+                <a:cs typeface="Menlo Regular"/>
+                <a:sym typeface="Courier New"/>
+              </a:rPr>
+              <a:t>new_string</a:t>
+            </a:r>
+          </a:p>
+          <a:p>
+            <a:pPr marL="914400" lvl="1" indent="-381000" rtl="0">
+              <a:lnSpc>
+                <a:spcPct val="120000"/>
+              </a:lnSpc>
+              <a:spcBef>
+                <a:spcPts val="0"/>
+              </a:spcBef>
+              <a:buClr>
+                <a:schemeClr val="dk1"/>
+              </a:buClr>
+              <a:buSzPct val="80000"/>
+              <a:buFont typeface="Courier New"/>
+              <a:buChar char="o"/>
+            </a:pPr>
+            <a:r>
+              <a:rPr lang="en" b="1" dirty="0">
+                <a:latin typeface="Open Sans"/>
+                <a:ea typeface="Open Sans"/>
+                <a:cs typeface="Open Sans"/>
+              </a:rPr>
+              <a:t>Hint</a:t>
+            </a:r>
+            <a:r>
+              <a:rPr lang="en" dirty="0">
+                <a:latin typeface="Open Sans"/>
+                <a:ea typeface="Open Sans"/>
+                <a:cs typeface="Open Sans"/>
+              </a:rPr>
+              <a:t>: look at the String </a:t>
+            </a:r>
+            <a:r>
+              <a:rPr lang="en" dirty="0" smtClean="0">
+                <a:latin typeface="Open Sans"/>
+                <a:ea typeface="Open Sans"/>
+                <a:cs typeface="Open Sans"/>
+              </a:rPr>
+              <a:t>method "</a:t>
+            </a:r>
+            <a:r>
+              <a:rPr lang="en" dirty="0" smtClean="0">
+                <a:solidFill>
+                  <a:srgbClr val="0E72A4"/>
+                </a:solidFill>
+                <a:latin typeface="Menlo Regular"/>
+                <a:ea typeface="Open Sans"/>
+                <a:cs typeface="Menlo Regular"/>
+                <a:sym typeface="Courier New"/>
+              </a:rPr>
+              <a:t>upper</a:t>
+            </a:r>
+            <a:r>
+              <a:rPr lang="en" dirty="0" smtClean="0">
+                <a:latin typeface="Open Sans"/>
+                <a:ea typeface="Open Sans"/>
+                <a:cs typeface="Menlo Regular"/>
+              </a:rPr>
+              <a:t>”</a:t>
+            </a:r>
+            <a:endParaRPr lang="en" dirty="0">
+              <a:latin typeface="Open Sans"/>
+              <a:ea typeface="Open Sans"/>
+              <a:cs typeface="Open Sans"/>
+            </a:endParaRPr>
+          </a:p>
+          <a:p>
+            <a:pPr>
+              <a:spcBef>
+                <a:spcPts val="0"/>
+              </a:spcBef>
+              <a:buNone/>
+            </a:pPr>
+            <a:endParaRPr dirty="0"/>
+          </a:p>
+        </p:txBody>
+      </p:sp>
+    </p:spTree>
+  </p:cSld>
+  <p:clrMapOvr>
+    <a:masterClrMapping/>
+  </p:clrMapOvr>
+  <p:transition xmlns:p14="http://schemas.microsoft.com/office/powerpoint/2010/main" spd="slow">
+    <p:cut/>
+  </p:transition>
+  <p:timing>
+    <p:tnLst>
+      <p:par>
+        <p:cTn xmlns:p14="http://schemas.microsoft.com/office/powerpoint/2010/main" id="1" dur="indefinite" restart="never" nodeType="tmRoot"/>
+      </p:par>
+    </p:tnLst>
+  </p:timing>
+</p:sld>
+</file>
+
+<file path=ppt/slides/slide61.xml><?xml version="1.0" encoding="utf-8"?>
 <p:sld xmlns:a="http://schemas.openxmlformats.org/drawingml/2006/main" xmlns:r="http://schemas.openxmlformats.org/officeDocument/2006/relationships" xmlns:p="http://schemas.openxmlformats.org/presentationml/2006/main">
   <p:cSld>
     <p:spTree>
@@ -28703,13 +29759,13 @@
   <p:clrMapOvr>
     <a:masterClrMapping/>
   </p:clrMapOvr>
-  <p:transition spd="slow">
+  <p:transition xmlns:p14="http://schemas.microsoft.com/office/powerpoint/2010/main" spd="slow">
     <p:cut/>
   </p:transition>
 </p:sld>
 </file>
 
-<file path=ppt/slides/slide61.xml><?xml version="1.0" encoding="utf-8"?>
+<file path=ppt/slides/slide62.xml><?xml version="1.0" encoding="utf-8"?>
 <p:sld xmlns:a="http://schemas.openxmlformats.org/drawingml/2006/main" xmlns:r="http://schemas.openxmlformats.org/officeDocument/2006/relationships" xmlns:p="http://schemas.openxmlformats.org/presentationml/2006/main">
   <p:cSld>
     <p:spTree>
@@ -28928,13 +29984,13 @@
   <p:clrMapOvr>
     <a:masterClrMapping/>
   </p:clrMapOvr>
-  <p:transition spd="slow">
+  <p:transition xmlns:p14="http://schemas.microsoft.com/office/powerpoint/2010/main" spd="slow">
     <p:cut/>
   </p:transition>
 </p:sld>
 </file>
 
-<file path=ppt/slides/slide62.xml><?xml version="1.0" encoding="utf-8"?>
+<file path=ppt/slides/slide63.xml><?xml version="1.0" encoding="utf-8"?>
 <p:sld xmlns:a="http://schemas.openxmlformats.org/drawingml/2006/main" xmlns:r="http://schemas.openxmlformats.org/officeDocument/2006/relationships" xmlns:p="http://schemas.openxmlformats.org/presentationml/2006/main">
   <p:cSld>
     <p:spTree>
@@ -29078,13 +30134,13 @@
   <p:clrMapOvr>
     <a:masterClrMapping/>
   </p:clrMapOvr>
-  <p:transition spd="slow">
+  <p:transition xmlns:p14="http://schemas.microsoft.com/office/powerpoint/2010/main" spd="slow">
     <p:cut/>
   </p:transition>
 </p:sld>
 </file>
 
-<file path=ppt/slides/slide63.xml><?xml version="1.0" encoding="utf-8"?>
+<file path=ppt/slides/slide64.xml><?xml version="1.0" encoding="utf-8"?>
 <p:sld xmlns:a="http://schemas.openxmlformats.org/drawingml/2006/main" xmlns:r="http://schemas.openxmlformats.org/officeDocument/2006/relationships" xmlns:p="http://schemas.openxmlformats.org/presentationml/2006/main">
   <p:cSld>
     <p:spTree>
@@ -29193,7 +30249,7 @@
               <a:buChar char="●"/>
             </a:pPr>
             <a:r>
-              <a:rPr lang="en" sz="2400" dirty="0">
+              <a:rPr lang="en-US" sz="2400" dirty="0" smtClean="0">
                 <a:solidFill>
                   <a:srgbClr val="0E72A4"/>
                 </a:solidFill>
@@ -29201,10 +30257,54 @@
                 <a:cs typeface="Menlo Regular"/>
                 <a:sym typeface="courier new"/>
               </a:rPr>
-              <a:t>to_s</a:t>
-            </a:r>
-            <a:r>
-              <a:rPr lang="en" sz="2666" b="0" dirty="0">
+              <a:t> </a:t>
+            </a:r>
+            <a:r>
+              <a:rPr lang="en-US" sz="2400" dirty="0" err="1" smtClean="0">
+                <a:solidFill>
+                  <a:srgbClr val="0E72A4"/>
+                </a:solidFill>
+                <a:latin typeface="Menlo Regular"/>
+                <a:cs typeface="Menlo Regular"/>
+                <a:sym typeface="courier new"/>
+              </a:rPr>
+              <a:t>str</a:t>
+            </a:r>
+            <a:r>
+              <a:rPr lang="en-US" sz="2400" dirty="0" smtClean="0">
+                <a:solidFill>
+                  <a:srgbClr val="0E72A4"/>
+                </a:solidFill>
+                <a:latin typeface="Menlo Regular"/>
+                <a:cs typeface="Menlo Regular"/>
+                <a:sym typeface="courier new"/>
+              </a:rPr>
+              <a:t>(</a:t>
+            </a:r>
+            <a:r>
+              <a:rPr lang="en-US" sz="2400" dirty="0" err="1" smtClean="0">
+                <a:solidFill>
+                  <a:srgbClr val="0E72A4"/>
+                </a:solidFill>
+                <a:latin typeface="Menlo Regular"/>
+                <a:cs typeface="Menlo Regular"/>
+                <a:sym typeface="courier new"/>
+              </a:rPr>
+              <a:t>my_variable</a:t>
+            </a:r>
+            <a:r>
+              <a:rPr lang="en-US" sz="2400" dirty="0" smtClean="0">
+                <a:solidFill>
+                  <a:srgbClr val="0E72A4"/>
+                </a:solidFill>
+                <a:latin typeface="Menlo Regular"/>
+                <a:cs typeface="Menlo Regular"/>
+                <a:sym typeface="courier new"/>
+              </a:rPr>
+              <a:t>)</a:t>
+            </a:r>
+            <a:r>
+              <a:rPr lang="en" sz="2666" b="0" dirty="0" smtClean="0">
                 <a:solidFill>
                   <a:srgbClr val="000000"/>
                 </a:solidFill>
@@ -29247,7 +30347,7 @@
               <a:buChar char="●"/>
             </a:pPr>
             <a:r>
-              <a:rPr lang="en" sz="2400" dirty="0">
+              <a:rPr lang="en-US" sz="2400" dirty="0" smtClean="0">
                 <a:solidFill>
                   <a:srgbClr val="0E72A4"/>
                 </a:solidFill>
@@ -29255,22 +30355,54 @@
                 <a:cs typeface="Menlo Regular"/>
                 <a:sym typeface="courier new"/>
               </a:rPr>
-              <a:t>to_i</a:t>
-            </a:r>
-            <a:r>
-              <a:rPr lang="en" sz="2666" b="0" dirty="0">
-                <a:solidFill>
-                  <a:srgbClr val="000000"/>
-                </a:solidFill>
-                <a:latin typeface="trebuchet ms"/>
-                <a:ea typeface="trebuchet ms"/>
-                <a:cs typeface="trebuchet ms"/>
-                <a:sym typeface="trebuchet ms"/>
-              </a:rPr>
               <a:t> </a:t>
             </a:r>
             <a:r>
-              <a:rPr lang="en" sz="2666" b="0" dirty="0">
+              <a:rPr lang="en-US" sz="2400" dirty="0" err="1" smtClean="0">
+                <a:solidFill>
+                  <a:srgbClr val="0E72A4"/>
+                </a:solidFill>
+                <a:latin typeface="Menlo Regular"/>
+                <a:cs typeface="Menlo Regular"/>
+                <a:sym typeface="courier new"/>
+              </a:rPr>
+              <a:t>int</a:t>
+            </a:r>
+            <a:r>
+              <a:rPr lang="en-US" sz="2400" dirty="0" smtClean="0">
+                <a:solidFill>
+                  <a:srgbClr val="0E72A4"/>
+                </a:solidFill>
+                <a:latin typeface="Menlo Regular"/>
+                <a:cs typeface="Menlo Regular"/>
+                <a:sym typeface="courier new"/>
+              </a:rPr>
+              <a:t>(</a:t>
+            </a:r>
+            <a:r>
+              <a:rPr lang="en-US" sz="2400" dirty="0" err="1" smtClean="0">
+                <a:solidFill>
+                  <a:srgbClr val="0E72A4"/>
+                </a:solidFill>
+                <a:latin typeface="Menlo Regular"/>
+                <a:cs typeface="Menlo Regular"/>
+                <a:sym typeface="courier new"/>
+              </a:rPr>
+              <a:t>my_variable</a:t>
+            </a:r>
+            <a:r>
+              <a:rPr lang="en-US" sz="2400" dirty="0" smtClean="0">
+                <a:solidFill>
+                  <a:srgbClr val="0E72A4"/>
+                </a:solidFill>
+                <a:latin typeface="Menlo Regular"/>
+                <a:cs typeface="Menlo Regular"/>
+                <a:sym typeface="courier new"/>
+              </a:rPr>
+              <a:t>)  </a:t>
+            </a:r>
+            <a:r>
+              <a:rPr lang="en" sz="2666" b="0" dirty="0" smtClean="0">
                 <a:solidFill>
                   <a:srgbClr val="000000"/>
                 </a:solidFill>
@@ -29279,7 +30411,19 @@
                 <a:cs typeface="Open Sans"/>
                 <a:sym typeface="Open Sans"/>
               </a:rPr>
-              <a:t>(to integer)</a:t>
+              <a:t>(to </a:t>
+            </a:r>
+            <a:r>
+              <a:rPr lang="en" sz="2666" b="0" dirty="0">
+                <a:solidFill>
+                  <a:srgbClr val="000000"/>
+                </a:solidFill>
+                <a:latin typeface="Open Sans"/>
+                <a:ea typeface="Open Sans"/>
+                <a:cs typeface="Open Sans"/>
+                <a:sym typeface="Open Sans"/>
+              </a:rPr>
+              <a:t>integer)</a:t>
             </a:r>
           </a:p>
           <a:p>
@@ -29301,7 +30445,7 @@
               <a:buChar char="●"/>
             </a:pPr>
             <a:r>
-              <a:rPr lang="en" sz="2400" dirty="0">
+              <a:rPr lang="en-US" sz="2400" dirty="0" smtClean="0">
                 <a:solidFill>
                   <a:srgbClr val="0E72A4"/>
                 </a:solidFill>
@@ -29309,22 +30453,32 @@
                 <a:cs typeface="Menlo Regular"/>
                 <a:sym typeface="courier new"/>
               </a:rPr>
-              <a:t>to_f</a:t>
-            </a:r>
-            <a:r>
-              <a:rPr lang="en" sz="2666" b="0" dirty="0">
-                <a:solidFill>
-                  <a:srgbClr val="000000"/>
-                </a:solidFill>
-                <a:latin typeface="trebuchet ms"/>
-                <a:ea typeface="trebuchet ms"/>
-                <a:cs typeface="trebuchet ms"/>
-                <a:sym typeface="trebuchet ms"/>
-              </a:rPr>
-              <a:t> </a:t>
-            </a:r>
-            <a:r>
-              <a:rPr lang="en" sz="2666" b="0" dirty="0">
+              <a:t> float(</a:t>
+            </a:r>
+            <a:r>
+              <a:rPr lang="en-US" sz="2400" dirty="0" err="1" smtClean="0">
+                <a:solidFill>
+                  <a:srgbClr val="0E72A4"/>
+                </a:solidFill>
+                <a:latin typeface="Menlo Regular"/>
+                <a:cs typeface="Menlo Regular"/>
+                <a:sym typeface="courier new"/>
+              </a:rPr>
+              <a:t>my_variable</a:t>
+            </a:r>
+            <a:r>
+              <a:rPr lang="en-US" sz="2400" dirty="0" smtClean="0">
+                <a:solidFill>
+                  <a:srgbClr val="0E72A4"/>
+                </a:solidFill>
+                <a:latin typeface="Menlo Regular"/>
+                <a:cs typeface="Menlo Regular"/>
+                <a:sym typeface="courier new"/>
+              </a:rPr>
+              <a:t>) </a:t>
+            </a:r>
+            <a:r>
+              <a:rPr lang="en-US" sz="2666" b="0" dirty="0" smtClean="0">
                 <a:solidFill>
                   <a:srgbClr val="000000"/>
                 </a:solidFill>
@@ -29333,8 +30487,17 @@
                 <a:cs typeface="Open Sans"/>
                 <a:sym typeface="Open Sans"/>
               </a:rPr>
-              <a:t>(guesses?)</a:t>
-            </a:r>
+              <a:t>(float)</a:t>
+            </a:r>
+            <a:endParaRPr lang="en" sz="2666" b="0" dirty="0">
+              <a:solidFill>
+                <a:srgbClr val="000000"/>
+              </a:solidFill>
+              <a:latin typeface="Open Sans"/>
+              <a:ea typeface="Open Sans"/>
+              <a:cs typeface="Open Sans"/>
+              <a:sym typeface="Open Sans"/>
+            </a:endParaRPr>
           </a:p>
           <a:p>
             <a:pPr rtl="0">
@@ -29434,7 +30597,19 @@
               <a:t>&gt; </a:t>
             </a:r>
             <a:r>
-              <a:rPr lang="en" sz="2800" dirty="0">
+              <a:rPr lang="en-US" sz="2800" b="0" dirty="0" smtClean="0">
+                <a:solidFill>
+                  <a:srgbClr val="000000"/>
+                </a:solidFill>
+                <a:latin typeface="Menlo Regular"/>
+                <a:ea typeface="Menlo Regular"/>
+                <a:cs typeface="Menlo Regular"/>
+                <a:sym typeface="courier new"/>
+              </a:rPr>
+              <a:t>float(</a:t>
+            </a:r>
+            <a:r>
+              <a:rPr lang="en" sz="2800" dirty="0" smtClean="0">
                 <a:solidFill>
                   <a:srgbClr val="0E72A4"/>
                 </a:solidFill>
@@ -29442,8 +30617,27 @@
                 <a:cs typeface="Menlo Regular"/>
                 <a:sym typeface="courier new"/>
               </a:rPr>
-              <a:t>"3".to_f</a:t>
-            </a:r>
+              <a:t>"3"</a:t>
+            </a:r>
+            <a:r>
+              <a:rPr lang="en-US" sz="2800" dirty="0" smtClean="0">
+                <a:solidFill>
+                  <a:srgbClr val="0E72A4"/>
+                </a:solidFill>
+                <a:latin typeface="Menlo Regular"/>
+                <a:cs typeface="Menlo Regular"/>
+                <a:sym typeface="courier new"/>
+              </a:rPr>
+              <a:t>)</a:t>
+            </a:r>
+            <a:endParaRPr lang="en" sz="2800" dirty="0">
+              <a:solidFill>
+                <a:srgbClr val="0E72A4"/>
+              </a:solidFill>
+              <a:latin typeface="Menlo Regular"/>
+              <a:cs typeface="Menlo Regular"/>
+              <a:sym typeface="courier new"/>
+            </a:endParaRPr>
           </a:p>
           <a:p>
             <a:pPr rtl="0">
@@ -29515,13 +30709,13 @@
   <p:clrMapOvr>
     <a:masterClrMapping/>
   </p:clrMapOvr>
-  <p:transition spd="slow">
+  <p:transition xmlns:p14="http://schemas.microsoft.com/office/powerpoint/2010/main" spd="slow">
     <p:cut/>
   </p:transition>
 </p:sld>
 </file>
 
-<file path=ppt/slides/slide64.xml><?xml version="1.0" encoding="utf-8"?>
+<file path=ppt/slides/slide65.xml><?xml version="1.0" encoding="utf-8"?>
 <p:sld xmlns:a="http://schemas.openxmlformats.org/drawingml/2006/main" xmlns:r="http://schemas.openxmlformats.org/officeDocument/2006/relationships" xmlns:p="http://schemas.openxmlformats.org/presentationml/2006/main">
   <p:cSld>
     <p:spTree>
@@ -30119,7 +31313,31 @@
                 <a:cs typeface="Menlo Regular"/>
                 <a:sym typeface="courier new"/>
               </a:rPr>
-              <a:t>fruits.remove("lychee“)</a:t>
+              <a:t>fruits.remove("lychee</a:t>
+            </a:r>
+            <a:r>
+              <a:rPr lang="en-US" sz="2133" b="1" dirty="0" smtClean="0">
+                <a:solidFill>
+                  <a:srgbClr val="0B5394"/>
+                </a:solidFill>
+                <a:latin typeface="Menlo Regular"/>
+                <a:ea typeface="Menlo Regular"/>
+                <a:cs typeface="Menlo Regular"/>
+                <a:sym typeface="courier new"/>
+              </a:rPr>
+              <a:t>"</a:t>
+            </a:r>
+            <a:r>
+              <a:rPr lang="en" sz="2133" b="1" dirty="0" smtClean="0">
+                <a:solidFill>
+                  <a:srgbClr val="0B5394"/>
+                </a:solidFill>
+                <a:latin typeface="Menlo Regular"/>
+                <a:ea typeface="Menlo Regular"/>
+                <a:cs typeface="Menlo Regular"/>
+                <a:sym typeface="courier new"/>
+              </a:rPr>
+              <a:t>)</a:t>
             </a:r>
             <a:endParaRPr lang="en" sz="2133" b="1" dirty="0">
               <a:solidFill>
@@ -30216,13 +31434,13 @@
   <p:clrMapOvr>
     <a:masterClrMapping/>
   </p:clrMapOvr>
-  <p:transition spd="slow">
+  <p:transition xmlns:p14="http://schemas.microsoft.com/office/powerpoint/2010/main" spd="slow">
     <p:cut/>
   </p:transition>
 </p:sld>
 </file>
 
-<file path=ppt/slides/slide65.xml><?xml version="1.0" encoding="utf-8"?>
+<file path=ppt/slides/slide66.xml><?xml version="1.0" encoding="utf-8"?>
 <p:sld xmlns:a="http://schemas.openxmlformats.org/drawingml/2006/main" xmlns:r="http://schemas.openxmlformats.org/officeDocument/2006/relationships" xmlns:p="http://schemas.openxmlformats.org/presentationml/2006/main">
   <p:cSld>
     <p:spTree>
@@ -30463,13 +31681,13 @@
   <p:clrMapOvr>
     <a:masterClrMapping/>
   </p:clrMapOvr>
-  <p:transition spd="slow">
+  <p:transition xmlns:p14="http://schemas.microsoft.com/office/powerpoint/2010/main" spd="slow">
     <p:cut/>
   </p:transition>
 </p:sld>
 </file>
 
-<file path=ppt/slides/slide66.xml><?xml version="1.0" encoding="utf-8"?>
+<file path=ppt/slides/slide67.xml><?xml version="1.0" encoding="utf-8"?>
 <p:sld xmlns:a="http://schemas.openxmlformats.org/drawingml/2006/main" xmlns:r="http://schemas.openxmlformats.org/officeDocument/2006/relationships" xmlns:p="http://schemas.openxmlformats.org/presentationml/2006/main">
   <p:cSld>
     <p:spTree>
@@ -30641,7 +31859,7 @@
 </p:sld>
 </file>
 
-<file path=ppt/slides/slide67.xml><?xml version="1.0" encoding="utf-8"?>
+<file path=ppt/slides/slide68.xml><?xml version="1.0" encoding="utf-8"?>
 <p:sld xmlns:a="http://schemas.openxmlformats.org/drawingml/2006/main" xmlns:r="http://schemas.openxmlformats.org/officeDocument/2006/relationships" xmlns:p="http://schemas.openxmlformats.org/presentationml/2006/main">
   <p:cSld>
     <p:spTree>
@@ -31476,13 +32694,13 @@
   <p:clrMapOvr>
     <a:masterClrMapping/>
   </p:clrMapOvr>
-  <p:transition spd="slow">
+  <p:transition xmlns:p14="http://schemas.microsoft.com/office/powerpoint/2010/main" spd="slow">
     <p:cut/>
   </p:transition>
 </p:sld>
 </file>
 
-<file path=ppt/slides/slide68.xml><?xml version="1.0" encoding="utf-8"?>
+<file path=ppt/slides/slide69.xml><?xml version="1.0" encoding="utf-8"?>
 <p:sld xmlns:a="http://schemas.openxmlformats.org/drawingml/2006/main" xmlns:r="http://schemas.openxmlformats.org/officeDocument/2006/relationships" xmlns:p="http://schemas.openxmlformats.org/presentationml/2006/main">
   <p:cSld>
     <p:spTree>
@@ -31628,7 +32846,31 @@
                 <a:cs typeface="Menlo Regular"/>
                 <a:sym typeface="Courier New"/>
               </a:rPr>
-              <a:t>("Doctor Who“)</a:t>
+              <a:t>("Doctor Who</a:t>
+            </a:r>
+            <a:r>
+              <a:rPr lang="en-US" sz="2400" dirty="0" smtClean="0">
+                <a:solidFill>
+                  <a:srgbClr val="D20035"/>
+                </a:solidFill>
+                <a:latin typeface="Menlo Regular"/>
+                <a:ea typeface="Courier New"/>
+                <a:cs typeface="Menlo Regular"/>
+                <a:sym typeface="Courier New"/>
+              </a:rPr>
+              <a:t>"</a:t>
+            </a:r>
+            <a:r>
+              <a:rPr lang="en" sz="2400" dirty="0" smtClean="0">
+                <a:solidFill>
+                  <a:srgbClr val="D20035"/>
+                </a:solidFill>
+                <a:latin typeface="Menlo Regular"/>
+                <a:ea typeface="Courier New"/>
+                <a:cs typeface="Menlo Regular"/>
+                <a:sym typeface="Courier New"/>
+              </a:rPr>
+              <a:t>)</a:t>
             </a:r>
           </a:p>
           <a:p>
@@ -32023,313 +33265,7 @@
   <p:clrMapOvr>
     <a:masterClrMapping/>
   </p:clrMapOvr>
-  <p:transition spd="slow">
-    <p:cut/>
-  </p:transition>
-</p:sld>
-</file>
-
-<file path=ppt/slides/slide69.xml><?xml version="1.0" encoding="utf-8"?>
-<p:sld xmlns:a="http://schemas.openxmlformats.org/drawingml/2006/main" xmlns:r="http://schemas.openxmlformats.org/officeDocument/2006/relationships" xmlns:p="http://schemas.openxmlformats.org/presentationml/2006/main">
-  <p:cSld>
-    <p:spTree>
-      <p:nvGrpSpPr>
-        <p:cNvPr id="1" name="Shape 385"/>
-        <p:cNvGrpSpPr/>
-        <p:nvPr/>
-      </p:nvGrpSpPr>
-      <p:grpSpPr>
-        <a:xfrm>
-          <a:off x="0" y="0"/>
-          <a:ext cx="0" cy="0"/>
-          <a:chOff x="0" y="0"/>
-          <a:chExt cx="0" cy="0"/>
-        </a:xfrm>
-      </p:grpSpPr>
-      <p:sp>
-        <p:nvSpPr>
-          <p:cNvPr id="386" name="Shape 386"/>
-          <p:cNvSpPr txBox="1">
-            <a:spLocks noGrp="1"/>
-          </p:cNvSpPr>
-          <p:nvPr>
-            <p:ph type="title"/>
-          </p:nvPr>
-        </p:nvSpPr>
-        <p:spPr>
-          <a:xfrm>
-            <a:off x="457200" y="274637"/>
-            <a:ext cx="8229600" cy="1143000"/>
-          </a:xfrm>
-          <a:prstGeom prst="rect">
-            <a:avLst/>
-          </a:prstGeom>
-        </p:spPr>
-        <p:txBody>
-          <a:bodyPr lIns="91425" tIns="91425" rIns="91425" bIns="91425" anchor="b" anchorCtr="0">
-            <a:noAutofit/>
-          </a:bodyPr>
-          <a:lstStyle/>
-          <a:p>
-            <a:pPr>
-              <a:spcBef>
-                <a:spcPts val="0"/>
-              </a:spcBef>
-              <a:buNone/>
-            </a:pPr>
-            <a:r>
-              <a:rPr lang="en" sz="6800" b="0" dirty="0">
-                <a:solidFill>
-                  <a:srgbClr val="FF0000"/>
-                </a:solidFill>
-                <a:latin typeface="Yanone Kaffeesatz Bold"/>
-                <a:ea typeface="Ubuntu"/>
-                <a:cs typeface="Yanone Kaffeesatz Bold"/>
-              </a:rPr>
-              <a:t>Code </a:t>
-            </a:r>
-            <a:r>
-              <a:rPr lang="en-US" sz="6800" b="0" dirty="0" smtClean="0">
-                <a:solidFill>
-                  <a:srgbClr val="FF0000"/>
-                </a:solidFill>
-                <a:latin typeface="Yanone Kaffeesatz Bold"/>
-                <a:ea typeface="Ubuntu"/>
-                <a:cs typeface="Yanone Kaffeesatz Bold"/>
-              </a:rPr>
-              <a:t>Exercise </a:t>
-            </a:r>
-            <a:r>
-              <a:rPr lang="en" sz="6800" b="0" dirty="0" smtClean="0">
-                <a:solidFill>
-                  <a:srgbClr val="FF0000"/>
-                </a:solidFill>
-                <a:latin typeface="Yanone Kaffeesatz Bold"/>
-                <a:ea typeface="Ubuntu"/>
-                <a:cs typeface="Yanone Kaffeesatz Bold"/>
-              </a:rPr>
-              <a:t>1</a:t>
-            </a:r>
-            <a:endParaRPr lang="en" sz="6800" b="0" dirty="0">
-              <a:solidFill>
-                <a:srgbClr val="FF0000"/>
-              </a:solidFill>
-              <a:latin typeface="Yanone Kaffeesatz Bold"/>
-              <a:ea typeface="Ubuntu"/>
-              <a:cs typeface="Yanone Kaffeesatz Bold"/>
-            </a:endParaRPr>
-          </a:p>
-        </p:txBody>
-      </p:sp>
-      <p:sp>
-        <p:nvSpPr>
-          <p:cNvPr id="387" name="Shape 387"/>
-          <p:cNvSpPr txBox="1">
-            <a:spLocks noGrp="1"/>
-          </p:cNvSpPr>
-          <p:nvPr>
-            <p:ph type="body" idx="1"/>
-          </p:nvPr>
-        </p:nvSpPr>
-        <p:spPr>
-          <a:xfrm>
-            <a:off x="457200" y="1600200"/>
-            <a:ext cx="8229600" cy="4967700"/>
-          </a:xfrm>
-          <a:prstGeom prst="rect">
-            <a:avLst/>
-          </a:prstGeom>
-        </p:spPr>
-        <p:txBody>
-          <a:bodyPr lIns="91425" tIns="91425" rIns="91425" bIns="91425" anchor="t" anchorCtr="0">
-            <a:noAutofit/>
-          </a:bodyPr>
-          <a:lstStyle/>
-          <a:p>
-            <a:pPr lvl="0" rtl="0">
-              <a:spcBef>
-                <a:spcPts val="0"/>
-              </a:spcBef>
-              <a:buNone/>
-            </a:pPr>
-            <a:r>
-              <a:rPr lang="en" sz="2400" dirty="0">
-                <a:solidFill>
-                  <a:srgbClr val="000000"/>
-                </a:solidFill>
-              </a:rPr>
-              <a:t>Store your street address, city, state, and zip code in variables (or even better, a </a:t>
-            </a:r>
-            <a:r>
-              <a:rPr lang="en" sz="2400" dirty="0" smtClean="0">
-                <a:solidFill>
-                  <a:srgbClr val="000000"/>
-                </a:solidFill>
-              </a:rPr>
-              <a:t>dictionary!), </a:t>
-            </a:r>
-            <a:r>
-              <a:rPr lang="en" sz="2400" dirty="0">
-                <a:solidFill>
-                  <a:srgbClr val="000000"/>
-                </a:solidFill>
-              </a:rPr>
-              <a:t>then print them in the usual format:</a:t>
-            </a:r>
-          </a:p>
-          <a:p>
-            <a:pPr lvl="0" rtl="0">
-              <a:spcBef>
-                <a:spcPts val="0"/>
-              </a:spcBef>
-              <a:buNone/>
-            </a:pPr>
-            <a:endParaRPr sz="2400" dirty="0">
-              <a:solidFill>
-                <a:schemeClr val="bg2">
-                  <a:lumMod val="50000"/>
-                </a:schemeClr>
-              </a:solidFill>
-            </a:endParaRPr>
-          </a:p>
-          <a:p>
-            <a:pPr lvl="0" rtl="0">
-              <a:spcBef>
-                <a:spcPts val="0"/>
-              </a:spcBef>
-              <a:buNone/>
-            </a:pPr>
-            <a:r>
-              <a:rPr lang="en-US" sz="2400" dirty="0" smtClean="0">
-                <a:solidFill>
-                  <a:schemeClr val="bg2">
-                    <a:lumMod val="50000"/>
-                  </a:schemeClr>
-                </a:solidFill>
-                <a:latin typeface="Menlo Regular"/>
-                <a:ea typeface="Courier New"/>
-                <a:cs typeface="Menlo Regular"/>
-                <a:sym typeface="Courier New"/>
-              </a:rPr>
-              <a:t>Brandon Walsh</a:t>
-            </a:r>
-            <a:endParaRPr lang="en" sz="2400" dirty="0">
-              <a:solidFill>
-                <a:schemeClr val="bg2">
-                  <a:lumMod val="50000"/>
-                </a:schemeClr>
-              </a:solidFill>
-              <a:latin typeface="Menlo Regular"/>
-              <a:ea typeface="Courier New"/>
-              <a:cs typeface="Menlo Regular"/>
-              <a:sym typeface="Courier New"/>
-            </a:endParaRPr>
-          </a:p>
-          <a:p>
-            <a:pPr lvl="0" rtl="0">
-              <a:spcBef>
-                <a:spcPts val="0"/>
-              </a:spcBef>
-              <a:buNone/>
-            </a:pPr>
-            <a:r>
-              <a:rPr lang="en" sz="2400" dirty="0">
-                <a:solidFill>
-                  <a:schemeClr val="bg2">
-                    <a:lumMod val="50000"/>
-                  </a:schemeClr>
-                </a:solidFill>
-                <a:latin typeface="Menlo Regular"/>
-                <a:ea typeface="Courier New"/>
-                <a:cs typeface="Menlo Regular"/>
-                <a:sym typeface="Courier New"/>
-              </a:rPr>
-              <a:t>123 My Street</a:t>
-            </a:r>
-          </a:p>
-          <a:p>
-            <a:pPr>
-              <a:spcBef>
-                <a:spcPts val="0"/>
-              </a:spcBef>
-              <a:buNone/>
-            </a:pPr>
-            <a:r>
-              <a:rPr lang="en-US" sz="2400" dirty="0" smtClean="0">
-                <a:solidFill>
-                  <a:schemeClr val="bg2">
-                    <a:lumMod val="50000"/>
-                  </a:schemeClr>
-                </a:solidFill>
-                <a:latin typeface="Menlo Regular"/>
-                <a:ea typeface="Courier New"/>
-                <a:cs typeface="Menlo Regular"/>
-                <a:sym typeface="Courier New"/>
-              </a:rPr>
-              <a:t>Charlottesville</a:t>
-            </a:r>
-            <a:r>
-              <a:rPr lang="en" sz="2400" dirty="0" smtClean="0">
-                <a:solidFill>
-                  <a:schemeClr val="bg2">
-                    <a:lumMod val="50000"/>
-                  </a:schemeClr>
-                </a:solidFill>
-                <a:latin typeface="Menlo Regular"/>
-                <a:ea typeface="Courier New"/>
-                <a:cs typeface="Menlo Regular"/>
-                <a:sym typeface="Courier New"/>
-              </a:rPr>
-              <a:t>, </a:t>
-            </a:r>
-            <a:r>
-              <a:rPr lang="en" sz="2400" dirty="0">
-                <a:solidFill>
-                  <a:schemeClr val="bg2">
-                    <a:lumMod val="50000"/>
-                  </a:schemeClr>
-                </a:solidFill>
-                <a:latin typeface="Menlo Regular"/>
-                <a:ea typeface="Courier New"/>
-                <a:cs typeface="Menlo Regular"/>
-                <a:sym typeface="Courier New"/>
-              </a:rPr>
-              <a:t>VA </a:t>
-            </a:r>
-            <a:r>
-              <a:rPr lang="en-US" sz="2400" dirty="0" smtClean="0">
-                <a:solidFill>
-                  <a:schemeClr val="bg2">
-                    <a:lumMod val="50000"/>
-                  </a:schemeClr>
-                </a:solidFill>
-                <a:latin typeface="Menlo Regular"/>
-                <a:ea typeface="Courier New"/>
-                <a:cs typeface="Menlo Regular"/>
-                <a:sym typeface="Courier New"/>
-              </a:rPr>
-              <a:t>22903</a:t>
-            </a:r>
-            <a:endParaRPr lang="en" sz="2400" dirty="0">
-              <a:solidFill>
-                <a:schemeClr val="bg2">
-                  <a:lumMod val="50000"/>
-                </a:schemeClr>
-              </a:solidFill>
-              <a:latin typeface="Menlo Regular"/>
-              <a:ea typeface="Courier New"/>
-              <a:cs typeface="Menlo Regular"/>
-              <a:sym typeface="Courier New"/>
-            </a:endParaRPr>
-          </a:p>
-        </p:txBody>
-      </p:sp>
-    </p:spTree>
-  </p:cSld>
-  <p:clrMapOvr>
-    <a:masterClrMapping/>
-  </p:clrMapOvr>
-  <p:transition spd="slow">
+  <p:transition xmlns:p14="http://schemas.microsoft.com/office/powerpoint/2010/main" spd="slow">
     <p:cut/>
   </p:transition>
 </p:sld>
@@ -32610,13 +33546,13 @@
   <p:clrMapOvr>
     <a:masterClrMapping/>
   </p:clrMapOvr>
-  <p:transition spd="slow">
+  <p:transition xmlns:p14="http://schemas.microsoft.com/office/powerpoint/2010/main" spd="slow">
     <p:cut/>
   </p:transition>
   <p:timing>
     <p:tnLst>
       <p:par>
-        <p:cTn id="1" dur="indefinite" restart="never" nodeType="tmRoot"/>
+        <p:cTn xmlns:p14="http://schemas.microsoft.com/office/powerpoint/2010/main" id="1" dur="indefinite" restart="never" nodeType="tmRoot"/>
       </p:par>
     </p:tnLst>
   </p:timing>
@@ -32624,6 +33560,312 @@
 </file>
 
 <file path=ppt/slides/slide70.xml><?xml version="1.0" encoding="utf-8"?>
+<p:sld xmlns:a="http://schemas.openxmlformats.org/drawingml/2006/main" xmlns:r="http://schemas.openxmlformats.org/officeDocument/2006/relationships" xmlns:p="http://schemas.openxmlformats.org/presentationml/2006/main">
+  <p:cSld>
+    <p:spTree>
+      <p:nvGrpSpPr>
+        <p:cNvPr id="1" name="Shape 385"/>
+        <p:cNvGrpSpPr/>
+        <p:nvPr/>
+      </p:nvGrpSpPr>
+      <p:grpSpPr>
+        <a:xfrm>
+          <a:off x="0" y="0"/>
+          <a:ext cx="0" cy="0"/>
+          <a:chOff x="0" y="0"/>
+          <a:chExt cx="0" cy="0"/>
+        </a:xfrm>
+      </p:grpSpPr>
+      <p:sp>
+        <p:nvSpPr>
+          <p:cNvPr id="386" name="Shape 386"/>
+          <p:cNvSpPr txBox="1">
+            <a:spLocks noGrp="1"/>
+          </p:cNvSpPr>
+          <p:nvPr>
+            <p:ph type="title"/>
+          </p:nvPr>
+        </p:nvSpPr>
+        <p:spPr>
+          <a:xfrm>
+            <a:off x="457200" y="274637"/>
+            <a:ext cx="8229600" cy="1143000"/>
+          </a:xfrm>
+          <a:prstGeom prst="rect">
+            <a:avLst/>
+          </a:prstGeom>
+        </p:spPr>
+        <p:txBody>
+          <a:bodyPr lIns="91425" tIns="91425" rIns="91425" bIns="91425" anchor="b" anchorCtr="0">
+            <a:noAutofit/>
+          </a:bodyPr>
+          <a:lstStyle/>
+          <a:p>
+            <a:pPr>
+              <a:spcBef>
+                <a:spcPts val="0"/>
+              </a:spcBef>
+              <a:buNone/>
+            </a:pPr>
+            <a:r>
+              <a:rPr lang="en" sz="6800" b="0" dirty="0">
+                <a:solidFill>
+                  <a:srgbClr val="FF0000"/>
+                </a:solidFill>
+                <a:latin typeface="Yanone Kaffeesatz Bold"/>
+                <a:ea typeface="Ubuntu"/>
+                <a:cs typeface="Yanone Kaffeesatz Bold"/>
+              </a:rPr>
+              <a:t>Code </a:t>
+            </a:r>
+            <a:r>
+              <a:rPr lang="en-US" sz="6800" b="0" dirty="0" smtClean="0">
+                <a:solidFill>
+                  <a:srgbClr val="FF0000"/>
+                </a:solidFill>
+                <a:latin typeface="Yanone Kaffeesatz Bold"/>
+                <a:ea typeface="Ubuntu"/>
+                <a:cs typeface="Yanone Kaffeesatz Bold"/>
+              </a:rPr>
+              <a:t>Exercise </a:t>
+            </a:r>
+            <a:r>
+              <a:rPr lang="en" sz="6800" b="0" dirty="0" smtClean="0">
+                <a:solidFill>
+                  <a:srgbClr val="FF0000"/>
+                </a:solidFill>
+                <a:latin typeface="Yanone Kaffeesatz Bold"/>
+                <a:ea typeface="Ubuntu"/>
+                <a:cs typeface="Yanone Kaffeesatz Bold"/>
+              </a:rPr>
+              <a:t>1</a:t>
+            </a:r>
+            <a:endParaRPr lang="en" sz="6800" b="0" dirty="0">
+              <a:solidFill>
+                <a:srgbClr val="FF0000"/>
+              </a:solidFill>
+              <a:latin typeface="Yanone Kaffeesatz Bold"/>
+              <a:ea typeface="Ubuntu"/>
+              <a:cs typeface="Yanone Kaffeesatz Bold"/>
+            </a:endParaRPr>
+          </a:p>
+        </p:txBody>
+      </p:sp>
+      <p:sp>
+        <p:nvSpPr>
+          <p:cNvPr id="387" name="Shape 387"/>
+          <p:cNvSpPr txBox="1">
+            <a:spLocks noGrp="1"/>
+          </p:cNvSpPr>
+          <p:nvPr>
+            <p:ph type="body" idx="1"/>
+          </p:nvPr>
+        </p:nvSpPr>
+        <p:spPr>
+          <a:xfrm>
+            <a:off x="457200" y="1600200"/>
+            <a:ext cx="8229600" cy="4967700"/>
+          </a:xfrm>
+          <a:prstGeom prst="rect">
+            <a:avLst/>
+          </a:prstGeom>
+        </p:spPr>
+        <p:txBody>
+          <a:bodyPr lIns="91425" tIns="91425" rIns="91425" bIns="91425" anchor="t" anchorCtr="0">
+            <a:noAutofit/>
+          </a:bodyPr>
+          <a:lstStyle/>
+          <a:p>
+            <a:pPr lvl="0" rtl="0">
+              <a:spcBef>
+                <a:spcPts val="0"/>
+              </a:spcBef>
+              <a:buNone/>
+            </a:pPr>
+            <a:r>
+              <a:rPr lang="en" sz="2400" dirty="0">
+                <a:solidFill>
+                  <a:srgbClr val="000000"/>
+                </a:solidFill>
+              </a:rPr>
+              <a:t>Store your street address, city, state, and zip code in variables (or even better, a </a:t>
+            </a:r>
+            <a:r>
+              <a:rPr lang="en" sz="2400" dirty="0" smtClean="0">
+                <a:solidFill>
+                  <a:srgbClr val="000000"/>
+                </a:solidFill>
+              </a:rPr>
+              <a:t>dictionary!), </a:t>
+            </a:r>
+            <a:r>
+              <a:rPr lang="en" sz="2400" dirty="0">
+                <a:solidFill>
+                  <a:srgbClr val="000000"/>
+                </a:solidFill>
+              </a:rPr>
+              <a:t>then print them in the usual format:</a:t>
+            </a:r>
+          </a:p>
+          <a:p>
+            <a:pPr lvl="0" rtl="0">
+              <a:spcBef>
+                <a:spcPts val="0"/>
+              </a:spcBef>
+              <a:buNone/>
+            </a:pPr>
+            <a:endParaRPr sz="2400" dirty="0">
+              <a:solidFill>
+                <a:schemeClr val="bg2">
+                  <a:lumMod val="50000"/>
+                </a:schemeClr>
+              </a:solidFill>
+            </a:endParaRPr>
+          </a:p>
+          <a:p>
+            <a:pPr lvl="0" rtl="0">
+              <a:spcBef>
+                <a:spcPts val="0"/>
+              </a:spcBef>
+              <a:buNone/>
+            </a:pPr>
+            <a:r>
+              <a:rPr lang="en-US" sz="2400" dirty="0" smtClean="0">
+                <a:solidFill>
+                  <a:schemeClr val="bg2">
+                    <a:lumMod val="50000"/>
+                  </a:schemeClr>
+                </a:solidFill>
+                <a:latin typeface="Menlo Regular"/>
+                <a:ea typeface="Courier New"/>
+                <a:cs typeface="Menlo Regular"/>
+                <a:sym typeface="Courier New"/>
+              </a:rPr>
+              <a:t>Brandon Walsh</a:t>
+            </a:r>
+            <a:endParaRPr lang="en" sz="2400" dirty="0">
+              <a:solidFill>
+                <a:schemeClr val="bg2">
+                  <a:lumMod val="50000"/>
+                </a:schemeClr>
+              </a:solidFill>
+              <a:latin typeface="Menlo Regular"/>
+              <a:ea typeface="Courier New"/>
+              <a:cs typeface="Menlo Regular"/>
+              <a:sym typeface="Courier New"/>
+            </a:endParaRPr>
+          </a:p>
+          <a:p>
+            <a:pPr lvl="0" rtl="0">
+              <a:spcBef>
+                <a:spcPts val="0"/>
+              </a:spcBef>
+              <a:buNone/>
+            </a:pPr>
+            <a:r>
+              <a:rPr lang="en" sz="2400" dirty="0">
+                <a:solidFill>
+                  <a:schemeClr val="bg2">
+                    <a:lumMod val="50000"/>
+                  </a:schemeClr>
+                </a:solidFill>
+                <a:latin typeface="Menlo Regular"/>
+                <a:ea typeface="Courier New"/>
+                <a:cs typeface="Menlo Regular"/>
+                <a:sym typeface="Courier New"/>
+              </a:rPr>
+              <a:t>123 My Street</a:t>
+            </a:r>
+          </a:p>
+          <a:p>
+            <a:pPr>
+              <a:spcBef>
+                <a:spcPts val="0"/>
+              </a:spcBef>
+              <a:buNone/>
+            </a:pPr>
+            <a:r>
+              <a:rPr lang="en-US" sz="2400" dirty="0" smtClean="0">
+                <a:solidFill>
+                  <a:schemeClr val="bg2">
+                    <a:lumMod val="50000"/>
+                  </a:schemeClr>
+                </a:solidFill>
+                <a:latin typeface="Menlo Regular"/>
+                <a:ea typeface="Courier New"/>
+                <a:cs typeface="Menlo Regular"/>
+                <a:sym typeface="Courier New"/>
+              </a:rPr>
+              <a:t>Charlottesville</a:t>
+            </a:r>
+            <a:r>
+              <a:rPr lang="en" sz="2400" dirty="0" smtClean="0">
+                <a:solidFill>
+                  <a:schemeClr val="bg2">
+                    <a:lumMod val="50000"/>
+                  </a:schemeClr>
+                </a:solidFill>
+                <a:latin typeface="Menlo Regular"/>
+                <a:ea typeface="Courier New"/>
+                <a:cs typeface="Menlo Regular"/>
+                <a:sym typeface="Courier New"/>
+              </a:rPr>
+              <a:t>, </a:t>
+            </a:r>
+            <a:r>
+              <a:rPr lang="en" sz="2400" dirty="0">
+                <a:solidFill>
+                  <a:schemeClr val="bg2">
+                    <a:lumMod val="50000"/>
+                  </a:schemeClr>
+                </a:solidFill>
+                <a:latin typeface="Menlo Regular"/>
+                <a:ea typeface="Courier New"/>
+                <a:cs typeface="Menlo Regular"/>
+                <a:sym typeface="Courier New"/>
+              </a:rPr>
+              <a:t>VA </a:t>
+            </a:r>
+            <a:r>
+              <a:rPr lang="en-US" sz="2400" dirty="0" smtClean="0">
+                <a:solidFill>
+                  <a:schemeClr val="bg2">
+                    <a:lumMod val="50000"/>
+                  </a:schemeClr>
+                </a:solidFill>
+                <a:latin typeface="Menlo Regular"/>
+                <a:ea typeface="Courier New"/>
+                <a:cs typeface="Menlo Regular"/>
+                <a:sym typeface="Courier New"/>
+              </a:rPr>
+              <a:t>22903</a:t>
+            </a:r>
+            <a:endParaRPr lang="en" sz="2400" dirty="0">
+              <a:solidFill>
+                <a:schemeClr val="bg2">
+                  <a:lumMod val="50000"/>
+                </a:schemeClr>
+              </a:solidFill>
+              <a:latin typeface="Menlo Regular"/>
+              <a:ea typeface="Courier New"/>
+              <a:cs typeface="Menlo Regular"/>
+              <a:sym typeface="Courier New"/>
+            </a:endParaRPr>
+          </a:p>
+        </p:txBody>
+      </p:sp>
+    </p:spTree>
+  </p:cSld>
+  <p:clrMapOvr>
+    <a:masterClrMapping/>
+  </p:clrMapOvr>
+  <p:transition xmlns:p14="http://schemas.microsoft.com/office/powerpoint/2010/main" spd="slow">
+    <p:cut/>
+  </p:transition>
+</p:sld>
+</file>
+
+<file path=ppt/slides/slide71.xml><?xml version="1.0" encoding="utf-8"?>
 <p:sld xmlns:a="http://schemas.openxmlformats.org/drawingml/2006/main" xmlns:r="http://schemas.openxmlformats.org/officeDocument/2006/relationships" xmlns:p="http://schemas.openxmlformats.org/presentationml/2006/main">
   <p:cSld>
     <p:spTree>
@@ -32766,7 +34008,19 @@
                 <a:cs typeface="Menlo Regular"/>
                 <a:sym typeface="Courier New"/>
               </a:rPr>
-              <a:t>'name‘</a:t>
+              <a:t>'name</a:t>
+            </a:r>
+            <a:r>
+              <a:rPr lang="en-US" sz="2200" dirty="0" smtClean="0">
+                <a:solidFill>
+                  <a:srgbClr val="D20035"/>
+                </a:solidFill>
+                <a:latin typeface="Menlo Regular"/>
+                <a:ea typeface="Courier New"/>
+                <a:cs typeface="Menlo Regular"/>
+                <a:sym typeface="Courier New"/>
+              </a:rPr>
+              <a:t>'</a:t>
             </a:r>
             <a:r>
               <a:rPr lang="en" sz="2200" dirty="0" smtClean="0">
@@ -32778,7 +34032,19 @@
                 <a:cs typeface="Menlo Regular"/>
                 <a:sym typeface="Courier New"/>
               </a:rPr>
-              <a:t>: ‘</a:t>
+              <a:t>: </a:t>
+            </a:r>
+            <a:r>
+              <a:rPr lang="en-US" sz="2200" dirty="0">
+                <a:solidFill>
+                  <a:srgbClr val="000000"/>
+                </a:solidFill>
+                <a:latin typeface="Menlo Regular"/>
+                <a:ea typeface="Courier New"/>
+                <a:cs typeface="Menlo Regular"/>
+                <a:sym typeface="Courier New"/>
+              </a:rPr>
+              <a:t>'</a:t>
             </a:r>
             <a:r>
               <a:rPr lang="en-US" sz="2200" dirty="0" smtClean="0">
@@ -32855,7 +34121,19 @@
                 <a:cs typeface="Menlo Regular"/>
                 <a:sym typeface="Courier New"/>
               </a:rPr>
-              <a:t>'street‘</a:t>
+              <a:t>'street</a:t>
+            </a:r>
+            <a:r>
+              <a:rPr lang="en-US" sz="2200" dirty="0">
+                <a:solidFill>
+                  <a:srgbClr val="D20035"/>
+                </a:solidFill>
+                <a:latin typeface="Menlo Regular"/>
+                <a:ea typeface="Courier New"/>
+                <a:cs typeface="Menlo Regular"/>
+                <a:sym typeface="Courier New"/>
+              </a:rPr>
+              <a:t>'</a:t>
             </a:r>
             <a:r>
               <a:rPr lang="en" sz="2200" dirty="0" smtClean="0">
@@ -32923,7 +34201,19 @@
                 <a:cs typeface="Menlo Regular"/>
                 <a:sym typeface="Courier New"/>
               </a:rPr>
-              <a:t>'city‘</a:t>
+              <a:t>'city</a:t>
+            </a:r>
+            <a:r>
+              <a:rPr lang="en-US" sz="2200" dirty="0" smtClean="0">
+                <a:solidFill>
+                  <a:srgbClr val="D20035"/>
+                </a:solidFill>
+                <a:latin typeface="Menlo Regular"/>
+                <a:ea typeface="Courier New"/>
+                <a:cs typeface="Menlo Regular"/>
+                <a:sym typeface="Courier New"/>
+              </a:rPr>
+              <a:t>'</a:t>
             </a:r>
             <a:r>
               <a:rPr lang="en" sz="2200" dirty="0" smtClean="0">
@@ -33012,7 +34302,19 @@
                 <a:cs typeface="Menlo Regular"/>
                 <a:sym typeface="Courier New"/>
               </a:rPr>
-              <a:t>'state‘</a:t>
+              <a:t>'state</a:t>
+            </a:r>
+            <a:r>
+              <a:rPr lang="en-US" sz="2200" dirty="0" smtClean="0">
+                <a:solidFill>
+                  <a:srgbClr val="D20035"/>
+                </a:solidFill>
+                <a:latin typeface="Menlo Regular"/>
+                <a:ea typeface="Courier New"/>
+                <a:cs typeface="Menlo Regular"/>
+                <a:sym typeface="Courier New"/>
+              </a:rPr>
+              <a:t>'</a:t>
             </a:r>
             <a:r>
               <a:rPr lang="en" sz="2200" dirty="0" smtClean="0">
@@ -33080,7 +34382,19 @@
                 <a:cs typeface="Menlo Regular"/>
                 <a:sym typeface="Courier New"/>
               </a:rPr>
-              <a:t>'zip‘</a:t>
+              <a:t>'zip</a:t>
+            </a:r>
+            <a:r>
+              <a:rPr lang="en-US" sz="2200" dirty="0" smtClean="0">
+                <a:solidFill>
+                  <a:srgbClr val="D20035"/>
+                </a:solidFill>
+                <a:latin typeface="Menlo Regular"/>
+                <a:ea typeface="Courier New"/>
+                <a:cs typeface="Menlo Regular"/>
+                <a:sym typeface="Courier New"/>
+              </a:rPr>
+              <a:t>'</a:t>
             </a:r>
             <a:r>
               <a:rPr lang="en" sz="2200" dirty="0" smtClean="0">
@@ -33092,7 +34406,19 @@
                 <a:cs typeface="Menlo Regular"/>
                 <a:sym typeface="Courier New"/>
               </a:rPr>
-              <a:t>: ‘</a:t>
+              <a:t>: </a:t>
+            </a:r>
+            <a:r>
+              <a:rPr lang="en-US" sz="2200" dirty="0">
+                <a:solidFill>
+                  <a:srgbClr val="000000"/>
+                </a:solidFill>
+                <a:latin typeface="Menlo Regular"/>
+                <a:ea typeface="Courier New"/>
+                <a:cs typeface="Menlo Regular"/>
+                <a:sym typeface="Courier New"/>
+              </a:rPr>
+              <a:t>'</a:t>
             </a:r>
             <a:r>
               <a:rPr lang="en-US" sz="2200" dirty="0" smtClean="0">
@@ -33556,13 +34882,13 @@
   <p:clrMapOvr>
     <a:masterClrMapping/>
   </p:clrMapOvr>
-  <p:transition spd="slow">
+  <p:transition xmlns:p14="http://schemas.microsoft.com/office/powerpoint/2010/main" spd="slow">
     <p:cut/>
   </p:transition>
 </p:sld>
 </file>
 
-<file path=ppt/slides/slide71.xml><?xml version="1.0" encoding="utf-8"?>
+<file path=ppt/slides/slide72.xml><?xml version="1.0" encoding="utf-8"?>
 <p:sld xmlns:a="http://schemas.openxmlformats.org/drawingml/2006/main" xmlns:r="http://schemas.openxmlformats.org/officeDocument/2006/relationships" xmlns:p="http://schemas.openxmlformats.org/presentationml/2006/main">
   <p:cSld>
     <p:spTree>
@@ -33782,13 +35108,13 @@
   <p:clrMapOvr>
     <a:overrideClrMapping bg1="lt1" tx1="dk1" bg2="dk2" tx2="lt2" accent1="accent1" accent2="accent2" accent3="accent3" accent4="accent4" accent5="accent5" accent6="accent6" hlink="hlink" folHlink="folHlink"/>
   </p:clrMapOvr>
-  <p:transition spd="slow">
+  <p:transition xmlns:p14="http://schemas.microsoft.com/office/powerpoint/2010/main" spd="slow">
     <p:cut/>
   </p:transition>
 </p:sld>
 </file>
 
-<file path=ppt/slides/slide72.xml><?xml version="1.0" encoding="utf-8"?>
+<file path=ppt/slides/slide73.xml><?xml version="1.0" encoding="utf-8"?>
 <p:sld xmlns:a="http://schemas.openxmlformats.org/drawingml/2006/main" xmlns:r="http://schemas.openxmlformats.org/officeDocument/2006/relationships" xmlns:p="http://schemas.openxmlformats.org/presentationml/2006/main">
   <p:cSld>
     <p:spTree>
@@ -34040,13 +35366,13 @@
   <p:clrMapOvr>
     <a:masterClrMapping/>
   </p:clrMapOvr>
-  <p:transition spd="slow">
+  <p:transition xmlns:p14="http://schemas.microsoft.com/office/powerpoint/2010/main" spd="slow">
     <p:cut/>
   </p:transition>
 </p:sld>
 </file>
 
-<file path=ppt/slides/slide73.xml><?xml version="1.0" encoding="utf-8"?>
+<file path=ppt/slides/slide74.xml><?xml version="1.0" encoding="utf-8"?>
 <p:sld xmlns:a="http://schemas.openxmlformats.org/drawingml/2006/main" xmlns:r="http://schemas.openxmlformats.org/officeDocument/2006/relationships" xmlns:p="http://schemas.openxmlformats.org/presentationml/2006/main">
   <p:cSld>
     <p:spTree>
@@ -34323,13 +35649,13 @@
   <p:clrMapOvr>
     <a:masterClrMapping/>
   </p:clrMapOvr>
-  <p:transition spd="slow">
+  <p:transition xmlns:p14="http://schemas.microsoft.com/office/powerpoint/2010/main" spd="slow">
     <p:cut/>
   </p:transition>
 </p:sld>
 </file>
 
-<file path=ppt/slides/slide74.xml><?xml version="1.0" encoding="utf-8"?>
+<file path=ppt/slides/slide75.xml><?xml version="1.0" encoding="utf-8"?>
 <p:sld xmlns:a="http://schemas.openxmlformats.org/drawingml/2006/main" xmlns:r="http://schemas.openxmlformats.org/officeDocument/2006/relationships" xmlns:p="http://schemas.openxmlformats.org/presentationml/2006/main">
   <p:cSld>
     <p:spTree>
@@ -34420,16 +35746,7 @@
           </a:bodyPr>
           <a:lstStyle/>
           <a:p>
-            <a:pPr marL="381000" marR="0" lvl="0" indent="-203200" rtl="0">
-              <a:lnSpc>
-                <a:spcPct val="100000"/>
-              </a:lnSpc>
-              <a:spcBef>
-                <a:spcPts val="0"/>
-              </a:spcBef>
-              <a:spcAft>
-                <a:spcPts val="0"/>
-              </a:spcAft>
+            <a:pPr marL="381000" lvl="0" indent="-203200">
               <a:buClr>
                 <a:srgbClr val="0000FF"/>
               </a:buClr>
@@ -34438,162 +35755,38 @@
               <a:buChar char="●"/>
             </a:pPr>
             <a:r>
+              <a:rPr lang="en" sz="2400" u="sng" dirty="0" smtClean="0">
+                <a:solidFill>
+                  <a:srgbClr val="0000FF"/>
+                </a:solidFill>
+                <a:sym typeface="Open Sans"/>
+              </a:rPr>
+              <a:t>https</a:t>
+            </a:r>
+            <a:r>
               <a:rPr lang="en" sz="2400" u="sng" dirty="0">
                 <a:solidFill>
                   <a:srgbClr val="0000FF"/>
+                </a:solidFill>
+                <a:sym typeface="Open Sans"/>
+              </a:rPr>
+              <a:t>://docs.python.org/3/</a:t>
+            </a:r>
+            <a:r>
+              <a:rPr lang="en" sz="2400" dirty="0">
+                <a:solidFill>
+                  <a:srgbClr val="000000"/>
                 </a:solidFill>
                 <a:latin typeface="Open Sans"/>
                 <a:ea typeface="Open Sans"/>
                 <a:cs typeface="Open Sans"/>
                 <a:sym typeface="Open Sans"/>
-                <a:hlinkClick r:id="rId3"/>
-              </a:rPr>
-              <a:t>Rubylearning.com</a:t>
-            </a:r>
-          </a:p>
-          <a:p>
-            <a:pPr marL="381000" marR="0" lvl="0" indent="-203200" rtl="0">
-              <a:lnSpc>
-                <a:spcPct val="100000"/>
-              </a:lnSpc>
-              <a:spcBef>
-                <a:spcPts val="0"/>
-              </a:spcBef>
-              <a:spcAft>
-                <a:spcPts val="0"/>
-              </a:spcAft>
-              <a:buClr>
-                <a:srgbClr val="0000FF"/>
-              </a:buClr>
-              <a:buSzPct val="100000"/>
-              <a:buFont typeface="Arial"/>
-              <a:buChar char="●"/>
-            </a:pPr>
-            <a:r>
-              <a:rPr lang="en" sz="2400" u="sng" dirty="0">
-                <a:solidFill>
-                  <a:srgbClr val="0000FF"/>
-                </a:solidFill>
-                <a:latin typeface="Open Sans"/>
-                <a:ea typeface="Open Sans"/>
-                <a:cs typeface="Open Sans"/>
-                <a:sym typeface="Open Sans"/>
-                <a:hlinkClick r:id="rId4"/>
-              </a:rPr>
-              <a:t>Learn to Program</a:t>
-            </a:r>
-            <a:r>
-              <a:rPr lang="en" sz="2400" dirty="0">
-                <a:solidFill>
-                  <a:srgbClr val="000000"/>
-                </a:solidFill>
-                <a:latin typeface="Open Sans"/>
-                <a:ea typeface="Open Sans"/>
-                <a:cs typeface="Open Sans"/>
-                <a:sym typeface="Open Sans"/>
-              </a:rPr>
-              <a:t> (http://pine.fm/LearnToProgram/)</a:t>
-            </a:r>
-          </a:p>
-          <a:p>
-            <a:pPr marL="381000" marR="0" lvl="0" indent="-203200" rtl="0">
-              <a:lnSpc>
-                <a:spcPct val="100000"/>
-              </a:lnSpc>
-              <a:spcBef>
-                <a:spcPts val="0"/>
-              </a:spcBef>
-              <a:spcAft>
-                <a:spcPts val="0"/>
-              </a:spcAft>
-              <a:buClr>
-                <a:srgbClr val="0000FF"/>
-              </a:buClr>
-              <a:buSzPct val="100000"/>
-              <a:buFont typeface="Arial"/>
-              <a:buChar char="●"/>
-            </a:pPr>
-            <a:r>
-              <a:rPr lang="en" sz="2400" u="sng" dirty="0">
-                <a:solidFill>
-                  <a:srgbClr val="0000FF"/>
-                </a:solidFill>
-                <a:latin typeface="Open Sans"/>
-                <a:ea typeface="Open Sans"/>
-                <a:cs typeface="Open Sans"/>
-                <a:sym typeface="Open Sans"/>
-                <a:hlinkClick r:id="rId5"/>
-              </a:rPr>
-              <a:t>Why's Poignant Guide to Ruby </a:t>
-            </a:r>
-            <a:r>
-              <a:rPr lang="en" sz="2400" dirty="0">
-                <a:solidFill>
-                  <a:srgbClr val="000000"/>
-                </a:solidFill>
-                <a:latin typeface="Open Sans"/>
-                <a:ea typeface="Open Sans"/>
-                <a:cs typeface="Open Sans"/>
-                <a:sym typeface="Open Sans"/>
-              </a:rPr>
-              <a:t>(http://mislav.uniqpath.com/poignant-guide/)</a:t>
-            </a:r>
-          </a:p>
-          <a:p>
-            <a:pPr marL="381000" marR="0" lvl="0" indent="-203200" rtl="0">
-              <a:lnSpc>
-                <a:spcPct val="100000"/>
-              </a:lnSpc>
-              <a:spcBef>
-                <a:spcPts val="0"/>
-              </a:spcBef>
-              <a:spcAft>
-                <a:spcPts val="0"/>
-              </a:spcAft>
-              <a:buClr>
-                <a:srgbClr val="0000FF"/>
-              </a:buClr>
-              <a:buSzPct val="100000"/>
-              <a:buFont typeface="Arial"/>
-              <a:buChar char="●"/>
-            </a:pPr>
-            <a:r>
-              <a:rPr lang="en" sz="2400" u="sng" dirty="0">
-                <a:solidFill>
-                  <a:srgbClr val="0000FF"/>
-                </a:solidFill>
-                <a:latin typeface="Open Sans"/>
-                <a:ea typeface="Open Sans"/>
-                <a:cs typeface="Open Sans"/>
-                <a:sym typeface="Open Sans"/>
-                <a:hlinkClick r:id="rId6"/>
-              </a:rPr>
-              <a:t>Ruby Documentation</a:t>
-            </a:r>
-            <a:r>
-              <a:rPr lang="en" sz="2400" dirty="0">
-                <a:solidFill>
-                  <a:srgbClr val="000000"/>
-                </a:solidFill>
-                <a:latin typeface="Open Sans"/>
-                <a:ea typeface="Open Sans"/>
-                <a:cs typeface="Open Sans"/>
-                <a:sym typeface="Open Sans"/>
-              </a:rPr>
-              <a:t> (http://ruby-doc.org/core/) </a:t>
-            </a:r>
-          </a:p>
-          <a:p>
-            <a:pPr marL="381000" marR="0" lvl="0" indent="-203200" rtl="0">
-              <a:lnSpc>
-                <a:spcPct val="100000"/>
-              </a:lnSpc>
-              <a:spcBef>
-                <a:spcPts val="0"/>
-              </a:spcBef>
-              <a:spcAft>
-                <a:spcPts val="0"/>
-              </a:spcAft>
+              </a:rPr>
+              <a:t> </a:t>
+            </a:r>
+          </a:p>
+          <a:p>
+            <a:pPr marL="381000" lvl="0" indent="-203200">
               <a:buClr>
                 <a:srgbClr val="000000"/>
               </a:buClr>
@@ -34602,42 +35795,20 @@
               <a:buChar char="●"/>
             </a:pPr>
             <a:r>
-              <a:rPr lang="en" sz="2400">
-                <a:solidFill>
-                  <a:srgbClr val="000000"/>
-                </a:solidFill>
-                <a:latin typeface="Open Sans"/>
-                <a:ea typeface="Open Sans"/>
-                <a:cs typeface="Open Sans"/>
+              <a:rPr lang="en" sz="2400" dirty="0">
                 <a:sym typeface="Open Sans"/>
               </a:rPr>
-              <a:t>"</a:t>
-            </a:r>
-            <a:r>
-              <a:rPr lang="en" sz="2400" u="sng">
-                <a:solidFill>
-                  <a:srgbClr val="0000FF"/>
-                </a:solidFill>
-                <a:latin typeface="Open Sans"/>
-                <a:ea typeface="Open Sans"/>
-                <a:cs typeface="Open Sans"/>
-                <a:sym typeface="Open Sans"/>
-                <a:hlinkClick r:id="rId7"/>
-              </a:rPr>
-              <a:t>Pick-axe Book</a:t>
-            </a:r>
-            <a:r>
-              <a:rPr lang="en" sz="2400">
-                <a:solidFill>
-                  <a:srgbClr val="000000"/>
-                </a:solidFill>
-                <a:latin typeface="Open Sans"/>
-                <a:ea typeface="Open Sans"/>
-                <a:cs typeface="Open Sans"/>
-                <a:sym typeface="Open Sans"/>
-              </a:rPr>
-              <a:t>" (http://ruby-doc.org/docs/ProgrammingRuby/) </a:t>
-            </a:r>
+              <a:t>https://learnpythonthehardway.org/</a:t>
+            </a:r>
+            <a:endParaRPr lang="en" sz="2400" dirty="0">
+              <a:solidFill>
+                <a:srgbClr val="000000"/>
+              </a:solidFill>
+              <a:latin typeface="Open Sans"/>
+              <a:ea typeface="Open Sans"/>
+              <a:cs typeface="Open Sans"/>
+              <a:sym typeface="Open Sans"/>
+            </a:endParaRPr>
           </a:p>
         </p:txBody>
       </p:sp>
@@ -34646,7 +35817,7 @@
   <p:clrMapOvr>
     <a:masterClrMapping/>
   </p:clrMapOvr>
-  <p:transition spd="slow">
+  <p:transition xmlns:p14="http://schemas.microsoft.com/office/powerpoint/2010/main" spd="slow">
     <p:cut/>
   </p:transition>
 </p:sld>
@@ -35026,13 +36197,13 @@
   <p:clrMapOvr>
     <a:masterClrMapping/>
   </p:clrMapOvr>
-  <p:transition spd="slow">
+  <p:transition xmlns:p14="http://schemas.microsoft.com/office/powerpoint/2010/main" spd="slow">
     <p:cut/>
   </p:transition>
   <p:timing>
     <p:tnLst>
       <p:par>
-        <p:cTn id="1" dur="indefinite" restart="never" nodeType="tmRoot"/>
+        <p:cTn xmlns:p14="http://schemas.microsoft.com/office/powerpoint/2010/main" id="1" dur="indefinite" restart="never" nodeType="tmRoot"/>
       </p:par>
     </p:tnLst>
   </p:timing>
@@ -35343,13 +36514,13 @@
   <p:clrMapOvr>
     <a:masterClrMapping/>
   </p:clrMapOvr>
-  <p:transition spd="slow">
+  <p:transition xmlns:p14="http://schemas.microsoft.com/office/powerpoint/2010/main" spd="slow">
     <p:cut/>
   </p:transition>
   <p:timing>
     <p:tnLst>
       <p:par>
-        <p:cTn id="1" dur="indefinite" restart="never" nodeType="tmRoot"/>
+        <p:cTn xmlns:p14="http://schemas.microsoft.com/office/powerpoint/2010/main" id="1" dur="indefinite" restart="never" nodeType="tmRoot"/>
       </p:par>
     </p:tnLst>
   </p:timing>
